--- a/decision_trees/drafts/draft_decision_trees_part_2_and_3_date_25DEC2018.pptx
+++ b/decision_trees/drafts/draft_decision_trees_part_2_and_3_date_25DEC2018.pptx
@@ -5,68 +5,71 @@
     <p:sldMasterId id="2147483660" r:id="rId1"/>
   </p:sldMasterIdLst>
   <p:notesMasterIdLst>
-    <p:notesMasterId r:id="rId61"/>
+    <p:notesMasterId r:id="rId64"/>
   </p:notesMasterIdLst>
   <p:sldIdLst>
     <p:sldId id="256" r:id="rId2"/>
     <p:sldId id="306" r:id="rId3"/>
     <p:sldId id="309" r:id="rId4"/>
-    <p:sldId id="380" r:id="rId5"/>
-    <p:sldId id="381" r:id="rId6"/>
-    <p:sldId id="382" r:id="rId7"/>
-    <p:sldId id="386" r:id="rId8"/>
-    <p:sldId id="383" r:id="rId9"/>
-    <p:sldId id="384" r:id="rId10"/>
-    <p:sldId id="385" r:id="rId11"/>
-    <p:sldId id="328" r:id="rId12"/>
-    <p:sldId id="329" r:id="rId13"/>
-    <p:sldId id="330" r:id="rId14"/>
-    <p:sldId id="331" r:id="rId15"/>
-    <p:sldId id="332" r:id="rId16"/>
-    <p:sldId id="333" r:id="rId17"/>
-    <p:sldId id="334" r:id="rId18"/>
-    <p:sldId id="335" r:id="rId19"/>
-    <p:sldId id="336" r:id="rId20"/>
-    <p:sldId id="337" r:id="rId21"/>
-    <p:sldId id="338" r:id="rId22"/>
-    <p:sldId id="339" r:id="rId23"/>
-    <p:sldId id="340" r:id="rId24"/>
-    <p:sldId id="342" r:id="rId25"/>
-    <p:sldId id="341" r:id="rId26"/>
-    <p:sldId id="343" r:id="rId27"/>
-    <p:sldId id="344" r:id="rId28"/>
-    <p:sldId id="346" r:id="rId29"/>
-    <p:sldId id="347" r:id="rId30"/>
-    <p:sldId id="348" r:id="rId31"/>
-    <p:sldId id="349" r:id="rId32"/>
-    <p:sldId id="350" r:id="rId33"/>
-    <p:sldId id="351" r:id="rId34"/>
-    <p:sldId id="353" r:id="rId35"/>
-    <p:sldId id="354" r:id="rId36"/>
-    <p:sldId id="355" r:id="rId37"/>
-    <p:sldId id="356" r:id="rId38"/>
-    <p:sldId id="357" r:id="rId39"/>
-    <p:sldId id="358" r:id="rId40"/>
-    <p:sldId id="345" r:id="rId41"/>
-    <p:sldId id="359" r:id="rId42"/>
-    <p:sldId id="360" r:id="rId43"/>
-    <p:sldId id="364" r:id="rId44"/>
-    <p:sldId id="365" r:id="rId45"/>
-    <p:sldId id="366" r:id="rId46"/>
-    <p:sldId id="367" r:id="rId47"/>
-    <p:sldId id="370" r:id="rId48"/>
-    <p:sldId id="371" r:id="rId49"/>
-    <p:sldId id="368" r:id="rId50"/>
-    <p:sldId id="369" r:id="rId51"/>
-    <p:sldId id="372" r:id="rId52"/>
-    <p:sldId id="373" r:id="rId53"/>
-    <p:sldId id="374" r:id="rId54"/>
-    <p:sldId id="375" r:id="rId55"/>
-    <p:sldId id="376" r:id="rId56"/>
-    <p:sldId id="377" r:id="rId57"/>
-    <p:sldId id="378" r:id="rId58"/>
-    <p:sldId id="379" r:id="rId59"/>
-    <p:sldId id="361" r:id="rId60"/>
+    <p:sldId id="387" r:id="rId5"/>
+    <p:sldId id="388" r:id="rId6"/>
+    <p:sldId id="389" r:id="rId7"/>
+    <p:sldId id="380" r:id="rId8"/>
+    <p:sldId id="381" r:id="rId9"/>
+    <p:sldId id="382" r:id="rId10"/>
+    <p:sldId id="386" r:id="rId11"/>
+    <p:sldId id="383" r:id="rId12"/>
+    <p:sldId id="384" r:id="rId13"/>
+    <p:sldId id="385" r:id="rId14"/>
+    <p:sldId id="328" r:id="rId15"/>
+    <p:sldId id="329" r:id="rId16"/>
+    <p:sldId id="330" r:id="rId17"/>
+    <p:sldId id="331" r:id="rId18"/>
+    <p:sldId id="332" r:id="rId19"/>
+    <p:sldId id="333" r:id="rId20"/>
+    <p:sldId id="334" r:id="rId21"/>
+    <p:sldId id="335" r:id="rId22"/>
+    <p:sldId id="336" r:id="rId23"/>
+    <p:sldId id="337" r:id="rId24"/>
+    <p:sldId id="338" r:id="rId25"/>
+    <p:sldId id="339" r:id="rId26"/>
+    <p:sldId id="340" r:id="rId27"/>
+    <p:sldId id="342" r:id="rId28"/>
+    <p:sldId id="341" r:id="rId29"/>
+    <p:sldId id="343" r:id="rId30"/>
+    <p:sldId id="344" r:id="rId31"/>
+    <p:sldId id="346" r:id="rId32"/>
+    <p:sldId id="347" r:id="rId33"/>
+    <p:sldId id="348" r:id="rId34"/>
+    <p:sldId id="349" r:id="rId35"/>
+    <p:sldId id="350" r:id="rId36"/>
+    <p:sldId id="351" r:id="rId37"/>
+    <p:sldId id="353" r:id="rId38"/>
+    <p:sldId id="354" r:id="rId39"/>
+    <p:sldId id="355" r:id="rId40"/>
+    <p:sldId id="356" r:id="rId41"/>
+    <p:sldId id="357" r:id="rId42"/>
+    <p:sldId id="358" r:id="rId43"/>
+    <p:sldId id="345" r:id="rId44"/>
+    <p:sldId id="359" r:id="rId45"/>
+    <p:sldId id="360" r:id="rId46"/>
+    <p:sldId id="364" r:id="rId47"/>
+    <p:sldId id="365" r:id="rId48"/>
+    <p:sldId id="366" r:id="rId49"/>
+    <p:sldId id="367" r:id="rId50"/>
+    <p:sldId id="370" r:id="rId51"/>
+    <p:sldId id="371" r:id="rId52"/>
+    <p:sldId id="368" r:id="rId53"/>
+    <p:sldId id="369" r:id="rId54"/>
+    <p:sldId id="372" r:id="rId55"/>
+    <p:sldId id="373" r:id="rId56"/>
+    <p:sldId id="374" r:id="rId57"/>
+    <p:sldId id="375" r:id="rId58"/>
+    <p:sldId id="376" r:id="rId59"/>
+    <p:sldId id="377" r:id="rId60"/>
+    <p:sldId id="378" r:id="rId61"/>
+    <p:sldId id="379" r:id="rId62"/>
+    <p:sldId id="361" r:id="rId63"/>
   </p:sldIdLst>
   <p:sldSz cx="9144000" cy="6858000" type="screen4x3"/>
   <p:notesSz cx="6858000" cy="9144000"/>
@@ -250,7 +253,7 @@
           <a:p>
             <a:fld id="{F9D86B32-7720-4E33-AEC2-2812AF876771}" type="datetimeFigureOut">
               <a:rPr lang="ru-RU" smtClean="0"/>
-              <a:t>11.01.2019</a:t>
+              <a:t>17.02.2019</a:t>
             </a:fld>
             <a:endParaRPr lang="ru-RU"/>
           </a:p>
@@ -583,7 +586,7 @@
           <a:p>
             <a:fld id="{0F853305-7E1E-44A2-9A3D-B0912FB45703}" type="slidenum">
               <a:rPr lang="ru-RU" smtClean="0"/>
-              <a:t>14</a:t>
+              <a:t>17</a:t>
             </a:fld>
             <a:endParaRPr lang="ru-RU"/>
           </a:p>
@@ -924,7 +927,7 @@
           <a:p>
             <a:fld id="{0F853305-7E1E-44A2-9A3D-B0912FB45703}" type="slidenum">
               <a:rPr lang="ru-RU" smtClean="0"/>
-              <a:t>23</a:t>
+              <a:t>26</a:t>
             </a:fld>
             <a:endParaRPr lang="ru-RU"/>
           </a:p>
@@ -1191,7 +1194,7 @@
           <a:p>
             <a:fld id="{44848DE1-8FDF-4BCB-A3B7-6F8759560322}" type="datetime1">
               <a:rPr lang="ru-RU" smtClean="0"/>
-              <a:t>11.01.2019</a:t>
+              <a:t>17.02.2019</a:t>
             </a:fld>
             <a:endParaRPr lang="ru-RU"/>
           </a:p>
@@ -1414,7 +1417,7 @@
           <a:p>
             <a:fld id="{6AF025C1-72CB-4A1F-A8AC-B45C976D14DA}" type="datetime1">
               <a:rPr lang="ru-RU" smtClean="0"/>
-              <a:t>11.01.2019</a:t>
+              <a:t>17.02.2019</a:t>
             </a:fld>
             <a:endParaRPr lang="ru-RU"/>
           </a:p>
@@ -1694,7 +1697,7 @@
           <a:p>
             <a:fld id="{6771165C-13C9-4C27-A82E-E3C6741693A8}" type="datetime1">
               <a:rPr lang="ru-RU" smtClean="0"/>
-              <a:t>11.01.2019</a:t>
+              <a:t>17.02.2019</a:t>
             </a:fld>
             <a:endParaRPr lang="ru-RU"/>
           </a:p>
@@ -1873,7 +1876,7 @@
           <a:p>
             <a:fld id="{45C6D225-7630-400E-9350-F5D70BD70F68}" type="datetime1">
               <a:rPr lang="ru-RU" smtClean="0"/>
-              <a:t>11.01.2019</a:t>
+              <a:t>17.02.2019</a:t>
             </a:fld>
             <a:endParaRPr lang="ru-RU"/>
           </a:p>
@@ -2231,7 +2234,7 @@
           <a:p>
             <a:fld id="{25C0BE65-D3BA-4FA0-8125-6B380BF223DC}" type="datetime1">
               <a:rPr lang="ru-RU" smtClean="0"/>
-              <a:t>11.01.2019</a:t>
+              <a:t>17.02.2019</a:t>
             </a:fld>
             <a:endParaRPr lang="ru-RU"/>
           </a:p>
@@ -2518,7 +2521,7 @@
           <a:p>
             <a:fld id="{709E2707-F769-4C43-8952-AC653C0BDDA6}" type="datetime1">
               <a:rPr lang="ru-RU" smtClean="0"/>
-              <a:t>11.01.2019</a:t>
+              <a:t>17.02.2019</a:t>
             </a:fld>
             <a:endParaRPr lang="ru-RU"/>
           </a:p>
@@ -2940,7 +2943,7 @@
           <a:p>
             <a:fld id="{687FF384-C075-44CC-8D23-746DFC5DBF55}" type="datetime1">
               <a:rPr lang="ru-RU" smtClean="0"/>
-              <a:t>11.01.2019</a:t>
+              <a:t>17.02.2019</a:t>
             </a:fld>
             <a:endParaRPr lang="ru-RU"/>
           </a:p>
@@ -3055,7 +3058,7 @@
           <a:p>
             <a:fld id="{99AEE0FD-1E0F-4668-BFC0-E7FE22CF2AD9}" type="datetime1">
               <a:rPr lang="ru-RU" smtClean="0"/>
-              <a:t>11.01.2019</a:t>
+              <a:t>17.02.2019</a:t>
             </a:fld>
             <a:endParaRPr lang="ru-RU"/>
           </a:p>
@@ -3145,7 +3148,7 @@
           <a:p>
             <a:fld id="{BD672CC7-CBE4-47AB-80F7-E5752325A98D}" type="datetime1">
               <a:rPr lang="ru-RU" smtClean="0"/>
-              <a:t>11.01.2019</a:t>
+              <a:t>17.02.2019</a:t>
             </a:fld>
             <a:endParaRPr lang="ru-RU"/>
           </a:p>
@@ -3423,7 +3426,7 @@
           <a:p>
             <a:fld id="{D63628FB-F08E-474D-B17D-BA9FC5E2F0AD}" type="datetime1">
               <a:rPr lang="ru-RU" smtClean="0"/>
-              <a:t>11.01.2019</a:t>
+              <a:t>17.02.2019</a:t>
             </a:fld>
             <a:endParaRPr lang="ru-RU"/>
           </a:p>
@@ -3789,7 +3792,7 @@
           <a:p>
             <a:fld id="{A0389193-55B4-4083-9191-162D1608658B}" type="datetime1">
               <a:rPr lang="ru-RU" smtClean="0"/>
-              <a:t>11.01.2019</a:t>
+              <a:t>17.02.2019</a:t>
             </a:fld>
             <a:endParaRPr lang="ru-RU"/>
           </a:p>
@@ -4226,7 +4229,7 @@
           <a:p>
             <a:fld id="{817E02B0-0265-49A4-BCE2-6B79637AD387}" type="datetime1">
               <a:rPr lang="ru-RU" smtClean="0"/>
-              <a:t>11.01.2019</a:t>
+              <a:t>17.02.2019</a:t>
             </a:fld>
             <a:endParaRPr lang="ru-RU"/>
           </a:p>
@@ -4691,7 +4694,15 @@
             </a:br>
             <a:r>
               <a:rPr lang="en-US" sz="2000" dirty="0" smtClean="0"/>
-              <a:t>(Part II/II)</a:t>
+              <a:t>(Part </a:t>
+            </a:r>
+            <a:r>
+              <a:rPr lang="en-US" sz="2000" dirty="0" smtClean="0"/>
+              <a:t>III/III</a:t>
+            </a:r>
+            <a:r>
+              <a:rPr lang="en-US" sz="2000" dirty="0" smtClean="0"/>
+              <a:t>)</a:t>
             </a:r>
             <a:br>
               <a:rPr lang="en-US" sz="2000" dirty="0" smtClean="0"/>
@@ -4843,6 +4854,714 @@
           <a:p>
             <a:r>
               <a:rPr lang="en-US" dirty="0" smtClean="0"/>
+              <a:t>Why Elastic Net is exist?</a:t>
+            </a:r>
+            <a:endParaRPr lang="ru-RU" dirty="0"/>
+          </a:p>
+        </p:txBody>
+      </p:sp>
+      <p:sp>
+        <p:nvSpPr>
+          <p:cNvPr id="3" name="Объект 2"/>
+          <p:cNvSpPr>
+            <a:spLocks noGrp="1"/>
+          </p:cNvSpPr>
+          <p:nvPr>
+            <p:ph idx="1"/>
+          </p:nvPr>
+        </p:nvSpPr>
+        <p:spPr/>
+        <p:txBody>
+          <a:bodyPr>
+            <a:normAutofit fontScale="85000" lnSpcReduction="20000"/>
+          </a:bodyPr>
+          <a:lstStyle/>
+          <a:p>
+            <a:r>
+              <a:rPr lang="en-US" dirty="0" smtClean="0"/>
+              <a:t>Lasso do not do well when we have correlated features</a:t>
+            </a:r>
+            <a:endParaRPr lang="en-US" dirty="0"/>
+          </a:p>
+          <a:p>
+            <a:r>
+              <a:rPr lang="en-US" dirty="0" smtClean="0"/>
+              <a:t>From other side quadratic penalty try to shrink coefficients</a:t>
+            </a:r>
+          </a:p>
+          <a:p>
+            <a:endParaRPr lang="en-US" dirty="0" smtClean="0"/>
+          </a:p>
+          <a:p>
+            <a:r>
+              <a:rPr lang="en-US" dirty="0" smtClean="0"/>
+              <a:t>Empirically “Elastic Net try to select whole group of coefficients together and make coefficients in group similar to each other“-</a:t>
+            </a:r>
+            <a:r>
+              <a:rPr lang="en-US" dirty="0" err="1" smtClean="0"/>
+              <a:t>T.Hastie</a:t>
+            </a:r>
+            <a:endParaRPr lang="en-US" dirty="0" smtClean="0"/>
+          </a:p>
+          <a:p>
+            <a:r>
+              <a:rPr lang="en-US" dirty="0" smtClean="0"/>
+              <a:t>So it gives also sparse solution</a:t>
+            </a:r>
+          </a:p>
+          <a:p>
+            <a:endParaRPr lang="en-US" dirty="0"/>
+          </a:p>
+          <a:p>
+            <a:r>
+              <a:rPr lang="en-US" dirty="0" smtClean="0"/>
+              <a:t>Some question from audience: Does it has sense instead of L2 norm square use some other convex </a:t>
+            </a:r>
+            <a:r>
+              <a:rPr lang="en-US" dirty="0" err="1" smtClean="0"/>
+              <a:t>Lp</a:t>
+            </a:r>
+            <a:r>
+              <a:rPr lang="en-US" dirty="0" smtClean="0"/>
+              <a:t> </a:t>
+            </a:r>
+            <a:r>
+              <a:rPr lang="en-US" smtClean="0"/>
+              <a:t>norm. T.Hastie</a:t>
+            </a:r>
+            <a:r>
+              <a:rPr lang="en-US" dirty="0" smtClean="0"/>
+              <a:t> </a:t>
+            </a:r>
+            <a:r>
+              <a:rPr lang="en-US" b="1" dirty="0" smtClean="0"/>
+              <a:t>“No”</a:t>
+            </a:r>
+            <a:endParaRPr lang="ru-RU" b="1" dirty="0"/>
+          </a:p>
+        </p:txBody>
+      </p:sp>
+      <p:sp>
+        <p:nvSpPr>
+          <p:cNvPr id="4" name="Номер слайда 3"/>
+          <p:cNvSpPr>
+            <a:spLocks noGrp="1"/>
+          </p:cNvSpPr>
+          <p:nvPr>
+            <p:ph type="sldNum" sz="quarter" idx="12"/>
+          </p:nvPr>
+        </p:nvSpPr>
+        <p:spPr/>
+        <p:txBody>
+          <a:bodyPr/>
+          <a:lstStyle/>
+          <a:p>
+            <a:fld id="{C453EA42-BA89-4D45-B3D1-7EC11C308921}" type="slidenum">
+              <a:rPr lang="ru-RU" smtClean="0"/>
+              <a:t>10</a:t>
+            </a:fld>
+            <a:endParaRPr lang="ru-RU"/>
+          </a:p>
+        </p:txBody>
+      </p:sp>
+    </p:spTree>
+    <p:extLst>
+      <p:ext uri="{BB962C8B-B14F-4D97-AF65-F5344CB8AC3E}">
+        <p14:creationId xmlns:p14="http://schemas.microsoft.com/office/powerpoint/2010/main" val="2297070531"/>
+      </p:ext>
+    </p:extLst>
+  </p:cSld>
+  <p:clrMapOvr>
+    <a:masterClrMapping/>
+  </p:clrMapOvr>
+</p:sld>
+</file>
+
+<file path=ppt/slides/slide11.xml><?xml version="1.0" encoding="utf-8"?>
+<p:sld xmlns:a="http://schemas.openxmlformats.org/drawingml/2006/main" xmlns:r="http://schemas.openxmlformats.org/officeDocument/2006/relationships" xmlns:p="http://schemas.openxmlformats.org/presentationml/2006/main">
+  <p:cSld>
+    <p:spTree>
+      <p:nvGrpSpPr>
+        <p:cNvPr id="1" name=""/>
+        <p:cNvGrpSpPr/>
+        <p:nvPr/>
+      </p:nvGrpSpPr>
+      <p:grpSpPr>
+        <a:xfrm>
+          <a:off x="0" y="0"/>
+          <a:ext cx="0" cy="0"/>
+          <a:chOff x="0" y="0"/>
+          <a:chExt cx="0" cy="0"/>
+        </a:xfrm>
+      </p:grpSpPr>
+      <p:sp>
+        <p:nvSpPr>
+          <p:cNvPr id="2" name="Заголовок 1"/>
+          <p:cNvSpPr>
+            <a:spLocks noGrp="1"/>
+          </p:cNvSpPr>
+          <p:nvPr>
+            <p:ph type="title"/>
+          </p:nvPr>
+        </p:nvSpPr>
+        <p:spPr/>
+        <p:txBody>
+          <a:bodyPr/>
+          <a:lstStyle/>
+          <a:p>
+            <a:r>
+              <a:rPr lang="en-US" dirty="0"/>
+              <a:t>Short History of Path Algorithms</a:t>
+            </a:r>
+            <a:endParaRPr lang="ru-RU" dirty="0"/>
+          </a:p>
+        </p:txBody>
+      </p:sp>
+      <p:sp>
+        <p:nvSpPr>
+          <p:cNvPr id="3" name="Объект 2"/>
+          <p:cNvSpPr>
+            <a:spLocks noGrp="1"/>
+          </p:cNvSpPr>
+          <p:nvPr>
+            <p:ph idx="1"/>
+          </p:nvPr>
+        </p:nvSpPr>
+        <p:spPr/>
+        <p:txBody>
+          <a:bodyPr>
+            <a:normAutofit lnSpcReduction="10000"/>
+          </a:bodyPr>
+          <a:lstStyle/>
+          <a:p>
+            <a:r>
+              <a:rPr lang="en-US" dirty="0" smtClean="0"/>
+              <a:t>In 2001 </a:t>
+            </a:r>
+            <a:r>
+              <a:rPr lang="en-US" dirty="0" err="1" smtClean="0"/>
+              <a:t>Efron</a:t>
+            </a:r>
+            <a:r>
+              <a:rPr lang="en-US" dirty="0" smtClean="0"/>
+              <a:t>, Hastie discovered that in fact problem can be solved in other way.</a:t>
+            </a:r>
+          </a:p>
+          <a:p>
+            <a:endParaRPr lang="en-US" dirty="0"/>
+          </a:p>
+          <a:p>
+            <a:r>
+              <a:rPr lang="en-US" dirty="0" err="1" smtClean="0"/>
+              <a:t>T.Hastie</a:t>
+            </a:r>
+            <a:r>
+              <a:rPr lang="en-US" dirty="0" smtClean="0"/>
+              <a:t> mentioned that it’s </a:t>
+            </a:r>
+            <a:r>
+              <a:rPr lang="en-US" dirty="0" err="1" smtClean="0"/>
+              <a:t>Efron</a:t>
+            </a:r>
+            <a:r>
+              <a:rPr lang="en-US" dirty="0" smtClean="0"/>
+              <a:t> who discovered it’s possible to solve it more efficiently</a:t>
+            </a:r>
+          </a:p>
+          <a:p>
+            <a:endParaRPr lang="en-US" dirty="0" smtClean="0"/>
+          </a:p>
+          <a:p>
+            <a:r>
+              <a:rPr lang="en-US" dirty="0" smtClean="0"/>
+              <a:t>The reasons of exist one is that solution as lambda changes – changes too. But it’s piecewise linear function with changes.</a:t>
+            </a:r>
+          </a:p>
+          <a:p>
+            <a:endParaRPr lang="en-US" dirty="0"/>
+          </a:p>
+          <a:p>
+            <a:endParaRPr lang="ru-RU" dirty="0"/>
+          </a:p>
+        </p:txBody>
+      </p:sp>
+      <p:sp>
+        <p:nvSpPr>
+          <p:cNvPr id="4" name="Номер слайда 3"/>
+          <p:cNvSpPr>
+            <a:spLocks noGrp="1"/>
+          </p:cNvSpPr>
+          <p:nvPr>
+            <p:ph type="sldNum" sz="quarter" idx="12"/>
+          </p:nvPr>
+        </p:nvSpPr>
+        <p:spPr/>
+        <p:txBody>
+          <a:bodyPr/>
+          <a:lstStyle/>
+          <a:p>
+            <a:fld id="{C453EA42-BA89-4D45-B3D1-7EC11C308921}" type="slidenum">
+              <a:rPr lang="ru-RU" smtClean="0"/>
+              <a:t>11</a:t>
+            </a:fld>
+            <a:endParaRPr lang="ru-RU"/>
+          </a:p>
+        </p:txBody>
+      </p:sp>
+    </p:spTree>
+    <p:extLst>
+      <p:ext uri="{BB962C8B-B14F-4D97-AF65-F5344CB8AC3E}">
+        <p14:creationId xmlns:p14="http://schemas.microsoft.com/office/powerpoint/2010/main" val="3279981950"/>
+      </p:ext>
+    </p:extLst>
+  </p:cSld>
+  <p:clrMapOvr>
+    <a:masterClrMapping/>
+  </p:clrMapOvr>
+</p:sld>
+</file>
+
+<file path=ppt/slides/slide12.xml><?xml version="1.0" encoding="utf-8"?>
+<p:sld xmlns:a="http://schemas.openxmlformats.org/drawingml/2006/main" xmlns:r="http://schemas.openxmlformats.org/officeDocument/2006/relationships" xmlns:p="http://schemas.openxmlformats.org/presentationml/2006/main">
+  <p:cSld>
+    <p:spTree>
+      <p:nvGrpSpPr>
+        <p:cNvPr id="1" name=""/>
+        <p:cNvGrpSpPr/>
+        <p:nvPr/>
+      </p:nvGrpSpPr>
+      <p:grpSpPr>
+        <a:xfrm>
+          <a:off x="0" y="0"/>
+          <a:ext cx="0" cy="0"/>
+          <a:chOff x="0" y="0"/>
+          <a:chExt cx="0" cy="0"/>
+        </a:xfrm>
+      </p:grpSpPr>
+      <p:sp>
+        <p:nvSpPr>
+          <p:cNvPr id="2" name="Заголовок 1"/>
+          <p:cNvSpPr>
+            <a:spLocks noGrp="1"/>
+          </p:cNvSpPr>
+          <p:nvPr>
+            <p:ph type="title"/>
+          </p:nvPr>
+        </p:nvSpPr>
+        <p:spPr/>
+        <p:txBody>
+          <a:bodyPr/>
+          <a:lstStyle/>
+          <a:p>
+            <a:r>
+              <a:rPr lang="en-US" dirty="0" smtClean="0"/>
+              <a:t>Short History of Path Algorithms</a:t>
+            </a:r>
+            <a:endParaRPr lang="ru-RU" dirty="0"/>
+          </a:p>
+        </p:txBody>
+      </p:sp>
+      <mc:AlternateContent xmlns:mc="http://schemas.openxmlformats.org/markup-compatibility/2006" xmlns:a14="http://schemas.microsoft.com/office/drawing/2010/main">
+        <mc:Choice Requires="a14">
+          <p:sp>
+            <p:nvSpPr>
+              <p:cNvPr id="3" name="Объект 2"/>
+              <p:cNvSpPr>
+                <a:spLocks noGrp="1"/>
+              </p:cNvSpPr>
+              <p:nvPr>
+                <p:ph idx="1"/>
+              </p:nvPr>
+            </p:nvSpPr>
+            <p:spPr/>
+            <p:txBody>
+              <a:bodyPr>
+                <a:normAutofit fontScale="77500" lnSpcReduction="20000"/>
+              </a:bodyPr>
+              <a:lstStyle/>
+              <a:p>
+                <a:r>
+                  <a:rPr lang="en-US" dirty="0" smtClean="0"/>
+                  <a:t>It have lead to LARS algorithm(Least Angle Regression, 2001). Entire Path can be computed as one least-squares problem. (</a:t>
+                </a:r>
+                <a:r>
+                  <a:rPr lang="en-US" dirty="0" err="1" smtClean="0"/>
+                  <a:t>Efron</a:t>
+                </a:r>
+                <a:r>
+                  <a:rPr lang="en-US" dirty="0" smtClean="0"/>
+                  <a:t>, et al)</a:t>
+                </a:r>
+              </a:p>
+              <a:p>
+                <a:endParaRPr lang="en-US" dirty="0"/>
+              </a:p>
+              <a:p>
+                <a:r>
+                  <a:rPr lang="en-US" dirty="0" smtClean="0"/>
+                  <a:t>But after LARS in 2001 the new collection of algorithms have been </a:t>
+                </a:r>
+                <a:r>
+                  <a:rPr lang="en-US" dirty="0" err="1" smtClean="0"/>
+                  <a:t>arrised</a:t>
+                </a:r>
+                <a:r>
+                  <a:rPr lang="en-US" dirty="0" smtClean="0"/>
+                  <a:t> called </a:t>
+                </a:r>
+                <a:r>
+                  <a:rPr lang="en-US" i="1" dirty="0" smtClean="0"/>
+                  <a:t>“Path algorithms” for various penalties</a:t>
+                </a:r>
+              </a:p>
+              <a:p>
+                <a:pPr lvl="1"/>
+                <a:r>
+                  <a:rPr lang="en-US" i="1" dirty="0" smtClean="0"/>
+                  <a:t>Grouped Lasso (Yuan, Lin, 2007) </a:t>
+                </a:r>
+                <a14:m>
+                  <m:oMath xmlns:m="http://schemas.openxmlformats.org/officeDocument/2006/math">
+                    <m:nary>
+                      <m:naryPr>
+                        <m:chr m:val="∑"/>
+                        <m:ctrlPr>
+                          <a:rPr lang="en-US" i="1" smtClean="0">
+                            <a:latin typeface="Cambria Math"/>
+                          </a:rPr>
+                        </m:ctrlPr>
+                      </m:naryPr>
+                      <m:sub>
+                        <m:r>
+                          <m:rPr>
+                            <m:brk m:alnAt="23"/>
+                          </m:rPr>
+                          <a:rPr lang="en-US" b="0" i="1" smtClean="0">
+                            <a:latin typeface="Cambria Math"/>
+                          </a:rPr>
+                          <m:t>𝑗</m:t>
+                        </m:r>
+                        <m:r>
+                          <a:rPr lang="en-US" b="0" i="1" smtClean="0">
+                            <a:latin typeface="Cambria Math"/>
+                          </a:rPr>
+                          <m:t>=1</m:t>
+                        </m:r>
+                      </m:sub>
+                      <m:sup>
+                        <m:r>
+                          <a:rPr lang="en-US" b="0" i="1" smtClean="0">
+                            <a:latin typeface="Cambria Math"/>
+                          </a:rPr>
+                          <m:t>𝑗</m:t>
+                        </m:r>
+                        <m:r>
+                          <a:rPr lang="en-US" b="0" i="1" smtClean="0">
+                            <a:latin typeface="Cambria Math"/>
+                          </a:rPr>
+                          <m:t>=</m:t>
+                        </m:r>
+                        <m:r>
+                          <a:rPr lang="en-US" b="0" i="1" smtClean="0">
+                            <a:latin typeface="Cambria Math"/>
+                          </a:rPr>
+                          <m:t>𝐽</m:t>
+                        </m:r>
+                      </m:sup>
+                      <m:e>
+                        <m:sSub>
+                          <m:sSubPr>
+                            <m:ctrlPr>
+                              <a:rPr lang="en-US" b="0" i="1" smtClean="0">
+                                <a:latin typeface="Cambria Math"/>
+                              </a:rPr>
+                            </m:ctrlPr>
+                          </m:sSubPr>
+                          <m:e>
+                            <m:d>
+                              <m:dPr>
+                                <m:begChr m:val="|"/>
+                                <m:endChr m:val="|"/>
+                                <m:ctrlPr>
+                                  <a:rPr lang="en-US" b="0" i="1" smtClean="0">
+                                    <a:latin typeface="Cambria Math"/>
+                                  </a:rPr>
+                                </m:ctrlPr>
+                              </m:dPr>
+                              <m:e>
+                                <m:r>
+                                  <a:rPr lang="en-US" b="0" i="1" smtClean="0">
+                                    <a:latin typeface="Cambria Math"/>
+                                  </a:rPr>
+                                  <m:t>𝑔𝑟𝑜𝑢</m:t>
+                                </m:r>
+                                <m:sSub>
+                                  <m:sSubPr>
+                                    <m:ctrlPr>
+                                      <a:rPr lang="en-US" b="0" i="1" smtClean="0">
+                                        <a:latin typeface="Cambria Math"/>
+                                      </a:rPr>
+                                    </m:ctrlPr>
+                                  </m:sSubPr>
+                                  <m:e>
+                                    <m:r>
+                                      <a:rPr lang="en-US" b="0" i="1" smtClean="0">
+                                        <a:latin typeface="Cambria Math"/>
+                                      </a:rPr>
+                                      <m:t>𝑝</m:t>
+                                    </m:r>
+                                  </m:e>
+                                  <m:sub>
+                                    <m:r>
+                                      <a:rPr lang="en-US" b="0" i="1" smtClean="0">
+                                        <a:latin typeface="Cambria Math"/>
+                                      </a:rPr>
+                                      <m:t>𝑗</m:t>
+                                    </m:r>
+                                  </m:sub>
+                                </m:sSub>
+                              </m:e>
+                            </m:d>
+                          </m:e>
+                          <m:sub>
+                            <m:r>
+                              <a:rPr lang="en-US" b="0" i="1" smtClean="0">
+                                <a:latin typeface="Cambria Math"/>
+                              </a:rPr>
+                              <m:t>2</m:t>
+                            </m:r>
+                          </m:sub>
+                        </m:sSub>
+                      </m:e>
+                    </m:nary>
+                  </m:oMath>
+                </a14:m>
+                <a:r>
+                  <a:rPr lang="en-US" i="1" dirty="0" smtClean="0"/>
+                  <a:t> and </a:t>
+                </a:r>
+                <a14:m>
+                  <m:oMath xmlns:m="http://schemas.openxmlformats.org/officeDocument/2006/math">
+                    <m:r>
+                      <a:rPr lang="en-US" i="1">
+                        <a:latin typeface="Cambria Math"/>
+                      </a:rPr>
+                      <m:t>𝑔𝑟𝑜𝑢</m:t>
+                    </m:r>
+                    <m:sSub>
+                      <m:sSubPr>
+                        <m:ctrlPr>
+                          <a:rPr lang="en-US" i="1">
+                            <a:latin typeface="Cambria Math"/>
+                          </a:rPr>
+                        </m:ctrlPr>
+                      </m:sSubPr>
+                      <m:e>
+                        <m:r>
+                          <a:rPr lang="en-US" i="1">
+                            <a:latin typeface="Cambria Math"/>
+                          </a:rPr>
+                          <m:t>𝑝</m:t>
+                        </m:r>
+                      </m:e>
+                      <m:sub>
+                        <m:r>
+                          <a:rPr lang="en-US" i="1">
+                            <a:latin typeface="Cambria Math"/>
+                          </a:rPr>
+                          <m:t>𝑗</m:t>
+                        </m:r>
+                      </m:sub>
+                    </m:sSub>
+                  </m:oMath>
+                </a14:m>
+                <a:r>
+                  <a:rPr lang="en-US" i="1" dirty="0" smtClean="0"/>
+                  <a:t> is </a:t>
+                </a:r>
+                <a:r>
+                  <a:rPr lang="en-US" i="1" dirty="0" err="1" smtClean="0"/>
+                  <a:t>grop</a:t>
+                </a:r>
+                <a:r>
+                  <a:rPr lang="en-US" i="1" dirty="0" smtClean="0"/>
+                  <a:t> of coefficients. Idea is select </a:t>
+                </a:r>
+                <a:r>
+                  <a:rPr lang="en-US" i="1" dirty="0" err="1" smtClean="0"/>
+                  <a:t>whol</a:t>
+                </a:r>
+                <a:r>
+                  <a:rPr lang="en-US" i="1" dirty="0" smtClean="0"/>
+                  <a:t> group of coefficients or leave all them completely zero. And it’s </a:t>
+                </a:r>
+                <a:r>
+                  <a:rPr lang="en-US" i="1" dirty="0" err="1" smtClean="0"/>
+                  <a:t>usefull</a:t>
+                </a:r>
+                <a:r>
+                  <a:rPr lang="en-US" i="1" dirty="0"/>
+                  <a:t>.</a:t>
+                </a:r>
+                <a:endParaRPr lang="en-US" i="1" dirty="0" smtClean="0"/>
+              </a:p>
+              <a:p>
+                <a:pPr lvl="1"/>
+                <a:endParaRPr lang="en-US" i="1" dirty="0" smtClean="0"/>
+              </a:p>
+              <a:p>
+                <a:pPr lvl="1"/>
+                <a:r>
+                  <a:rPr lang="en-US" i="1" dirty="0" smtClean="0"/>
+                  <a:t>Elastic Net (</a:t>
+                </a:r>
+                <a:r>
+                  <a:rPr lang="en-US" i="1" dirty="0" err="1" smtClean="0"/>
+                  <a:t>Zou,Hastie</a:t>
+                </a:r>
+                <a:r>
+                  <a:rPr lang="en-US" i="1" dirty="0" smtClean="0"/>
+                  <a:t>, 2004)</a:t>
+                </a:r>
+              </a:p>
+              <a:p>
+                <a:pPr lvl="1"/>
+                <a:r>
+                  <a:rPr lang="en-US" i="1" dirty="0" err="1" smtClean="0"/>
+                  <a:t>Quantile</a:t>
+                </a:r>
+                <a:r>
+                  <a:rPr lang="en-US" i="1" dirty="0" smtClean="0"/>
+                  <a:t> Regression (Li, Zhu,  2007)</a:t>
+                </a:r>
+              </a:p>
+              <a:p>
+                <a:pPr lvl="1"/>
+                <a:r>
+                  <a:rPr lang="en-US" i="1" dirty="0" err="1" smtClean="0"/>
+                  <a:t>Dantzig</a:t>
+                </a:r>
+                <a:r>
+                  <a:rPr lang="en-US" i="1" dirty="0" smtClean="0"/>
+                  <a:t> selector  (James, </a:t>
+                </a:r>
+                <a:r>
+                  <a:rPr lang="en-US" i="1" dirty="0" err="1" smtClean="0"/>
+                  <a:t>Radchenko</a:t>
+                </a:r>
+                <a:r>
+                  <a:rPr lang="en-US" i="1" dirty="0" smtClean="0"/>
+                  <a:t>, 2008)</a:t>
+                </a:r>
+                <a:endParaRPr lang="ru-RU" i="1" dirty="0"/>
+              </a:p>
+            </p:txBody>
+          </p:sp>
+        </mc:Choice>
+        <mc:Fallback xmlns="">
+          <p:sp>
+            <p:nvSpPr>
+              <p:cNvPr id="3" name="Объект 2"/>
+              <p:cNvSpPr>
+                <a:spLocks noGrp="1" noRot="1" noChangeAspect="1" noMove="1" noResize="1" noEditPoints="1" noAdjustHandles="1" noChangeArrowheads="1" noChangeShapeType="1" noTextEdit="1"/>
+              </p:cNvSpPr>
+              <p:nvPr>
+                <p:ph idx="1"/>
+              </p:nvPr>
+            </p:nvSpPr>
+            <p:spPr>
+              <a:blipFill rotWithShape="1">
+                <a:blip r:embed="rId2"/>
+                <a:stretch>
+                  <a:fillRect t="-1318" b="-2503"/>
+                </a:stretch>
+              </a:blipFill>
+            </p:spPr>
+            <p:txBody>
+              <a:bodyPr/>
+              <a:lstStyle/>
+              <a:p>
+                <a:r>
+                  <a:rPr lang="ru-RU">
+                    <a:noFill/>
+                  </a:rPr>
+                  <a:t> </a:t>
+                </a:r>
+              </a:p>
+            </p:txBody>
+          </p:sp>
+        </mc:Fallback>
+      </mc:AlternateContent>
+      <p:sp>
+        <p:nvSpPr>
+          <p:cNvPr id="4" name="Номер слайда 3"/>
+          <p:cNvSpPr>
+            <a:spLocks noGrp="1"/>
+          </p:cNvSpPr>
+          <p:nvPr>
+            <p:ph type="sldNum" sz="quarter" idx="12"/>
+          </p:nvPr>
+        </p:nvSpPr>
+        <p:spPr/>
+        <p:txBody>
+          <a:bodyPr/>
+          <a:lstStyle/>
+          <a:p>
+            <a:fld id="{C453EA42-BA89-4D45-B3D1-7EC11C308921}" type="slidenum">
+              <a:rPr lang="ru-RU" smtClean="0"/>
+              <a:t>12</a:t>
+            </a:fld>
+            <a:endParaRPr lang="ru-RU"/>
+          </a:p>
+        </p:txBody>
+      </p:sp>
+    </p:spTree>
+    <p:extLst>
+      <p:ext uri="{BB962C8B-B14F-4D97-AF65-F5344CB8AC3E}">
+        <p14:creationId xmlns:p14="http://schemas.microsoft.com/office/powerpoint/2010/main" val="3291230522"/>
+      </p:ext>
+    </p:extLst>
+  </p:cSld>
+  <p:clrMapOvr>
+    <a:masterClrMapping/>
+  </p:clrMapOvr>
+</p:sld>
+</file>
+
+<file path=ppt/slides/slide13.xml><?xml version="1.0" encoding="utf-8"?>
+<p:sld xmlns:a="http://schemas.openxmlformats.org/drawingml/2006/main" xmlns:r="http://schemas.openxmlformats.org/officeDocument/2006/relationships" xmlns:p="http://schemas.openxmlformats.org/presentationml/2006/main">
+  <p:cSld>
+    <p:spTree>
+      <p:nvGrpSpPr>
+        <p:cNvPr id="1" name=""/>
+        <p:cNvGrpSpPr/>
+        <p:nvPr/>
+      </p:nvGrpSpPr>
+      <p:grpSpPr>
+        <a:xfrm>
+          <a:off x="0" y="0"/>
+          <a:ext cx="0" cy="0"/>
+          <a:chOff x="0" y="0"/>
+          <a:chExt cx="0" cy="0"/>
+        </a:xfrm>
+      </p:grpSpPr>
+      <p:sp>
+        <p:nvSpPr>
+          <p:cNvPr id="2" name="Заголовок 1"/>
+          <p:cNvSpPr>
+            <a:spLocks noGrp="1"/>
+          </p:cNvSpPr>
+          <p:nvPr>
+            <p:ph type="title"/>
+          </p:nvPr>
+        </p:nvSpPr>
+        <p:spPr/>
+        <p:txBody>
+          <a:bodyPr/>
+          <a:lstStyle/>
+          <a:p>
+            <a:r>
+              <a:rPr lang="en-US" dirty="0" smtClean="0"/>
               <a:t>Methods to solve paths</a:t>
             </a:r>
             <a:endParaRPr lang="ru-RU" dirty="0"/>
@@ -4959,7 +5678,7 @@
           <a:p>
             <a:fld id="{C453EA42-BA89-4D45-B3D1-7EC11C308921}" type="slidenum">
               <a:rPr lang="ru-RU" smtClean="0"/>
-              <a:t>10</a:t>
+              <a:t>13</a:t>
             </a:fld>
             <a:endParaRPr lang="ru-RU"/>
           </a:p>
@@ -4978,7 +5697,7 @@
 </p:sld>
 </file>
 
-<file path=ppt/slides/slide11.xml><?xml version="1.0" encoding="utf-8"?>
+<file path=ppt/slides/slide14.xml><?xml version="1.0" encoding="utf-8"?>
 <p:sld xmlns:a="http://schemas.openxmlformats.org/drawingml/2006/main" xmlns:r="http://schemas.openxmlformats.org/officeDocument/2006/relationships" xmlns:p="http://schemas.openxmlformats.org/presentationml/2006/main">
   <p:cSld>
     <p:spTree>
@@ -5170,7 +5889,7 @@
           <a:p>
             <a:fld id="{C453EA42-BA89-4D45-B3D1-7EC11C308921}" type="slidenum">
               <a:rPr lang="ru-RU" smtClean="0"/>
-              <a:t>11</a:t>
+              <a:t>14</a:t>
             </a:fld>
             <a:endParaRPr lang="ru-RU"/>
           </a:p>
@@ -5189,7 +5908,7 @@
 </p:sld>
 </file>
 
-<file path=ppt/slides/slide12.xml><?xml version="1.0" encoding="utf-8"?>
+<file path=ppt/slides/slide15.xml><?xml version="1.0" encoding="utf-8"?>
 <p:sld xmlns:a="http://schemas.openxmlformats.org/drawingml/2006/main" xmlns:r="http://schemas.openxmlformats.org/officeDocument/2006/relationships" xmlns:p="http://schemas.openxmlformats.org/presentationml/2006/main">
   <p:cSld>
     <p:spTree>
@@ -5669,7 +6388,7 @@
           <a:p>
             <a:fld id="{C453EA42-BA89-4D45-B3D1-7EC11C308921}" type="slidenum">
               <a:rPr lang="ru-RU" smtClean="0"/>
-              <a:t>12</a:t>
+              <a:t>15</a:t>
             </a:fld>
             <a:endParaRPr lang="ru-RU"/>
           </a:p>
@@ -5688,7 +6407,7 @@
 </p:sld>
 </file>
 
-<file path=ppt/slides/slide13.xml><?xml version="1.0" encoding="utf-8"?>
+<file path=ppt/slides/slide16.xml><?xml version="1.0" encoding="utf-8"?>
 <p:sld xmlns:a="http://schemas.openxmlformats.org/drawingml/2006/main" xmlns:r="http://schemas.openxmlformats.org/officeDocument/2006/relationships" xmlns:p="http://schemas.openxmlformats.org/presentationml/2006/main">
   <p:cSld>
     <p:spTree>
@@ -6430,7 +7149,7 @@
           <a:p>
             <a:fld id="{C453EA42-BA89-4D45-B3D1-7EC11C308921}" type="slidenum">
               <a:rPr lang="ru-RU" smtClean="0"/>
-              <a:t>13</a:t>
+              <a:t>16</a:t>
             </a:fld>
             <a:endParaRPr lang="ru-RU"/>
           </a:p>
@@ -6449,7 +7168,7 @@
 </p:sld>
 </file>
 
-<file path=ppt/slides/slide14.xml><?xml version="1.0" encoding="utf-8"?>
+<file path=ppt/slides/slide17.xml><?xml version="1.0" encoding="utf-8"?>
 <p:sld xmlns:a="http://schemas.openxmlformats.org/drawingml/2006/main" xmlns:r="http://schemas.openxmlformats.org/officeDocument/2006/relationships" xmlns:p="http://schemas.openxmlformats.org/presentationml/2006/main">
   <p:cSld>
     <p:spTree>
@@ -6805,7 +7524,7 @@
           <a:p>
             <a:fld id="{C453EA42-BA89-4D45-B3D1-7EC11C308921}" type="slidenum">
               <a:rPr lang="ru-RU" smtClean="0"/>
-              <a:t>14</a:t>
+              <a:t>17</a:t>
             </a:fld>
             <a:endParaRPr lang="ru-RU"/>
           </a:p>
@@ -7374,7 +8093,7 @@
             <a:fld id="{C453EA42-BA89-4D45-B3D1-7EC11C308921}" type="slidenum">
               <a:rPr lang="ru-RU" smtClean="0"/>
               <a:pPr/>
-              <a:t>14</a:t>
+              <a:t>17</a:t>
             </a:fld>
             <a:endParaRPr lang="ru-RU"/>
           </a:p>
@@ -8290,7 +9009,7 @@
 </p:sld>
 </file>
 
-<file path=ppt/slides/slide15.xml><?xml version="1.0" encoding="utf-8"?>
+<file path=ppt/slides/slide18.xml><?xml version="1.0" encoding="utf-8"?>
 <p:sld xmlns:a="http://schemas.openxmlformats.org/drawingml/2006/main" xmlns:r="http://schemas.openxmlformats.org/officeDocument/2006/relationships" xmlns:p="http://schemas.openxmlformats.org/presentationml/2006/main">
   <p:cSld>
     <p:spTree>
@@ -8452,7 +9171,7 @@
           <a:p>
             <a:fld id="{C453EA42-BA89-4D45-B3D1-7EC11C308921}" type="slidenum">
               <a:rPr lang="ru-RU" smtClean="0"/>
-              <a:t>15</a:t>
+              <a:t>18</a:t>
             </a:fld>
             <a:endParaRPr lang="ru-RU"/>
           </a:p>
@@ -8471,7 +9190,7 @@
 </p:sld>
 </file>
 
-<file path=ppt/slides/slide16.xml><?xml version="1.0" encoding="utf-8"?>
+<file path=ppt/slides/slide19.xml><?xml version="1.0" encoding="utf-8"?>
 <p:sld xmlns:a="http://schemas.openxmlformats.org/drawingml/2006/main" xmlns:r="http://schemas.openxmlformats.org/officeDocument/2006/relationships" xmlns:p="http://schemas.openxmlformats.org/presentationml/2006/main">
   <p:cSld>
     <p:spTree>
@@ -9231,7 +9950,7 @@
           <a:p>
             <a:fld id="{C453EA42-BA89-4D45-B3D1-7EC11C308921}" type="slidenum">
               <a:rPr lang="ru-RU" smtClean="0"/>
-              <a:t>16</a:t>
+              <a:t>19</a:t>
             </a:fld>
             <a:endParaRPr lang="ru-RU"/>
           </a:p>
@@ -9250,7 +9969,356 @@
 </p:sld>
 </file>
 
-<file path=ppt/slides/slide17.xml><?xml version="1.0" encoding="utf-8"?>
+<file path=ppt/slides/slide2.xml><?xml version="1.0" encoding="utf-8"?>
+<p:sld xmlns:a="http://schemas.openxmlformats.org/drawingml/2006/main" xmlns:r="http://schemas.openxmlformats.org/officeDocument/2006/relationships" xmlns:p="http://schemas.openxmlformats.org/presentationml/2006/main">
+  <p:cSld>
+    <p:spTree>
+      <p:nvGrpSpPr>
+        <p:cNvPr id="1" name=""/>
+        <p:cNvGrpSpPr/>
+        <p:nvPr/>
+      </p:nvGrpSpPr>
+      <p:grpSpPr>
+        <a:xfrm>
+          <a:off x="0" y="0"/>
+          <a:ext cx="0" cy="0"/>
+          <a:chOff x="0" y="0"/>
+          <a:chExt cx="0" cy="0"/>
+        </a:xfrm>
+      </p:grpSpPr>
+      <p:sp>
+        <p:nvSpPr>
+          <p:cNvPr id="2" name="Заголовок 1"/>
+          <p:cNvSpPr>
+            <a:spLocks noGrp="1"/>
+          </p:cNvSpPr>
+          <p:nvPr>
+            <p:ph type="title"/>
+          </p:nvPr>
+        </p:nvSpPr>
+        <p:spPr/>
+        <p:txBody>
+          <a:bodyPr/>
+          <a:lstStyle/>
+          <a:p>
+            <a:r>
+              <a:rPr lang="en-US" sz="3200" dirty="0" smtClean="0"/>
+              <a:t>References</a:t>
+            </a:r>
+            <a:r>
+              <a:rPr lang="en-US" dirty="0" smtClean="0"/>
+              <a:t>	</a:t>
+            </a:r>
+            <a:endParaRPr lang="ru-RU" dirty="0"/>
+          </a:p>
+        </p:txBody>
+      </p:sp>
+      <p:sp>
+        <p:nvSpPr>
+          <p:cNvPr id="3" name="Объект 2"/>
+          <p:cNvSpPr>
+            <a:spLocks noGrp="1"/>
+          </p:cNvSpPr>
+          <p:nvPr>
+            <p:ph idx="1"/>
+          </p:nvPr>
+        </p:nvSpPr>
+        <p:spPr/>
+        <p:txBody>
+          <a:bodyPr>
+            <a:normAutofit/>
+          </a:bodyPr>
+          <a:lstStyle/>
+          <a:p>
+            <a:pPr marL="118872" indent="0">
+              <a:buNone/>
+            </a:pPr>
+            <a:r>
+              <a:rPr lang="en-US" sz="1600" dirty="0" smtClean="0"/>
+              <a:t>[1] First </a:t>
+            </a:r>
+            <a:r>
+              <a:rPr lang="en-US" sz="1600" dirty="0" smtClean="0"/>
+              <a:t>and second part </a:t>
+            </a:r>
+            <a:r>
+              <a:rPr lang="en-US" sz="1600" dirty="0" smtClean="0"/>
+              <a:t>of presentation</a:t>
+            </a:r>
+          </a:p>
+          <a:p>
+            <a:pPr marL="118872" indent="0">
+              <a:buNone/>
+            </a:pPr>
+            <a:r>
+              <a:rPr lang="en-US" sz="1600" dirty="0">
+                <a:hlinkClick r:id="rId2"/>
+              </a:rPr>
+              <a:t>https://</a:t>
+            </a:r>
+            <a:r>
+              <a:rPr lang="en-US" sz="1600" dirty="0" smtClean="0">
+                <a:hlinkClick r:id="rId2"/>
+              </a:rPr>
+              <a:t>github.com/burlachenkok/presentations_bruziuz/tree/master/decision_trees/mpti</a:t>
+            </a:r>
+            <a:endParaRPr lang="en-US" sz="1600" dirty="0" smtClean="0"/>
+          </a:p>
+          <a:p>
+            <a:pPr marL="118872" indent="0">
+              <a:buNone/>
+            </a:pPr>
+            <a:endParaRPr lang="en-US" sz="1600" dirty="0" smtClean="0"/>
+          </a:p>
+          <a:p>
+            <a:pPr marL="118872" indent="0">
+              <a:buNone/>
+            </a:pPr>
+            <a:r>
+              <a:rPr lang="en-US" sz="1600" dirty="0" smtClean="0"/>
+              <a:t>[2] </a:t>
+            </a:r>
+            <a:r>
+              <a:rPr lang="en-US" sz="1600" dirty="0"/>
+              <a:t>Classification And Regression Trees, 1983 (</a:t>
+            </a:r>
+            <a:r>
+              <a:rPr lang="en-US" sz="1600" dirty="0" err="1"/>
+              <a:t>Brieman</a:t>
+            </a:r>
+            <a:r>
+              <a:rPr lang="en-US" sz="1600" dirty="0"/>
+              <a:t>, Friedman, </a:t>
+            </a:r>
+            <a:r>
+              <a:rPr lang="en-US" sz="1600" dirty="0" err="1"/>
+              <a:t>Olshey</a:t>
+            </a:r>
+            <a:r>
+              <a:rPr lang="en-US" sz="1600" dirty="0"/>
+              <a:t>, Stone) – CART</a:t>
+            </a:r>
+          </a:p>
+          <a:p>
+            <a:pPr marL="118872" indent="0">
+              <a:buNone/>
+            </a:pPr>
+            <a:r>
+              <a:rPr lang="en-US" sz="1600" dirty="0">
+                <a:hlinkClick r:id="rId3"/>
+              </a:rPr>
+              <a:t>https://</a:t>
+            </a:r>
+            <a:r>
+              <a:rPr lang="en-US" sz="1600" dirty="0" smtClean="0">
+                <a:hlinkClick r:id="rId3"/>
+              </a:rPr>
+              <a:t>www.amazon.com/Classification-Regression-Wadsworth-Statistics-Probability/dp/0412048418</a:t>
+            </a:r>
+            <a:endParaRPr lang="en-US" sz="1600" dirty="0" smtClean="0"/>
+          </a:p>
+          <a:p>
+            <a:pPr marL="118872" indent="0">
+              <a:buNone/>
+            </a:pPr>
+            <a:endParaRPr lang="en-US" sz="1600" dirty="0" smtClean="0"/>
+          </a:p>
+          <a:p>
+            <a:pPr marL="118872" indent="0">
+              <a:buNone/>
+            </a:pPr>
+            <a:r>
+              <a:rPr lang="en-US" sz="1600" dirty="0" smtClean="0"/>
+              <a:t>[3] Book: The </a:t>
+            </a:r>
+            <a:r>
+              <a:rPr lang="en-US" sz="1600" dirty="0"/>
+              <a:t>Elements of Statistical </a:t>
+            </a:r>
+            <a:r>
+              <a:rPr lang="en-US" sz="1600" dirty="0" smtClean="0"/>
+              <a:t>Learning </a:t>
+            </a:r>
+            <a:endParaRPr lang="en-US" sz="1600" dirty="0"/>
+          </a:p>
+          <a:p>
+            <a:pPr marL="118872" indent="0">
+              <a:buNone/>
+            </a:pPr>
+            <a:r>
+              <a:rPr lang="en-US" sz="1600" dirty="0"/>
+              <a:t>(Friedman, </a:t>
+            </a:r>
+            <a:r>
+              <a:rPr lang="en-US" sz="1600" dirty="0" err="1"/>
+              <a:t>Tibshirani</a:t>
+            </a:r>
+            <a:r>
+              <a:rPr lang="en-US" sz="1600" dirty="0"/>
+              <a:t>, Hastie</a:t>
+            </a:r>
+            <a:r>
+              <a:rPr lang="en-US" sz="1600" dirty="0" smtClean="0"/>
+              <a:t>)</a:t>
+            </a:r>
+          </a:p>
+          <a:p>
+            <a:pPr marL="118872" indent="0">
+              <a:buNone/>
+            </a:pPr>
+            <a:r>
+              <a:rPr lang="en-US" sz="1600" dirty="0">
+                <a:hlinkClick r:id="rId4"/>
+              </a:rPr>
+              <a:t>https://web.stanford.edu/~</a:t>
+            </a:r>
+            <a:r>
+              <a:rPr lang="en-US" sz="1600" dirty="0" smtClean="0">
+                <a:hlinkClick r:id="rId4"/>
+              </a:rPr>
+              <a:t>hastie/Papers/ESLII.pdf</a:t>
+            </a:r>
+            <a:endParaRPr lang="en-US" sz="1600" dirty="0" smtClean="0"/>
+          </a:p>
+          <a:p>
+            <a:pPr marL="118872" indent="0">
+              <a:buNone/>
+            </a:pPr>
+            <a:endParaRPr lang="en-US" sz="1600" dirty="0" smtClean="0"/>
+          </a:p>
+          <a:p>
+            <a:pPr marL="118872" indent="0">
+              <a:buNone/>
+            </a:pPr>
+            <a:r>
+              <a:rPr lang="en-US" sz="1600" dirty="0" smtClean="0"/>
+              <a:t>[4] Extra notes about Boosting written by </a:t>
+            </a:r>
+            <a:r>
+              <a:rPr lang="en-US" sz="1600" dirty="0" err="1" smtClean="0"/>
+              <a:t>J.Duchi</a:t>
+            </a:r>
+            <a:r>
+              <a:rPr lang="en-US" sz="1600" dirty="0" smtClean="0"/>
+              <a:t> from CS229 Machine Learning class at Stanford</a:t>
+            </a:r>
+            <a:endParaRPr lang="en-US" sz="1600" dirty="0" smtClean="0"/>
+          </a:p>
+          <a:p>
+            <a:pPr marL="118872" indent="0">
+              <a:buNone/>
+            </a:pPr>
+            <a:r>
+              <a:rPr lang="en-US" sz="1400" u="sng" dirty="0">
+                <a:hlinkClick r:id="rId5"/>
+              </a:rPr>
+              <a:t>http://cs229.stanford.edu/extra-notes/boosting.pdf</a:t>
+            </a:r>
+            <a:r>
+              <a:rPr lang="en-US" sz="1400" dirty="0"/>
+              <a:t> </a:t>
+            </a:r>
+            <a:endParaRPr lang="en-US" sz="1400" dirty="0" smtClean="0"/>
+          </a:p>
+          <a:p>
+            <a:pPr marL="118872" indent="0">
+              <a:buNone/>
+            </a:pPr>
+            <a:endParaRPr lang="en-US" sz="1400" dirty="0" smtClean="0"/>
+          </a:p>
+          <a:p>
+            <a:pPr marL="118872" indent="0">
+              <a:buNone/>
+            </a:pPr>
+            <a:r>
+              <a:rPr lang="en-US" sz="1400" dirty="0" smtClean="0"/>
+              <a:t>[9] Lecture of </a:t>
+            </a:r>
+            <a:r>
+              <a:rPr lang="en-US" sz="1400" dirty="0" err="1" smtClean="0"/>
+              <a:t>T.Hastie</a:t>
+            </a:r>
+            <a:r>
+              <a:rPr lang="en-US" sz="1400" dirty="0"/>
+              <a:t> - Regularization Paths and Coordinate Descent</a:t>
+            </a:r>
+            <a:endParaRPr lang="en-US" sz="1400" dirty="0" smtClean="0"/>
+          </a:p>
+          <a:p>
+            <a:pPr marL="118872" indent="0">
+              <a:buNone/>
+            </a:pPr>
+            <a:r>
+              <a:rPr lang="en-US" sz="1400" dirty="0" smtClean="0">
+                <a:hlinkClick r:id="rId6"/>
+              </a:rPr>
+              <a:t>http</a:t>
+            </a:r>
+            <a:r>
+              <a:rPr lang="en-US" sz="1400" dirty="0">
+                <a:hlinkClick r:id="rId6"/>
+              </a:rPr>
+              <a:t>://videolectures.net/kdd08_hastie_rpcd/?</a:t>
+            </a:r>
+            <a:r>
+              <a:rPr lang="en-US" sz="1400" dirty="0" smtClean="0">
+                <a:hlinkClick r:id="rId6"/>
+              </a:rPr>
+              <a:t>fbclid=IwAR0CdXGDNa1y-4DC6FtkUCMBElDeROtlSrHMPnk_SKR1lb1fKB-CloGRu0E</a:t>
+            </a:r>
+            <a:endParaRPr lang="en-US" sz="1400" dirty="0" smtClean="0"/>
+          </a:p>
+          <a:p>
+            <a:pPr marL="118872" indent="0">
+              <a:buNone/>
+            </a:pPr>
+            <a:endParaRPr lang="en-US" sz="1400" dirty="0"/>
+          </a:p>
+          <a:p>
+            <a:pPr marL="118872" indent="0">
+              <a:buNone/>
+            </a:pPr>
+            <a:endParaRPr lang="en-US" sz="1500" dirty="0"/>
+          </a:p>
+        </p:txBody>
+      </p:sp>
+      <p:sp>
+        <p:nvSpPr>
+          <p:cNvPr id="4" name="Номер слайда 3"/>
+          <p:cNvSpPr>
+            <a:spLocks noGrp="1"/>
+          </p:cNvSpPr>
+          <p:nvPr>
+            <p:ph type="sldNum" sz="quarter" idx="12"/>
+          </p:nvPr>
+        </p:nvSpPr>
+        <p:spPr/>
+        <p:txBody>
+          <a:bodyPr/>
+          <a:lstStyle/>
+          <a:p>
+            <a:fld id="{C453EA42-BA89-4D45-B3D1-7EC11C308921}" type="slidenum">
+              <a:rPr lang="ru-RU" smtClean="0"/>
+              <a:t>2</a:t>
+            </a:fld>
+            <a:endParaRPr lang="ru-RU"/>
+          </a:p>
+        </p:txBody>
+      </p:sp>
+    </p:spTree>
+    <p:extLst>
+      <p:ext uri="{BB962C8B-B14F-4D97-AF65-F5344CB8AC3E}">
+        <p14:creationId xmlns:p14="http://schemas.microsoft.com/office/powerpoint/2010/main" val="2230784830"/>
+      </p:ext>
+    </p:extLst>
+  </p:cSld>
+  <p:clrMapOvr>
+    <a:masterClrMapping/>
+  </p:clrMapOvr>
+</p:sld>
+</file>
+
+<file path=ppt/slides/slide20.xml><?xml version="1.0" encoding="utf-8"?>
 <p:sld xmlns:a="http://schemas.openxmlformats.org/drawingml/2006/main" xmlns:r="http://schemas.openxmlformats.org/officeDocument/2006/relationships" xmlns:p="http://schemas.openxmlformats.org/presentationml/2006/main">
   <p:cSld>
     <p:spTree>
@@ -9284,7 +10352,7 @@
           <a:p>
             <a:fld id="{C453EA42-BA89-4D45-B3D1-7EC11C308921}" type="slidenum">
               <a:rPr lang="ru-RU" smtClean="0"/>
-              <a:t>17</a:t>
+              <a:t>20</a:t>
             </a:fld>
             <a:endParaRPr lang="ru-RU"/>
           </a:p>
@@ -9782,7 +10850,7 @@
             <a:fld id="{C453EA42-BA89-4D45-B3D1-7EC11C308921}" type="slidenum">
               <a:rPr lang="ru-RU" smtClean="0"/>
               <a:pPr/>
-              <a:t>17</a:t>
+              <a:t>20</a:t>
             </a:fld>
             <a:endParaRPr lang="ru-RU"/>
           </a:p>
@@ -9801,7 +10869,7 @@
 </p:sld>
 </file>
 
-<file path=ppt/slides/slide18.xml><?xml version="1.0" encoding="utf-8"?>
+<file path=ppt/slides/slide21.xml><?xml version="1.0" encoding="utf-8"?>
 <p:sld xmlns:a="http://schemas.openxmlformats.org/drawingml/2006/main" xmlns:r="http://schemas.openxmlformats.org/officeDocument/2006/relationships" xmlns:p="http://schemas.openxmlformats.org/presentationml/2006/main">
   <p:cSld>
     <p:spTree>
@@ -10078,7 +11146,7 @@
           <a:p>
             <a:fld id="{C453EA42-BA89-4D45-B3D1-7EC11C308921}" type="slidenum">
               <a:rPr lang="ru-RU" smtClean="0"/>
-              <a:t>18</a:t>
+              <a:t>21</a:t>
             </a:fld>
             <a:endParaRPr lang="ru-RU"/>
           </a:p>
@@ -10097,7 +11165,7 @@
 </p:sld>
 </file>
 
-<file path=ppt/slides/slide19.xml><?xml version="1.0" encoding="utf-8"?>
+<file path=ppt/slides/slide22.xml><?xml version="1.0" encoding="utf-8"?>
 <p:sld xmlns:a="http://schemas.openxmlformats.org/drawingml/2006/main" xmlns:r="http://schemas.openxmlformats.org/officeDocument/2006/relationships" xmlns:p="http://schemas.openxmlformats.org/presentationml/2006/main">
   <p:cSld>
     <p:spTree>
@@ -10195,7 +11263,7 @@
           <a:p>
             <a:fld id="{C453EA42-BA89-4D45-B3D1-7EC11C308921}" type="slidenum">
               <a:rPr lang="ru-RU" smtClean="0"/>
-              <a:t>19</a:t>
+              <a:t>22</a:t>
             </a:fld>
             <a:endParaRPr lang="ru-RU"/>
           </a:p>
@@ -10214,584 +11282,7 @@
 </p:sld>
 </file>
 
-<file path=ppt/slides/slide2.xml><?xml version="1.0" encoding="utf-8"?>
-<p:sld xmlns:a="http://schemas.openxmlformats.org/drawingml/2006/main" xmlns:r="http://schemas.openxmlformats.org/officeDocument/2006/relationships" xmlns:p="http://schemas.openxmlformats.org/presentationml/2006/main">
-  <p:cSld>
-    <p:spTree>
-      <p:nvGrpSpPr>
-        <p:cNvPr id="1" name=""/>
-        <p:cNvGrpSpPr/>
-        <p:nvPr/>
-      </p:nvGrpSpPr>
-      <p:grpSpPr>
-        <a:xfrm>
-          <a:off x="0" y="0"/>
-          <a:ext cx="0" cy="0"/>
-          <a:chOff x="0" y="0"/>
-          <a:chExt cx="0" cy="0"/>
-        </a:xfrm>
-      </p:grpSpPr>
-      <p:sp>
-        <p:nvSpPr>
-          <p:cNvPr id="2" name="Заголовок 1"/>
-          <p:cNvSpPr>
-            <a:spLocks noGrp="1"/>
-          </p:cNvSpPr>
-          <p:nvPr>
-            <p:ph type="title"/>
-          </p:nvPr>
-        </p:nvSpPr>
-        <p:spPr/>
-        <p:txBody>
-          <a:bodyPr/>
-          <a:lstStyle/>
-          <a:p>
-            <a:r>
-              <a:rPr lang="en-US" sz="3200" dirty="0" smtClean="0"/>
-              <a:t>References</a:t>
-            </a:r>
-            <a:r>
-              <a:rPr lang="en-US" dirty="0" smtClean="0"/>
-              <a:t>	</a:t>
-            </a:r>
-            <a:endParaRPr lang="ru-RU" dirty="0"/>
-          </a:p>
-        </p:txBody>
-      </p:sp>
-      <p:sp>
-        <p:nvSpPr>
-          <p:cNvPr id="3" name="Объект 2"/>
-          <p:cNvSpPr>
-            <a:spLocks noGrp="1"/>
-          </p:cNvSpPr>
-          <p:nvPr>
-            <p:ph idx="1"/>
-          </p:nvPr>
-        </p:nvSpPr>
-        <p:spPr/>
-        <p:txBody>
-          <a:bodyPr>
-            <a:normAutofit fontScale="77500" lnSpcReduction="20000"/>
-          </a:bodyPr>
-          <a:lstStyle/>
-          <a:p>
-            <a:pPr marL="118872" indent="0">
-              <a:buNone/>
-            </a:pPr>
-            <a:r>
-              <a:rPr lang="en-US" sz="1600" dirty="0" smtClean="0"/>
-              <a:t>[1] First part of presentation</a:t>
-            </a:r>
-          </a:p>
-          <a:p>
-            <a:pPr marL="118872" indent="0">
-              <a:buNone/>
-            </a:pPr>
-            <a:r>
-              <a:rPr lang="en-US" sz="1600" dirty="0">
-                <a:hlinkClick r:id="rId2"/>
-              </a:rPr>
-              <a:t>https://</a:t>
-            </a:r>
-            <a:r>
-              <a:rPr lang="en-US" sz="1600" dirty="0" smtClean="0">
-                <a:hlinkClick r:id="rId2"/>
-              </a:rPr>
-              <a:t>github.com/burlachenkok/presentations_bruziuz/tree/master/decision_trees/mpti</a:t>
-            </a:r>
-            <a:endParaRPr lang="en-US" sz="1600" dirty="0" smtClean="0"/>
-          </a:p>
-          <a:p>
-            <a:pPr marL="118872" indent="0">
-              <a:buNone/>
-            </a:pPr>
-            <a:endParaRPr lang="en-US" sz="1600" dirty="0" smtClean="0"/>
-          </a:p>
-          <a:p>
-            <a:pPr marL="118872" indent="0">
-              <a:buNone/>
-            </a:pPr>
-            <a:r>
-              <a:rPr lang="en-US" sz="1600" dirty="0" smtClean="0"/>
-              <a:t>[2] </a:t>
-            </a:r>
-            <a:r>
-              <a:rPr lang="en-US" sz="1600" dirty="0"/>
-              <a:t>Classification And Regression Trees, 1983 (</a:t>
-            </a:r>
-            <a:r>
-              <a:rPr lang="en-US" sz="1600" dirty="0" err="1"/>
-              <a:t>Brieman</a:t>
-            </a:r>
-            <a:r>
-              <a:rPr lang="en-US" sz="1600" dirty="0"/>
-              <a:t>, Friedman, </a:t>
-            </a:r>
-            <a:r>
-              <a:rPr lang="en-US" sz="1600" dirty="0" err="1"/>
-              <a:t>Olshey</a:t>
-            </a:r>
-            <a:r>
-              <a:rPr lang="en-US" sz="1600" dirty="0"/>
-              <a:t>, Stone) – CART</a:t>
-            </a:r>
-          </a:p>
-          <a:p>
-            <a:pPr marL="118872" indent="0">
-              <a:buNone/>
-            </a:pPr>
-            <a:r>
-              <a:rPr lang="en-US" sz="1600" dirty="0">
-                <a:hlinkClick r:id="rId3"/>
-              </a:rPr>
-              <a:t>https://</a:t>
-            </a:r>
-            <a:r>
-              <a:rPr lang="en-US" sz="1600" dirty="0" smtClean="0">
-                <a:hlinkClick r:id="rId3"/>
-              </a:rPr>
-              <a:t>www.amazon.com/Classification-Regression-Wadsworth-Statistics-Probability/dp/0412048418</a:t>
-            </a:r>
-            <a:endParaRPr lang="en-US" sz="1600" dirty="0" smtClean="0"/>
-          </a:p>
-          <a:p>
-            <a:pPr marL="118872" indent="0">
-              <a:buNone/>
-            </a:pPr>
-            <a:endParaRPr lang="en-US" sz="1600" dirty="0" smtClean="0"/>
-          </a:p>
-          <a:p>
-            <a:pPr marL="118872" indent="0">
-              <a:buNone/>
-            </a:pPr>
-            <a:r>
-              <a:rPr lang="en-US" sz="1600" dirty="0" smtClean="0"/>
-              <a:t>[3] Book: The </a:t>
-            </a:r>
-            <a:r>
-              <a:rPr lang="en-US" sz="1600" dirty="0"/>
-              <a:t>Elements of Statistical </a:t>
-            </a:r>
-            <a:r>
-              <a:rPr lang="en-US" sz="1600" dirty="0" smtClean="0"/>
-              <a:t>Learning </a:t>
-            </a:r>
-            <a:endParaRPr lang="en-US" sz="1600" dirty="0"/>
-          </a:p>
-          <a:p>
-            <a:pPr marL="118872" indent="0">
-              <a:buNone/>
-            </a:pPr>
-            <a:r>
-              <a:rPr lang="en-US" sz="1600" dirty="0"/>
-              <a:t>(Friedman, </a:t>
-            </a:r>
-            <a:r>
-              <a:rPr lang="en-US" sz="1600" dirty="0" err="1"/>
-              <a:t>Tibshirani</a:t>
-            </a:r>
-            <a:r>
-              <a:rPr lang="en-US" sz="1600" dirty="0"/>
-              <a:t>, Hastie</a:t>
-            </a:r>
-            <a:r>
-              <a:rPr lang="en-US" sz="1600" dirty="0" smtClean="0"/>
-              <a:t>)</a:t>
-            </a:r>
-          </a:p>
-          <a:p>
-            <a:pPr marL="118872" indent="0">
-              <a:buNone/>
-            </a:pPr>
-            <a:r>
-              <a:rPr lang="en-US" sz="1600" dirty="0">
-                <a:hlinkClick r:id="rId4"/>
-              </a:rPr>
-              <a:t>https://web.stanford.edu/~</a:t>
-            </a:r>
-            <a:r>
-              <a:rPr lang="en-US" sz="1600" dirty="0" smtClean="0">
-                <a:hlinkClick r:id="rId4"/>
-              </a:rPr>
-              <a:t>hastie/Papers/ESLII.pdf</a:t>
-            </a:r>
-            <a:endParaRPr lang="en-US" sz="1600" dirty="0" smtClean="0"/>
-          </a:p>
-          <a:p>
-            <a:pPr marL="118872" indent="0">
-              <a:buNone/>
-            </a:pPr>
-            <a:endParaRPr lang="en-US" sz="1600" dirty="0" smtClean="0"/>
-          </a:p>
-          <a:p>
-            <a:pPr marL="118872" indent="0">
-              <a:buNone/>
-            </a:pPr>
-            <a:r>
-              <a:rPr lang="en-US" sz="1600" dirty="0"/>
-              <a:t>[4] </a:t>
-            </a:r>
-            <a:r>
-              <a:rPr lang="en-US" sz="1600" dirty="0" smtClean="0"/>
-              <a:t>News: Bradley </a:t>
-            </a:r>
-            <a:r>
-              <a:rPr lang="en-US" sz="1600" dirty="0" err="1" smtClean="0"/>
-              <a:t>Efron</a:t>
-            </a:r>
-            <a:r>
-              <a:rPr lang="en-US" sz="1600" dirty="0" smtClean="0"/>
-              <a:t>  </a:t>
-            </a:r>
-            <a:r>
-              <a:rPr lang="en-US" sz="1600" dirty="0"/>
-              <a:t>has won the </a:t>
-            </a:r>
-            <a:r>
-              <a:rPr lang="en-US" sz="1600" dirty="0" smtClean="0"/>
-              <a:t>80K USD Prize </a:t>
-            </a:r>
-            <a:r>
-              <a:rPr lang="en-US" sz="1600" dirty="0"/>
-              <a:t>in Statistics for his 1970s </a:t>
-            </a:r>
-            <a:r>
-              <a:rPr lang="en-US" sz="1600" dirty="0" smtClean="0"/>
-              <a:t>work</a:t>
-            </a:r>
-          </a:p>
-          <a:p>
-            <a:pPr marL="118872" indent="0">
-              <a:buNone/>
-            </a:pPr>
-            <a:r>
-              <a:rPr lang="en-US" sz="1600" dirty="0" smtClean="0">
-                <a:hlinkClick r:id="rId5"/>
-              </a:rPr>
-              <a:t>https</a:t>
-            </a:r>
-            <a:r>
-              <a:rPr lang="en-US" sz="1600" dirty="0">
-                <a:hlinkClick r:id="rId5"/>
-              </a:rPr>
-              <a:t>://</a:t>
-            </a:r>
-            <a:r>
-              <a:rPr lang="en-US" sz="1600" dirty="0" smtClean="0">
-                <a:hlinkClick r:id="rId5"/>
-              </a:rPr>
-              <a:t>www.nature.com/articles/d41586-018-07395-w?fbclid=IwAR3EbV3LbBQmls4KarxRzblvonn6HUxiC4IqRGaaXPY2XRsbOXtSPHqo3pk</a:t>
-            </a:r>
-            <a:endParaRPr lang="en-US" sz="1600" dirty="0" smtClean="0"/>
-          </a:p>
-          <a:p>
-            <a:pPr marL="118872" indent="0">
-              <a:buNone/>
-            </a:pPr>
-            <a:endParaRPr lang="en-US" sz="1600" dirty="0"/>
-          </a:p>
-          <a:p>
-            <a:pPr marL="118872" indent="0">
-              <a:buNone/>
-            </a:pPr>
-            <a:r>
-              <a:rPr lang="en-US" sz="1600" dirty="0" smtClean="0"/>
-              <a:t>[5] [</a:t>
-            </a:r>
-            <a:r>
-              <a:rPr lang="en-US" sz="1600" dirty="0" err="1" smtClean="0"/>
-              <a:t>cvxbook</a:t>
-            </a:r>
-            <a:r>
-              <a:rPr lang="en-US" sz="1600" dirty="0" smtClean="0"/>
-              <a:t>] Convex Optimization (</a:t>
-            </a:r>
-            <a:r>
-              <a:rPr lang="en-US" sz="1600" dirty="0" err="1" smtClean="0"/>
-              <a:t>S.Boyd</a:t>
-            </a:r>
-            <a:r>
-              <a:rPr lang="en-US" sz="1600" dirty="0" smtClean="0"/>
-              <a:t>, </a:t>
-            </a:r>
-            <a:r>
-              <a:rPr lang="en-US" sz="1600" dirty="0" err="1" smtClean="0"/>
-              <a:t>L.Vandenberghe</a:t>
-            </a:r>
-            <a:r>
-              <a:rPr lang="en-US" sz="1600" dirty="0" smtClean="0"/>
-              <a:t>)</a:t>
-            </a:r>
-          </a:p>
-          <a:p>
-            <a:pPr marL="118872" indent="0">
-              <a:buNone/>
-            </a:pPr>
-            <a:r>
-              <a:rPr lang="en-US" sz="1600" dirty="0">
-                <a:hlinkClick r:id="rId6"/>
-              </a:rPr>
-              <a:t>http://stanford.edu/~</a:t>
-            </a:r>
-            <a:r>
-              <a:rPr lang="en-US" sz="1600" dirty="0" smtClean="0">
-                <a:hlinkClick r:id="rId6"/>
-              </a:rPr>
-              <a:t>boyd/cvxbook/bv_cvxbook.pdf</a:t>
-            </a:r>
-            <a:endParaRPr lang="en-US" sz="1600" dirty="0" smtClean="0"/>
-          </a:p>
-          <a:p>
-            <a:pPr marL="118872" indent="0">
-              <a:buNone/>
-            </a:pPr>
-            <a:endParaRPr lang="en-US" sz="1600" dirty="0" smtClean="0"/>
-          </a:p>
-          <a:p>
-            <a:pPr marL="118872" indent="0">
-              <a:buNone/>
-            </a:pPr>
-            <a:r>
-              <a:rPr lang="en-US" sz="1600" dirty="0" smtClean="0"/>
-              <a:t>[</a:t>
-            </a:r>
-            <a:r>
-              <a:rPr lang="en-US" sz="1600" dirty="0"/>
-              <a:t>6] </a:t>
-            </a:r>
-            <a:r>
-              <a:rPr lang="en-US" sz="1600" dirty="0" smtClean="0"/>
-              <a:t>My notes: What </a:t>
-            </a:r>
-            <a:r>
-              <a:rPr lang="en-US" sz="1600" dirty="0"/>
-              <a:t>is cross-validation and some hints about it</a:t>
-            </a:r>
-            <a:endParaRPr lang="en-US" sz="1600" dirty="0" smtClean="0"/>
-          </a:p>
-          <a:p>
-            <a:pPr marL="118872" indent="0">
-              <a:buNone/>
-            </a:pPr>
-            <a:r>
-              <a:rPr lang="en-US" sz="1600" dirty="0">
-                <a:hlinkClick r:id="rId7"/>
-              </a:rPr>
-              <a:t>https://</a:t>
-            </a:r>
-            <a:r>
-              <a:rPr lang="en-US" sz="1600" dirty="0" smtClean="0">
-                <a:hlinkClick r:id="rId7"/>
-              </a:rPr>
-              <a:t>sites.google.com/site/burlachenkok/articles/what-is-cross-validation-and-some-hints-about-it</a:t>
-            </a:r>
-            <a:endParaRPr lang="en-US" sz="1600" dirty="0" smtClean="0"/>
-          </a:p>
-          <a:p>
-            <a:pPr marL="118872" indent="0">
-              <a:buNone/>
-            </a:pPr>
-            <a:endParaRPr lang="en-US" sz="1600" dirty="0"/>
-          </a:p>
-          <a:p>
-            <a:pPr marL="118872" indent="0">
-              <a:buNone/>
-            </a:pPr>
-            <a:r>
-              <a:rPr lang="en-US" sz="1600" dirty="0" smtClean="0"/>
-              <a:t>[</a:t>
-            </a:r>
-            <a:r>
-              <a:rPr lang="en-US" sz="1600" dirty="0"/>
-              <a:t>7] </a:t>
-            </a:r>
-            <a:r>
-              <a:rPr lang="en-US" sz="1600" dirty="0" smtClean="0"/>
-              <a:t>Example of Random Forest usage.</a:t>
-            </a:r>
-          </a:p>
-          <a:p>
-            <a:pPr marL="118872" indent="0">
-              <a:buNone/>
-            </a:pPr>
-            <a:r>
-              <a:rPr lang="en-US" sz="1600" dirty="0" smtClean="0"/>
-              <a:t>Real-Time </a:t>
-            </a:r>
-            <a:r>
-              <a:rPr lang="en-US" sz="1600" dirty="0"/>
-              <a:t>Human Pose Recognition in Parts from a Single Depth </a:t>
-            </a:r>
-            <a:r>
-              <a:rPr lang="en-US" sz="1600" dirty="0" smtClean="0"/>
-              <a:t>Image, 2011</a:t>
-            </a:r>
-          </a:p>
-          <a:p>
-            <a:pPr marL="118872" lvl="2" indent="0">
-              <a:spcBef>
-                <a:spcPts val="0"/>
-              </a:spcBef>
-              <a:buClr>
-                <a:schemeClr val="accent1"/>
-              </a:buClr>
-              <a:buSzPct val="80000"/>
-              <a:buNone/>
-            </a:pPr>
-            <a:r>
-              <a:rPr lang="en-US" sz="1500" u="sng" dirty="0">
-                <a:hlinkClick r:id="rId8"/>
-              </a:rPr>
-              <a:t>https://www.microsoft.com/en-us/research/publication/real-time-human-pose-recognition-in-parts-from-a-single-depth-image/?from=http%3A%2F%2Fresearch.microsoft.com%2Fpubs%2F145347%2Fbodypartrecognition.pdf</a:t>
-            </a:r>
-            <a:endParaRPr lang="en-US" sz="1500" u="sng" dirty="0"/>
-          </a:p>
-          <a:p>
-            <a:pPr marL="118872" indent="0">
-              <a:buNone/>
-            </a:pPr>
-            <a:endParaRPr lang="en-US" sz="1500" dirty="0" smtClean="0"/>
-          </a:p>
-          <a:p>
-            <a:pPr marL="118872" indent="0">
-              <a:buNone/>
-            </a:pPr>
-            <a:r>
-              <a:rPr lang="en-US" sz="1500" dirty="0" smtClean="0"/>
-              <a:t>[8] Some way to </a:t>
-            </a:r>
-            <a:r>
-              <a:rPr lang="en-US" sz="1500" dirty="0" err="1" smtClean="0"/>
-              <a:t>interpretate</a:t>
-            </a:r>
-            <a:r>
-              <a:rPr lang="en-US" sz="1500" dirty="0" smtClean="0"/>
-              <a:t> black-box models</a:t>
-            </a:r>
-          </a:p>
-          <a:p>
-            <a:pPr marL="118872" indent="0">
-              <a:buNone/>
-            </a:pPr>
-            <a:r>
-              <a:rPr lang="en-US" sz="1400" dirty="0" smtClean="0">
-                <a:hlinkClick r:id="rId9"/>
-              </a:rPr>
-              <a:t>https</a:t>
-            </a:r>
-            <a:r>
-              <a:rPr lang="en-US" sz="1400" dirty="0">
-                <a:hlinkClick r:id="rId9"/>
-              </a:rPr>
-              <a:t>://</a:t>
-            </a:r>
-            <a:r>
-              <a:rPr lang="en-US" sz="1400" dirty="0" smtClean="0">
-                <a:hlinkClick r:id="rId9"/>
-              </a:rPr>
-              <a:t>sites.google.com/site/burlachenkok/some-ways-to-intepretate-black-box-models</a:t>
-            </a:r>
-            <a:endParaRPr lang="en-US" sz="1400" dirty="0" smtClean="0"/>
-          </a:p>
-          <a:p>
-            <a:pPr marL="118872" indent="0">
-              <a:buNone/>
-            </a:pPr>
-            <a:endParaRPr lang="en-US" sz="1400" dirty="0" smtClean="0"/>
-          </a:p>
-          <a:p>
-            <a:pPr marL="118872" indent="0">
-              <a:buNone/>
-            </a:pPr>
-            <a:r>
-              <a:rPr lang="en-US" sz="1400" dirty="0" smtClean="0"/>
-              <a:t>[9] Lecture of </a:t>
-            </a:r>
-            <a:r>
-              <a:rPr lang="en-US" sz="1400" dirty="0" err="1" smtClean="0"/>
-              <a:t>T.Hastie</a:t>
-            </a:r>
-            <a:r>
-              <a:rPr lang="en-US" sz="1400" dirty="0"/>
-              <a:t> - Regularization Paths and Coordinate Descent</a:t>
-            </a:r>
-            <a:endParaRPr lang="en-US" sz="1400" dirty="0" smtClean="0"/>
-          </a:p>
-          <a:p>
-            <a:pPr marL="118872" indent="0">
-              <a:buNone/>
-            </a:pPr>
-            <a:r>
-              <a:rPr lang="en-US" sz="1400" dirty="0" smtClean="0">
-                <a:hlinkClick r:id="rId10"/>
-              </a:rPr>
-              <a:t>http</a:t>
-            </a:r>
-            <a:r>
-              <a:rPr lang="en-US" sz="1400" dirty="0">
-                <a:hlinkClick r:id="rId10"/>
-              </a:rPr>
-              <a:t>://videolectures.net/kdd08_hastie_rpcd/?</a:t>
-            </a:r>
-            <a:r>
-              <a:rPr lang="en-US" sz="1400" dirty="0" smtClean="0">
-                <a:hlinkClick r:id="rId10"/>
-              </a:rPr>
-              <a:t>fbclid=IwAR0CdXGDNa1y-4DC6FtkUCMBElDeROtlSrHMPnk_SKR1lb1fKB-CloGRu0E</a:t>
-            </a:r>
-            <a:endParaRPr lang="en-US" sz="1400" dirty="0" smtClean="0"/>
-          </a:p>
-          <a:p>
-            <a:pPr marL="118872" indent="0">
-              <a:buNone/>
-            </a:pPr>
-            <a:endParaRPr lang="en-US" sz="1400" dirty="0"/>
-          </a:p>
-          <a:p>
-            <a:pPr marL="118872" indent="0">
-              <a:buNone/>
-            </a:pPr>
-            <a:endParaRPr lang="en-US" sz="1500" dirty="0"/>
-          </a:p>
-        </p:txBody>
-      </p:sp>
-      <p:sp>
-        <p:nvSpPr>
-          <p:cNvPr id="4" name="Номер слайда 3"/>
-          <p:cNvSpPr>
-            <a:spLocks noGrp="1"/>
-          </p:cNvSpPr>
-          <p:nvPr>
-            <p:ph type="sldNum" sz="quarter" idx="12"/>
-          </p:nvPr>
-        </p:nvSpPr>
-        <p:spPr/>
-        <p:txBody>
-          <a:bodyPr/>
-          <a:lstStyle/>
-          <a:p>
-            <a:fld id="{C453EA42-BA89-4D45-B3D1-7EC11C308921}" type="slidenum">
-              <a:rPr lang="ru-RU" smtClean="0"/>
-              <a:t>2</a:t>
-            </a:fld>
-            <a:endParaRPr lang="ru-RU"/>
-          </a:p>
-        </p:txBody>
-      </p:sp>
-    </p:spTree>
-    <p:extLst>
-      <p:ext uri="{BB962C8B-B14F-4D97-AF65-F5344CB8AC3E}">
-        <p14:creationId xmlns:p14="http://schemas.microsoft.com/office/powerpoint/2010/main" val="2230784830"/>
-      </p:ext>
-    </p:extLst>
-  </p:cSld>
-  <p:clrMapOvr>
-    <a:masterClrMapping/>
-  </p:clrMapOvr>
-</p:sld>
-</file>
-
-<file path=ppt/slides/slide20.xml><?xml version="1.0" encoding="utf-8"?>
+<file path=ppt/slides/slide23.xml><?xml version="1.0" encoding="utf-8"?>
 <p:sld xmlns:a="http://schemas.openxmlformats.org/drawingml/2006/main" xmlns:r="http://schemas.openxmlformats.org/officeDocument/2006/relationships" xmlns:p="http://schemas.openxmlformats.org/presentationml/2006/main">
   <p:cSld>
     <p:spTree>
@@ -11649,7 +12140,7 @@
           <a:p>
             <a:fld id="{C453EA42-BA89-4D45-B3D1-7EC11C308921}" type="slidenum">
               <a:rPr lang="ru-RU" smtClean="0"/>
-              <a:t>20</a:t>
+              <a:t>23</a:t>
             </a:fld>
             <a:endParaRPr lang="ru-RU"/>
           </a:p>
@@ -11668,7 +12159,7 @@
 </p:sld>
 </file>
 
-<file path=ppt/slides/slide21.xml><?xml version="1.0" encoding="utf-8"?>
+<file path=ppt/slides/slide24.xml><?xml version="1.0" encoding="utf-8"?>
 <p:sld xmlns:a="http://schemas.openxmlformats.org/drawingml/2006/main" xmlns:r="http://schemas.openxmlformats.org/officeDocument/2006/relationships" xmlns:p="http://schemas.openxmlformats.org/presentationml/2006/main">
   <p:cSld>
     <p:spTree>
@@ -11702,7 +12193,7 @@
           <a:p>
             <a:fld id="{C453EA42-BA89-4D45-B3D1-7EC11C308921}" type="slidenum">
               <a:rPr lang="ru-RU" smtClean="0"/>
-              <a:t>21</a:t>
+              <a:t>24</a:t>
             </a:fld>
             <a:endParaRPr lang="ru-RU"/>
           </a:p>
@@ -12150,7 +12641,7 @@
             <a:fld id="{C453EA42-BA89-4D45-B3D1-7EC11C308921}" type="slidenum">
               <a:rPr lang="ru-RU" smtClean="0"/>
               <a:pPr/>
-              <a:t>21</a:t>
+              <a:t>24</a:t>
             </a:fld>
             <a:endParaRPr lang="ru-RU"/>
           </a:p>
@@ -12405,7 +12896,7 @@
             <a:fld id="{C453EA42-BA89-4D45-B3D1-7EC11C308921}" type="slidenum">
               <a:rPr lang="ru-RU" smtClean="0"/>
               <a:pPr/>
-              <a:t>21</a:t>
+              <a:t>24</a:t>
             </a:fld>
             <a:endParaRPr lang="ru-RU"/>
           </a:p>
@@ -13801,7 +14292,7 @@
 </p:sld>
 </file>
 
-<file path=ppt/slides/slide22.xml><?xml version="1.0" encoding="utf-8"?>
+<file path=ppt/slides/slide25.xml><?xml version="1.0" encoding="utf-8"?>
 <p:sld xmlns:a="http://schemas.openxmlformats.org/drawingml/2006/main" xmlns:r="http://schemas.openxmlformats.org/officeDocument/2006/relationships" xmlns:p="http://schemas.openxmlformats.org/presentationml/2006/main">
   <p:cSld>
     <p:spTree>
@@ -14010,7 +14501,7 @@
           <a:p>
             <a:fld id="{C453EA42-BA89-4D45-B3D1-7EC11C308921}" type="slidenum">
               <a:rPr lang="ru-RU" smtClean="0"/>
-              <a:t>22</a:t>
+              <a:t>25</a:t>
             </a:fld>
             <a:endParaRPr lang="ru-RU"/>
           </a:p>
@@ -14029,7 +14520,7 @@
 </p:sld>
 </file>
 
-<file path=ppt/slides/slide23.xml><?xml version="1.0" encoding="utf-8"?>
+<file path=ppt/slides/slide26.xml><?xml version="1.0" encoding="utf-8"?>
 <p:sld xmlns:a="http://schemas.openxmlformats.org/drawingml/2006/main" xmlns:r="http://schemas.openxmlformats.org/officeDocument/2006/relationships" xmlns:p="http://schemas.openxmlformats.org/presentationml/2006/main">
   <p:cSld>
     <p:spTree>
@@ -14925,7 +15416,7 @@
           <a:p>
             <a:fld id="{C453EA42-BA89-4D45-B3D1-7EC11C308921}" type="slidenum">
               <a:rPr lang="ru-RU" smtClean="0"/>
-              <a:t>23</a:t>
+              <a:t>26</a:t>
             </a:fld>
             <a:endParaRPr lang="ru-RU"/>
           </a:p>
@@ -14944,7 +15435,7 @@
 </p:sld>
 </file>
 
-<file path=ppt/slides/slide24.xml><?xml version="1.0" encoding="utf-8"?>
+<file path=ppt/slides/slide27.xml><?xml version="1.0" encoding="utf-8"?>
 <p:sld xmlns:a="http://schemas.openxmlformats.org/drawingml/2006/main" xmlns:r="http://schemas.openxmlformats.org/officeDocument/2006/relationships" xmlns:p="http://schemas.openxmlformats.org/presentationml/2006/main">
   <p:cSld>
     <p:spTree>
@@ -16408,7 +16899,7 @@
           <a:p>
             <a:fld id="{C453EA42-BA89-4D45-B3D1-7EC11C308921}" type="slidenum">
               <a:rPr lang="ru-RU" smtClean="0"/>
-              <a:t>24</a:t>
+              <a:t>27</a:t>
             </a:fld>
             <a:endParaRPr lang="ru-RU"/>
           </a:p>
@@ -16427,7 +16918,7 @@
 </p:sld>
 </file>
 
-<file path=ppt/slides/slide25.xml><?xml version="1.0" encoding="utf-8"?>
+<file path=ppt/slides/slide28.xml><?xml version="1.0" encoding="utf-8"?>
 <p:sld xmlns:a="http://schemas.openxmlformats.org/drawingml/2006/main" xmlns:r="http://schemas.openxmlformats.org/officeDocument/2006/relationships" xmlns:p="http://schemas.openxmlformats.org/presentationml/2006/main">
   <p:cSld>
     <p:spTree>
@@ -17562,7 +18053,7 @@
           <a:p>
             <a:fld id="{C453EA42-BA89-4D45-B3D1-7EC11C308921}" type="slidenum">
               <a:rPr lang="ru-RU" smtClean="0"/>
-              <a:t>25</a:t>
+              <a:t>28</a:t>
             </a:fld>
             <a:endParaRPr lang="ru-RU"/>
           </a:p>
@@ -17842,7 +18333,7 @@
 </p:sld>
 </file>
 
-<file path=ppt/slides/slide26.xml><?xml version="1.0" encoding="utf-8"?>
+<file path=ppt/slides/slide29.xml><?xml version="1.0" encoding="utf-8"?>
 <p:sld xmlns:a="http://schemas.openxmlformats.org/drawingml/2006/main" xmlns:r="http://schemas.openxmlformats.org/officeDocument/2006/relationships" xmlns:p="http://schemas.openxmlformats.org/presentationml/2006/main">
   <p:cSld>
     <p:spTree>
@@ -19115,7 +19606,7 @@
           <a:p>
             <a:fld id="{C453EA42-BA89-4D45-B3D1-7EC11C308921}" type="slidenum">
               <a:rPr lang="ru-RU" smtClean="0"/>
-              <a:t>26</a:t>
+              <a:t>29</a:t>
             </a:fld>
             <a:endParaRPr lang="ru-RU"/>
           </a:p>
@@ -19134,7 +19625,233 @@
 </p:sld>
 </file>
 
-<file path=ppt/slides/slide27.xml><?xml version="1.0" encoding="utf-8"?>
+<file path=ppt/slides/slide3.xml><?xml version="1.0" encoding="utf-8"?>
+<p:sld xmlns:a="http://schemas.openxmlformats.org/drawingml/2006/main" xmlns:r="http://schemas.openxmlformats.org/officeDocument/2006/relationships" xmlns:p="http://schemas.openxmlformats.org/presentationml/2006/main">
+  <p:cSld>
+    <p:spTree>
+      <p:nvGrpSpPr>
+        <p:cNvPr id="1" name=""/>
+        <p:cNvGrpSpPr/>
+        <p:nvPr/>
+      </p:nvGrpSpPr>
+      <p:grpSpPr>
+        <a:xfrm>
+          <a:off x="0" y="0"/>
+          <a:ext cx="0" cy="0"/>
+          <a:chOff x="0" y="0"/>
+          <a:chExt cx="0" cy="0"/>
+        </a:xfrm>
+      </p:grpSpPr>
+      <p:sp>
+        <p:nvSpPr>
+          <p:cNvPr id="2" name="Заголовок 1"/>
+          <p:cNvSpPr>
+            <a:spLocks noGrp="1"/>
+          </p:cNvSpPr>
+          <p:nvPr>
+            <p:ph type="title"/>
+          </p:nvPr>
+        </p:nvSpPr>
+        <p:spPr/>
+        <p:txBody>
+          <a:bodyPr/>
+          <a:lstStyle/>
+          <a:p>
+            <a:r>
+              <a:rPr lang="en-US" sz="3200" dirty="0" smtClean="0"/>
+              <a:t>Plan</a:t>
+            </a:r>
+            <a:endParaRPr lang="ru-RU" sz="3200" dirty="0"/>
+          </a:p>
+        </p:txBody>
+      </p:sp>
+      <p:sp>
+        <p:nvSpPr>
+          <p:cNvPr id="3" name="Объект 2"/>
+          <p:cNvSpPr>
+            <a:spLocks noGrp="1"/>
+          </p:cNvSpPr>
+          <p:nvPr>
+            <p:ph idx="1"/>
+          </p:nvPr>
+        </p:nvSpPr>
+        <p:spPr/>
+        <p:txBody>
+          <a:bodyPr>
+            <a:normAutofit fontScale="77500" lnSpcReduction="20000"/>
+          </a:bodyPr>
+          <a:lstStyle/>
+          <a:p>
+            <a:pPr marL="633222" indent="-514350">
+              <a:buAutoNum type="arabicPeriod"/>
+            </a:pPr>
+            <a:endParaRPr lang="en-US" dirty="0" smtClean="0"/>
+          </a:p>
+          <a:p>
+            <a:pPr marL="925830" lvl="1" indent="-514350">
+              <a:buAutoNum type="arabicPeriod"/>
+            </a:pPr>
+            <a:r>
+              <a:rPr lang="en-US" dirty="0" smtClean="0"/>
+              <a:t>Boosting from general </a:t>
+            </a:r>
+            <a:r>
+              <a:rPr lang="en-US" dirty="0" err="1" smtClean="0"/>
+              <a:t>optimizatin</a:t>
+            </a:r>
+            <a:r>
+              <a:rPr lang="en-US" dirty="0" smtClean="0"/>
+              <a:t> point of view of </a:t>
+            </a:r>
+            <a:r>
+              <a:rPr lang="en-US" dirty="0" err="1" smtClean="0"/>
+              <a:t>J.Duchi</a:t>
+            </a:r>
+            <a:endParaRPr lang="en-US" dirty="0" smtClean="0"/>
+          </a:p>
+          <a:p>
+            <a:pPr marL="925830" lvl="1" indent="-514350">
+              <a:buAutoNum type="arabicPeriod"/>
+            </a:pPr>
+            <a:r>
+              <a:rPr lang="en-US" dirty="0" smtClean="0"/>
+              <a:t>Motivation for Boosting with last vision from </a:t>
+            </a:r>
+            <a:r>
+              <a:rPr lang="en-US" dirty="0" err="1" smtClean="0"/>
+              <a:t>J.Friedman</a:t>
+            </a:r>
+            <a:endParaRPr lang="en-US" dirty="0"/>
+          </a:p>
+          <a:p>
+            <a:pPr marL="925830" lvl="1" indent="-514350">
+              <a:buAutoNum type="arabicPeriod"/>
+            </a:pPr>
+            <a:r>
+              <a:rPr lang="en-US" dirty="0" smtClean="0"/>
+              <a:t>Model structure and score for constructing model</a:t>
+            </a:r>
+          </a:p>
+          <a:p>
+            <a:pPr marL="925830" lvl="1" indent="-514350">
+              <a:buAutoNum type="arabicPeriod"/>
+            </a:pPr>
+            <a:r>
+              <a:rPr lang="en-US" dirty="0" err="1" smtClean="0"/>
+              <a:t>Arised</a:t>
+            </a:r>
+            <a:r>
+              <a:rPr lang="en-US" dirty="0" smtClean="0"/>
+              <a:t> huge linear regression problem and constraining it</a:t>
+            </a:r>
+          </a:p>
+          <a:p>
+            <a:pPr marL="925830" lvl="1" indent="-514350">
+              <a:buAutoNum type="arabicPeriod"/>
+            </a:pPr>
+            <a:r>
+              <a:rPr lang="en-US" dirty="0" smtClean="0"/>
+              <a:t>Massage constrained optimization problem into unconstrained</a:t>
+            </a:r>
+          </a:p>
+          <a:p>
+            <a:pPr marL="925830" lvl="1" indent="-514350">
+              <a:buAutoNum type="arabicPeriod"/>
+            </a:pPr>
+            <a:r>
+              <a:rPr lang="en-US" dirty="0" smtClean="0"/>
+              <a:t>Conclusion that find solution should be done in one dimensional path</a:t>
+            </a:r>
+          </a:p>
+          <a:p>
+            <a:pPr marL="925830" lvl="1" indent="-514350">
+              <a:buAutoNum type="arabicPeriod"/>
+            </a:pPr>
+            <a:r>
+              <a:rPr lang="en-US" dirty="0" smtClean="0"/>
+              <a:t>Assumption which will allow us to think about </a:t>
+            </a:r>
+            <a:r>
+              <a:rPr lang="en-US" dirty="0" err="1" smtClean="0"/>
+              <a:t>reasoable</a:t>
+            </a:r>
+            <a:r>
+              <a:rPr lang="en-US" dirty="0" smtClean="0"/>
+              <a:t> penalties</a:t>
+            </a:r>
+          </a:p>
+          <a:p>
+            <a:pPr marL="925830" lvl="1" indent="-514350">
+              <a:buAutoNum type="arabicPeriod"/>
+            </a:pPr>
+            <a:r>
+              <a:rPr lang="en-US" dirty="0" err="1" smtClean="0"/>
+              <a:t>Penalities</a:t>
+            </a:r>
+            <a:endParaRPr lang="en-US" dirty="0" smtClean="0"/>
+          </a:p>
+          <a:p>
+            <a:pPr marL="925830" lvl="1" indent="-514350">
+              <a:buAutoNum type="arabicPeriod"/>
+            </a:pPr>
+            <a:r>
+              <a:rPr lang="en-US" dirty="0" smtClean="0"/>
+              <a:t>Path seeking formulation</a:t>
+            </a:r>
+            <a:r>
+              <a:rPr lang="en-US" dirty="0"/>
+              <a:t/>
+            </a:r>
+            <a:br>
+              <a:rPr lang="en-US" dirty="0"/>
+            </a:br>
+            <a:endParaRPr lang="en-US" dirty="0" smtClean="0"/>
+          </a:p>
+          <a:p>
+            <a:pPr marL="633222" indent="-514350">
+              <a:buAutoNum type="arabicPeriod"/>
+            </a:pPr>
+            <a:endParaRPr lang="ru-RU" dirty="0"/>
+          </a:p>
+        </p:txBody>
+      </p:sp>
+      <p:sp>
+        <p:nvSpPr>
+          <p:cNvPr id="4" name="Номер слайда 3"/>
+          <p:cNvSpPr>
+            <a:spLocks noGrp="1"/>
+          </p:cNvSpPr>
+          <p:nvPr>
+            <p:ph type="sldNum" sz="quarter" idx="12"/>
+          </p:nvPr>
+        </p:nvSpPr>
+        <p:spPr/>
+        <p:txBody>
+          <a:bodyPr/>
+          <a:lstStyle/>
+          <a:p>
+            <a:fld id="{C453EA42-BA89-4D45-B3D1-7EC11C308921}" type="slidenum">
+              <a:rPr lang="ru-RU" smtClean="0"/>
+              <a:t>3</a:t>
+            </a:fld>
+            <a:endParaRPr lang="ru-RU"/>
+          </a:p>
+        </p:txBody>
+      </p:sp>
+    </p:spTree>
+    <p:extLst>
+      <p:ext uri="{BB962C8B-B14F-4D97-AF65-F5344CB8AC3E}">
+        <p14:creationId xmlns:p14="http://schemas.microsoft.com/office/powerpoint/2010/main" val="3562266540"/>
+      </p:ext>
+    </p:extLst>
+  </p:cSld>
+  <p:clrMapOvr>
+    <a:masterClrMapping/>
+  </p:clrMapOvr>
+</p:sld>
+</file>
+
+<file path=ppt/slides/slide30.xml><?xml version="1.0" encoding="utf-8"?>
 <p:sld xmlns:a="http://schemas.openxmlformats.org/drawingml/2006/main" xmlns:r="http://schemas.openxmlformats.org/officeDocument/2006/relationships" xmlns:p="http://schemas.openxmlformats.org/presentationml/2006/main">
   <p:cSld>
     <p:spTree>
@@ -19801,7 +20518,7 @@
           <a:p>
             <a:fld id="{C453EA42-BA89-4D45-B3D1-7EC11C308921}" type="slidenum">
               <a:rPr lang="ru-RU" smtClean="0"/>
-              <a:t>27</a:t>
+              <a:t>30</a:t>
             </a:fld>
             <a:endParaRPr lang="ru-RU"/>
           </a:p>
@@ -19820,7 +20537,7 @@
 </p:sld>
 </file>
 
-<file path=ppt/slides/slide28.xml><?xml version="1.0" encoding="utf-8"?>
+<file path=ppt/slides/slide31.xml><?xml version="1.0" encoding="utf-8"?>
 <p:sld xmlns:a="http://schemas.openxmlformats.org/drawingml/2006/main" xmlns:r="http://schemas.openxmlformats.org/officeDocument/2006/relationships" xmlns:p="http://schemas.openxmlformats.org/presentationml/2006/main">
   <p:cSld>
     <p:spTree>
@@ -19854,7 +20571,7 @@
           <a:p>
             <a:fld id="{C453EA42-BA89-4D45-B3D1-7EC11C308921}" type="slidenum">
               <a:rPr lang="ru-RU" smtClean="0"/>
-              <a:t>28</a:t>
+              <a:t>31</a:t>
             </a:fld>
             <a:endParaRPr lang="ru-RU"/>
           </a:p>
@@ -20561,7 +21278,7 @@
             <a:fld id="{C453EA42-BA89-4D45-B3D1-7EC11C308921}" type="slidenum">
               <a:rPr lang="ru-RU" smtClean="0"/>
               <a:pPr/>
-              <a:t>28</a:t>
+              <a:t>31</a:t>
             </a:fld>
             <a:endParaRPr lang="ru-RU"/>
           </a:p>
@@ -21103,7 +21820,7 @@
 </p:sld>
 </file>
 
-<file path=ppt/slides/slide29.xml><?xml version="1.0" encoding="utf-8"?>
+<file path=ppt/slides/slide32.xml><?xml version="1.0" encoding="utf-8"?>
 <p:sld xmlns:a="http://schemas.openxmlformats.org/drawingml/2006/main" xmlns:r="http://schemas.openxmlformats.org/officeDocument/2006/relationships" xmlns:p="http://schemas.openxmlformats.org/presentationml/2006/main">
   <p:cSld>
     <p:spTree>
@@ -21587,7 +22304,7 @@
           <a:p>
             <a:fld id="{C453EA42-BA89-4D45-B3D1-7EC11C308921}" type="slidenum">
               <a:rPr lang="ru-RU" smtClean="0"/>
-              <a:t>29</a:t>
+              <a:t>32</a:t>
             </a:fld>
             <a:endParaRPr lang="ru-RU"/>
           </a:p>
@@ -21606,215 +22323,7 @@
 </p:sld>
 </file>
 
-<file path=ppt/slides/slide3.xml><?xml version="1.0" encoding="utf-8"?>
-<p:sld xmlns:a="http://schemas.openxmlformats.org/drawingml/2006/main" xmlns:r="http://schemas.openxmlformats.org/officeDocument/2006/relationships" xmlns:p="http://schemas.openxmlformats.org/presentationml/2006/main">
-  <p:cSld>
-    <p:spTree>
-      <p:nvGrpSpPr>
-        <p:cNvPr id="1" name=""/>
-        <p:cNvGrpSpPr/>
-        <p:nvPr/>
-      </p:nvGrpSpPr>
-      <p:grpSpPr>
-        <a:xfrm>
-          <a:off x="0" y="0"/>
-          <a:ext cx="0" cy="0"/>
-          <a:chOff x="0" y="0"/>
-          <a:chExt cx="0" cy="0"/>
-        </a:xfrm>
-      </p:grpSpPr>
-      <p:sp>
-        <p:nvSpPr>
-          <p:cNvPr id="2" name="Заголовок 1"/>
-          <p:cNvSpPr>
-            <a:spLocks noGrp="1"/>
-          </p:cNvSpPr>
-          <p:nvPr>
-            <p:ph type="title"/>
-          </p:nvPr>
-        </p:nvSpPr>
-        <p:spPr/>
-        <p:txBody>
-          <a:bodyPr/>
-          <a:lstStyle/>
-          <a:p>
-            <a:r>
-              <a:rPr lang="en-US" sz="3200" dirty="0" smtClean="0"/>
-              <a:t>Plan</a:t>
-            </a:r>
-            <a:endParaRPr lang="ru-RU" sz="3200" dirty="0"/>
-          </a:p>
-        </p:txBody>
-      </p:sp>
-      <p:sp>
-        <p:nvSpPr>
-          <p:cNvPr id="3" name="Объект 2"/>
-          <p:cNvSpPr>
-            <a:spLocks noGrp="1"/>
-          </p:cNvSpPr>
-          <p:nvPr>
-            <p:ph idx="1"/>
-          </p:nvPr>
-        </p:nvSpPr>
-        <p:spPr/>
-        <p:txBody>
-          <a:bodyPr>
-            <a:normAutofit fontScale="77500" lnSpcReduction="20000"/>
-          </a:bodyPr>
-          <a:lstStyle/>
-          <a:p>
-            <a:pPr marL="633222" indent="-514350">
-              <a:buAutoNum type="arabicPeriod"/>
-            </a:pPr>
-            <a:endParaRPr lang="en-US" dirty="0" smtClean="0"/>
-          </a:p>
-          <a:p>
-            <a:pPr marL="925830" lvl="1" indent="-514350">
-              <a:buAutoNum type="arabicPeriod"/>
-            </a:pPr>
-            <a:r>
-              <a:rPr lang="en-US" dirty="0" smtClean="0"/>
-              <a:t>Motivation</a:t>
-            </a:r>
-            <a:r>
-              <a:rPr lang="ru-RU" dirty="0" smtClean="0"/>
-              <a:t> </a:t>
-            </a:r>
-            <a:r>
-              <a:rPr lang="en-US" dirty="0" smtClean="0"/>
-              <a:t>for Boosting</a:t>
-            </a:r>
-            <a:endParaRPr lang="en-US" dirty="0"/>
-          </a:p>
-          <a:p>
-            <a:pPr marL="925830" lvl="1" indent="-514350">
-              <a:buAutoNum type="arabicPeriod"/>
-            </a:pPr>
-            <a:r>
-              <a:rPr lang="en-US" dirty="0" smtClean="0"/>
-              <a:t>Model structure and score for constructing model</a:t>
-            </a:r>
-          </a:p>
-          <a:p>
-            <a:pPr marL="925830" lvl="1" indent="-514350">
-              <a:buAutoNum type="arabicPeriod"/>
-            </a:pPr>
-            <a:r>
-              <a:rPr lang="en-US" dirty="0" err="1" smtClean="0"/>
-              <a:t>Arised</a:t>
-            </a:r>
-            <a:r>
-              <a:rPr lang="en-US" dirty="0" smtClean="0"/>
-              <a:t> huge linear regression problem and constraining it</a:t>
-            </a:r>
-          </a:p>
-          <a:p>
-            <a:pPr marL="925830" lvl="1" indent="-514350">
-              <a:buAutoNum type="arabicPeriod"/>
-            </a:pPr>
-            <a:r>
-              <a:rPr lang="en-US" dirty="0" smtClean="0"/>
-              <a:t>Massage constrained optimization problem into unconstrained</a:t>
-            </a:r>
-          </a:p>
-          <a:p>
-            <a:pPr marL="925830" lvl="1" indent="-514350">
-              <a:buAutoNum type="arabicPeriod"/>
-            </a:pPr>
-            <a:r>
-              <a:rPr lang="en-US" dirty="0" smtClean="0"/>
-              <a:t>Conclusion that find solution should be done in one dimensional path</a:t>
-            </a:r>
-          </a:p>
-          <a:p>
-            <a:pPr marL="925830" lvl="1" indent="-514350">
-              <a:buAutoNum type="arabicPeriod"/>
-            </a:pPr>
-            <a:r>
-              <a:rPr lang="en-US" dirty="0" smtClean="0"/>
-              <a:t>Assumption which will allow us to think about </a:t>
-            </a:r>
-            <a:r>
-              <a:rPr lang="en-US" dirty="0" err="1" smtClean="0"/>
-              <a:t>reasoable</a:t>
-            </a:r>
-            <a:r>
-              <a:rPr lang="en-US" dirty="0" smtClean="0"/>
-              <a:t> penalties</a:t>
-            </a:r>
-          </a:p>
-          <a:p>
-            <a:pPr marL="925830" lvl="1" indent="-514350">
-              <a:buAutoNum type="arabicPeriod"/>
-            </a:pPr>
-            <a:r>
-              <a:rPr lang="en-US" dirty="0" err="1" smtClean="0"/>
-              <a:t>Penalities</a:t>
-            </a:r>
-            <a:endParaRPr lang="en-US" dirty="0" smtClean="0"/>
-          </a:p>
-          <a:p>
-            <a:pPr marL="925830" lvl="1" indent="-514350">
-              <a:buAutoNum type="arabicPeriod"/>
-            </a:pPr>
-            <a:r>
-              <a:rPr lang="en-US" dirty="0" smtClean="0"/>
-              <a:t>Path seeking formulation</a:t>
-            </a:r>
-            <a:r>
-              <a:rPr lang="en-US" dirty="0"/>
-              <a:t/>
-            </a:r>
-            <a:br>
-              <a:rPr lang="en-US" dirty="0"/>
-            </a:br>
-            <a:endParaRPr lang="en-US" dirty="0" smtClean="0"/>
-          </a:p>
-          <a:p>
-            <a:pPr marL="633222" indent="-514350">
-              <a:buAutoNum type="arabicPeriod"/>
-            </a:pPr>
-            <a:endParaRPr lang="ru-RU" dirty="0"/>
-          </a:p>
-        </p:txBody>
-      </p:sp>
-      <p:sp>
-        <p:nvSpPr>
-          <p:cNvPr id="4" name="Номер слайда 3"/>
-          <p:cNvSpPr>
-            <a:spLocks noGrp="1"/>
-          </p:cNvSpPr>
-          <p:nvPr>
-            <p:ph type="sldNum" sz="quarter" idx="12"/>
-          </p:nvPr>
-        </p:nvSpPr>
-        <p:spPr/>
-        <p:txBody>
-          <a:bodyPr/>
-          <a:lstStyle/>
-          <a:p>
-            <a:fld id="{C453EA42-BA89-4D45-B3D1-7EC11C308921}" type="slidenum">
-              <a:rPr lang="ru-RU" smtClean="0"/>
-              <a:t>3</a:t>
-            </a:fld>
-            <a:endParaRPr lang="ru-RU"/>
-          </a:p>
-        </p:txBody>
-      </p:sp>
-    </p:spTree>
-    <p:extLst>
-      <p:ext uri="{BB962C8B-B14F-4D97-AF65-F5344CB8AC3E}">
-        <p14:creationId xmlns:p14="http://schemas.microsoft.com/office/powerpoint/2010/main" val="3562266540"/>
-      </p:ext>
-    </p:extLst>
-  </p:cSld>
-  <p:clrMapOvr>
-    <a:masterClrMapping/>
-  </p:clrMapOvr>
-</p:sld>
-</file>
-
-<file path=ppt/slides/slide30.xml><?xml version="1.0" encoding="utf-8"?>
+<file path=ppt/slides/slide33.xml><?xml version="1.0" encoding="utf-8"?>
 <p:sld xmlns:a="http://schemas.openxmlformats.org/drawingml/2006/main" xmlns:r="http://schemas.openxmlformats.org/officeDocument/2006/relationships" xmlns:p="http://schemas.openxmlformats.org/presentationml/2006/main">
   <p:cSld>
     <p:spTree>
@@ -22500,7 +23009,7 @@
           <a:p>
             <a:fld id="{C453EA42-BA89-4D45-B3D1-7EC11C308921}" type="slidenum">
               <a:rPr lang="ru-RU" smtClean="0"/>
-              <a:t>30</a:t>
+              <a:t>33</a:t>
             </a:fld>
             <a:endParaRPr lang="ru-RU"/>
           </a:p>
@@ -22678,7 +23187,7 @@
 </p:sld>
 </file>
 
-<file path=ppt/slides/slide31.xml><?xml version="1.0" encoding="utf-8"?>
+<file path=ppt/slides/slide34.xml><?xml version="1.0" encoding="utf-8"?>
 <p:sld xmlns:a="http://schemas.openxmlformats.org/drawingml/2006/main" xmlns:r="http://schemas.openxmlformats.org/officeDocument/2006/relationships" xmlns:p="http://schemas.openxmlformats.org/presentationml/2006/main">
   <p:cSld>
     <p:spTree>
@@ -22877,7 +23386,7 @@
           <a:p>
             <a:fld id="{C453EA42-BA89-4D45-B3D1-7EC11C308921}" type="slidenum">
               <a:rPr lang="ru-RU" smtClean="0"/>
-              <a:t>31</a:t>
+              <a:t>34</a:t>
             </a:fld>
             <a:endParaRPr lang="ru-RU"/>
           </a:p>
@@ -22896,7 +23405,7 @@
 </p:sld>
 </file>
 
-<file path=ppt/slides/slide32.xml><?xml version="1.0" encoding="utf-8"?>
+<file path=ppt/slides/slide35.xml><?xml version="1.0" encoding="utf-8"?>
 <p:sld xmlns:a="http://schemas.openxmlformats.org/drawingml/2006/main" xmlns:r="http://schemas.openxmlformats.org/officeDocument/2006/relationships" xmlns:p="http://schemas.openxmlformats.org/presentationml/2006/main">
   <p:cSld>
     <p:spTree>
@@ -23081,7 +23590,7 @@
           <a:p>
             <a:fld id="{C453EA42-BA89-4D45-B3D1-7EC11C308921}" type="slidenum">
               <a:rPr lang="ru-RU" smtClean="0"/>
-              <a:t>32</a:t>
+              <a:t>35</a:t>
             </a:fld>
             <a:endParaRPr lang="ru-RU"/>
           </a:p>
@@ -23100,7 +23609,7 @@
 </p:sld>
 </file>
 
-<file path=ppt/slides/slide33.xml><?xml version="1.0" encoding="utf-8"?>
+<file path=ppt/slides/slide36.xml><?xml version="1.0" encoding="utf-8"?>
 <p:sld xmlns:a="http://schemas.openxmlformats.org/drawingml/2006/main" xmlns:r="http://schemas.openxmlformats.org/officeDocument/2006/relationships" xmlns:p="http://schemas.openxmlformats.org/presentationml/2006/main">
   <p:cSld>
     <p:spTree>
@@ -23526,7 +24035,7 @@
           <a:p>
             <a:fld id="{C453EA42-BA89-4D45-B3D1-7EC11C308921}" type="slidenum">
               <a:rPr lang="ru-RU" smtClean="0"/>
-              <a:t>33</a:t>
+              <a:t>36</a:t>
             </a:fld>
             <a:endParaRPr lang="ru-RU"/>
           </a:p>
@@ -23545,7 +24054,7 @@
 </p:sld>
 </file>
 
-<file path=ppt/slides/slide34.xml><?xml version="1.0" encoding="utf-8"?>
+<file path=ppt/slides/slide37.xml><?xml version="1.0" encoding="utf-8"?>
 <p:sld xmlns:a="http://schemas.openxmlformats.org/drawingml/2006/main" xmlns:r="http://schemas.openxmlformats.org/officeDocument/2006/relationships" xmlns:p="http://schemas.openxmlformats.org/presentationml/2006/main">
   <p:cSld>
     <p:spTree>
@@ -24762,7 +25271,7 @@
           <a:p>
             <a:fld id="{C453EA42-BA89-4D45-B3D1-7EC11C308921}" type="slidenum">
               <a:rPr lang="ru-RU" smtClean="0"/>
-              <a:t>34</a:t>
+              <a:t>37</a:t>
             </a:fld>
             <a:endParaRPr lang="ru-RU"/>
           </a:p>
@@ -24781,7 +25290,7 @@
 </p:sld>
 </file>
 
-<file path=ppt/slides/slide35.xml><?xml version="1.0" encoding="utf-8"?>
+<file path=ppt/slides/slide38.xml><?xml version="1.0" encoding="utf-8"?>
 <p:sld xmlns:a="http://schemas.openxmlformats.org/drawingml/2006/main" xmlns:r="http://schemas.openxmlformats.org/officeDocument/2006/relationships" xmlns:p="http://schemas.openxmlformats.org/presentationml/2006/main">
   <p:cSld>
     <p:spTree>
@@ -25178,7 +25687,7 @@
           <a:p>
             <a:fld id="{C453EA42-BA89-4D45-B3D1-7EC11C308921}" type="slidenum">
               <a:rPr lang="ru-RU" smtClean="0"/>
-              <a:t>35</a:t>
+              <a:t>38</a:t>
             </a:fld>
             <a:endParaRPr lang="ru-RU"/>
           </a:p>
@@ -25197,7 +25706,7 @@
 </p:sld>
 </file>
 
-<file path=ppt/slides/slide36.xml><?xml version="1.0" encoding="utf-8"?>
+<file path=ppt/slides/slide39.xml><?xml version="1.0" encoding="utf-8"?>
 <p:sld xmlns:a="http://schemas.openxmlformats.org/drawingml/2006/main" xmlns:r="http://schemas.openxmlformats.org/officeDocument/2006/relationships" xmlns:p="http://schemas.openxmlformats.org/presentationml/2006/main">
   <p:cSld>
     <p:spTree>
@@ -25853,7 +26362,7 @@
           <a:p>
             <a:fld id="{C453EA42-BA89-4D45-B3D1-7EC11C308921}" type="slidenum">
               <a:rPr lang="ru-RU" smtClean="0"/>
-              <a:t>36</a:t>
+              <a:t>39</a:t>
             </a:fld>
             <a:endParaRPr lang="ru-RU"/>
           </a:p>
@@ -25872,7 +26381,161 @@
 </p:sld>
 </file>
 
-<file path=ppt/slides/slide37.xml><?xml version="1.0" encoding="utf-8"?>
+<file path=ppt/slides/slide4.xml><?xml version="1.0" encoding="utf-8"?>
+<p:sld xmlns:a="http://schemas.openxmlformats.org/drawingml/2006/main" xmlns:r="http://schemas.openxmlformats.org/officeDocument/2006/relationships" xmlns:p="http://schemas.openxmlformats.org/presentationml/2006/main">
+  <p:cSld>
+    <p:spTree>
+      <p:nvGrpSpPr>
+        <p:cNvPr id="1" name=""/>
+        <p:cNvGrpSpPr/>
+        <p:nvPr/>
+      </p:nvGrpSpPr>
+      <p:grpSpPr>
+        <a:xfrm>
+          <a:off x="0" y="0"/>
+          <a:ext cx="0" cy="0"/>
+          <a:chOff x="0" y="0"/>
+          <a:chExt cx="0" cy="0"/>
+        </a:xfrm>
+      </p:grpSpPr>
+      <p:sp>
+        <p:nvSpPr>
+          <p:cNvPr id="2" name="Заголовок 1"/>
+          <p:cNvSpPr>
+            <a:spLocks noGrp="1"/>
+          </p:cNvSpPr>
+          <p:nvPr>
+            <p:ph type="title"/>
+          </p:nvPr>
+        </p:nvSpPr>
+        <p:spPr/>
+        <p:txBody>
+          <a:bodyPr>
+            <a:normAutofit fontScale="90000"/>
+          </a:bodyPr>
+          <a:lstStyle/>
+          <a:p>
+            <a:r>
+              <a:rPr lang="en-US" dirty="0" smtClean="0"/>
+              <a:t>Usual Boosting in Machine Learning/Motivation</a:t>
+            </a:r>
+            <a:endParaRPr lang="ru-RU" dirty="0"/>
+          </a:p>
+        </p:txBody>
+      </p:sp>
+      <p:sp>
+        <p:nvSpPr>
+          <p:cNvPr id="3" name="Объект 2"/>
+          <p:cNvSpPr>
+            <a:spLocks noGrp="1"/>
+          </p:cNvSpPr>
+          <p:nvPr>
+            <p:ph idx="1"/>
+          </p:nvPr>
+        </p:nvSpPr>
+        <p:spPr/>
+        <p:txBody>
+          <a:bodyPr/>
+          <a:lstStyle/>
+          <a:p>
+            <a:pPr marL="118872" indent="0">
+              <a:buNone/>
+            </a:pPr>
+            <a:r>
+              <a:rPr lang="ru-RU" i="1" dirty="0"/>
+              <a:t> </a:t>
+            </a:r>
+            <a:r>
+              <a:rPr lang="en-US" i="1" dirty="0"/>
+              <a:t>“….We now talk about a procedure, known as boosting, which was originally discovered by Rob </a:t>
+            </a:r>
+            <a:r>
+              <a:rPr lang="en-US" i="1" dirty="0" err="1"/>
+              <a:t>Schapire</a:t>
+            </a:r>
+            <a:r>
+              <a:rPr lang="en-US" i="1" dirty="0"/>
+              <a:t>, and further developed by </a:t>
+            </a:r>
+            <a:r>
+              <a:rPr lang="en-US" b="1" i="1" dirty="0"/>
+              <a:t>Rob </a:t>
+            </a:r>
+            <a:r>
+              <a:rPr lang="en-US" b="1" i="1" dirty="0" err="1"/>
+              <a:t>Schapire</a:t>
+            </a:r>
+            <a:r>
+              <a:rPr lang="en-US" i="1" dirty="0"/>
+              <a:t> and </a:t>
+            </a:r>
+            <a:r>
+              <a:rPr lang="en-US" b="1" i="1" dirty="0" err="1"/>
+              <a:t>Yoav</a:t>
+            </a:r>
+            <a:r>
+              <a:rPr lang="en-US" b="1" i="1" dirty="0"/>
+              <a:t> Freund</a:t>
+            </a:r>
+            <a:r>
+              <a:rPr lang="en-US" i="1" dirty="0"/>
+              <a:t>, that automatically chooses feature representations. We take an optimization-based perspective, which is somewhat different from the original </a:t>
+            </a:r>
+            <a:r>
+              <a:rPr lang="en-US" i="1" dirty="0" smtClean="0"/>
+              <a:t>interpretation…” – </a:t>
+            </a:r>
+            <a:r>
+              <a:rPr lang="en-US" i="1" dirty="0" err="1" smtClean="0"/>
+              <a:t>J.Duchi</a:t>
+            </a:r>
+            <a:endParaRPr lang="ru-RU" dirty="0"/>
+          </a:p>
+          <a:p>
+            <a:pPr marL="118872" indent="0">
+              <a:buNone/>
+            </a:pPr>
+            <a:endParaRPr lang="ru-RU" dirty="0"/>
+          </a:p>
+        </p:txBody>
+      </p:sp>
+      <p:sp>
+        <p:nvSpPr>
+          <p:cNvPr id="4" name="Номер слайда 3"/>
+          <p:cNvSpPr>
+            <a:spLocks noGrp="1"/>
+          </p:cNvSpPr>
+          <p:nvPr>
+            <p:ph type="sldNum" sz="quarter" idx="12"/>
+          </p:nvPr>
+        </p:nvSpPr>
+        <p:spPr/>
+        <p:txBody>
+          <a:bodyPr/>
+          <a:lstStyle/>
+          <a:p>
+            <a:fld id="{C453EA42-BA89-4D45-B3D1-7EC11C308921}" type="slidenum">
+              <a:rPr lang="ru-RU" smtClean="0"/>
+              <a:t>4</a:t>
+            </a:fld>
+            <a:endParaRPr lang="ru-RU"/>
+          </a:p>
+        </p:txBody>
+      </p:sp>
+    </p:spTree>
+    <p:extLst>
+      <p:ext uri="{BB962C8B-B14F-4D97-AF65-F5344CB8AC3E}">
+        <p14:creationId xmlns:p14="http://schemas.microsoft.com/office/powerpoint/2010/main" val="3365460944"/>
+      </p:ext>
+    </p:extLst>
+  </p:cSld>
+  <p:clrMapOvr>
+    <a:masterClrMapping/>
+  </p:clrMapOvr>
+</p:sld>
+</file>
+
+<file path=ppt/slides/slide40.xml><?xml version="1.0" encoding="utf-8"?>
 <p:sld xmlns:a="http://schemas.openxmlformats.org/drawingml/2006/main" xmlns:r="http://schemas.openxmlformats.org/officeDocument/2006/relationships" xmlns:p="http://schemas.openxmlformats.org/presentationml/2006/main">
   <p:cSld>
     <p:spTree>
@@ -26543,7 +27206,7 @@
           <a:p>
             <a:fld id="{C453EA42-BA89-4D45-B3D1-7EC11C308921}" type="slidenum">
               <a:rPr lang="ru-RU" smtClean="0"/>
-              <a:t>37</a:t>
+              <a:t>40</a:t>
             </a:fld>
             <a:endParaRPr lang="ru-RU"/>
           </a:p>
@@ -26562,7 +27225,7 @@
 </p:sld>
 </file>
 
-<file path=ppt/slides/slide38.xml><?xml version="1.0" encoding="utf-8"?>
+<file path=ppt/slides/slide41.xml><?xml version="1.0" encoding="utf-8"?>
 <p:sld xmlns:a="http://schemas.openxmlformats.org/drawingml/2006/main" xmlns:r="http://schemas.openxmlformats.org/officeDocument/2006/relationships" xmlns:p="http://schemas.openxmlformats.org/presentationml/2006/main">
   <p:cSld>
     <p:spTree>
@@ -27759,7 +28422,7 @@
           <a:p>
             <a:fld id="{C453EA42-BA89-4D45-B3D1-7EC11C308921}" type="slidenum">
               <a:rPr lang="ru-RU" smtClean="0"/>
-              <a:t>38</a:t>
+              <a:t>41</a:t>
             </a:fld>
             <a:endParaRPr lang="ru-RU"/>
           </a:p>
@@ -27778,7 +28441,7 @@
 </p:sld>
 </file>
 
-<file path=ppt/slides/slide39.xml><?xml version="1.0" encoding="utf-8"?>
+<file path=ppt/slides/slide42.xml><?xml version="1.0" encoding="utf-8"?>
 <p:sld xmlns:a="http://schemas.openxmlformats.org/drawingml/2006/main" xmlns:r="http://schemas.openxmlformats.org/officeDocument/2006/relationships" xmlns:p="http://schemas.openxmlformats.org/presentationml/2006/main">
   <p:cSld>
     <p:spTree>
@@ -28509,7 +29172,7 @@
           <a:p>
             <a:fld id="{C453EA42-BA89-4D45-B3D1-7EC11C308921}" type="slidenum">
               <a:rPr lang="ru-RU" smtClean="0"/>
-              <a:t>39</a:t>
+              <a:t>42</a:t>
             </a:fld>
             <a:endParaRPr lang="ru-RU"/>
           </a:p>
@@ -28528,122 +29191,7 @@
 </p:sld>
 </file>
 
-<file path=ppt/slides/slide4.xml><?xml version="1.0" encoding="utf-8"?>
-<p:sld xmlns:a="http://schemas.openxmlformats.org/drawingml/2006/main" xmlns:r="http://schemas.openxmlformats.org/officeDocument/2006/relationships" xmlns:p="http://schemas.openxmlformats.org/presentationml/2006/main">
-  <p:cSld>
-    <p:spTree>
-      <p:nvGrpSpPr>
-        <p:cNvPr id="1" name=""/>
-        <p:cNvGrpSpPr/>
-        <p:nvPr/>
-      </p:nvGrpSpPr>
-      <p:grpSpPr>
-        <a:xfrm>
-          <a:off x="0" y="0"/>
-          <a:ext cx="0" cy="0"/>
-          <a:chOff x="0" y="0"/>
-          <a:chExt cx="0" cy="0"/>
-        </a:xfrm>
-      </p:grpSpPr>
-      <p:sp>
-        <p:nvSpPr>
-          <p:cNvPr id="2" name="Заголовок 1"/>
-          <p:cNvSpPr>
-            <a:spLocks noGrp="1"/>
-          </p:cNvSpPr>
-          <p:nvPr>
-            <p:ph type="title"/>
-          </p:nvPr>
-        </p:nvSpPr>
-        <p:spPr/>
-        <p:txBody>
-          <a:bodyPr/>
-          <a:lstStyle/>
-          <a:p>
-            <a:endParaRPr lang="ru-RU"/>
-          </a:p>
-        </p:txBody>
-      </p:sp>
-      <p:sp>
-        <p:nvSpPr>
-          <p:cNvPr id="3" name="Объект 2"/>
-          <p:cNvSpPr>
-            <a:spLocks noGrp="1"/>
-          </p:cNvSpPr>
-          <p:nvPr>
-            <p:ph idx="1"/>
-          </p:nvPr>
-        </p:nvSpPr>
-        <p:spPr/>
-        <p:txBody>
-          <a:bodyPr/>
-          <a:lstStyle/>
-          <a:p>
-            <a:r>
-              <a:rPr lang="en-US" dirty="0" smtClean="0"/>
-              <a:t>There at least several way to </a:t>
-            </a:r>
-            <a:r>
-              <a:rPr lang="en-US" dirty="0" err="1" smtClean="0"/>
-              <a:t>interpretate</a:t>
-            </a:r>
-            <a:r>
-              <a:rPr lang="en-US" dirty="0" smtClean="0"/>
-              <a:t> why minimum value is in sharp edges</a:t>
-            </a:r>
-          </a:p>
-          <a:p>
-            <a:r>
-              <a:rPr lang="en-US" dirty="0" smtClean="0"/>
-              <a:t>Very big chance just geometrically. |x|_1 &lt; t are points inside Diamond</a:t>
-            </a:r>
-          </a:p>
-          <a:p>
-            <a:r>
-              <a:rPr lang="en-US" dirty="0" smtClean="0"/>
-              <a:t>It’s going to hit corners</a:t>
-            </a:r>
-            <a:endParaRPr lang="ru-RU" dirty="0"/>
-          </a:p>
-        </p:txBody>
-      </p:sp>
-      <p:sp>
-        <p:nvSpPr>
-          <p:cNvPr id="4" name="Номер слайда 3"/>
-          <p:cNvSpPr>
-            <a:spLocks noGrp="1"/>
-          </p:cNvSpPr>
-          <p:nvPr>
-            <p:ph type="sldNum" sz="quarter" idx="12"/>
-          </p:nvPr>
-        </p:nvSpPr>
-        <p:spPr/>
-        <p:txBody>
-          <a:bodyPr/>
-          <a:lstStyle/>
-          <a:p>
-            <a:fld id="{C453EA42-BA89-4D45-B3D1-7EC11C308921}" type="slidenum">
-              <a:rPr lang="ru-RU" smtClean="0"/>
-              <a:t>4</a:t>
-            </a:fld>
-            <a:endParaRPr lang="ru-RU"/>
-          </a:p>
-        </p:txBody>
-      </p:sp>
-    </p:spTree>
-    <p:extLst>
-      <p:ext uri="{BB962C8B-B14F-4D97-AF65-F5344CB8AC3E}">
-        <p14:creationId xmlns:p14="http://schemas.microsoft.com/office/powerpoint/2010/main" val="149908040"/>
-      </p:ext>
-    </p:extLst>
-  </p:cSld>
-  <p:clrMapOvr>
-    <a:masterClrMapping/>
-  </p:clrMapOvr>
-</p:sld>
-</file>
-
-<file path=ppt/slides/slide40.xml><?xml version="1.0" encoding="utf-8"?>
+<file path=ppt/slides/slide43.xml><?xml version="1.0" encoding="utf-8"?>
 <p:sld xmlns:a="http://schemas.openxmlformats.org/drawingml/2006/main" xmlns:r="http://schemas.openxmlformats.org/officeDocument/2006/relationships" xmlns:p="http://schemas.openxmlformats.org/presentationml/2006/main">
   <p:cSld>
     <p:spTree>
@@ -29242,7 +29790,7 @@
           <a:p>
             <a:fld id="{C453EA42-BA89-4D45-B3D1-7EC11C308921}" type="slidenum">
               <a:rPr lang="ru-RU" smtClean="0"/>
-              <a:t>40</a:t>
+              <a:t>43</a:t>
             </a:fld>
             <a:endParaRPr lang="ru-RU"/>
           </a:p>
@@ -29261,7 +29809,7 @@
 </p:sld>
 </file>
 
-<file path=ppt/slides/slide41.xml><?xml version="1.0" encoding="utf-8"?>
+<file path=ppt/slides/slide44.xml><?xml version="1.0" encoding="utf-8"?>
 <p:sld xmlns:a="http://schemas.openxmlformats.org/drawingml/2006/main" xmlns:r="http://schemas.openxmlformats.org/officeDocument/2006/relationships" xmlns:p="http://schemas.openxmlformats.org/presentationml/2006/main">
   <p:cSld>
     <p:spTree>
@@ -30178,7 +30726,7 @@
           <a:p>
             <a:fld id="{C453EA42-BA89-4D45-B3D1-7EC11C308921}" type="slidenum">
               <a:rPr lang="ru-RU" smtClean="0"/>
-              <a:t>41</a:t>
+              <a:t>44</a:t>
             </a:fld>
             <a:endParaRPr lang="ru-RU"/>
           </a:p>
@@ -30197,7 +30745,7 @@
 </p:sld>
 </file>
 
-<file path=ppt/slides/slide42.xml><?xml version="1.0" encoding="utf-8"?>
+<file path=ppt/slides/slide45.xml><?xml version="1.0" encoding="utf-8"?>
 <p:sld xmlns:a="http://schemas.openxmlformats.org/drawingml/2006/main" xmlns:r="http://schemas.openxmlformats.org/officeDocument/2006/relationships" xmlns:p="http://schemas.openxmlformats.org/presentationml/2006/main">
   <p:cSld>
     <p:spTree>
@@ -32207,7 +32755,7 @@
           <a:p>
             <a:fld id="{C453EA42-BA89-4D45-B3D1-7EC11C308921}" type="slidenum">
               <a:rPr lang="ru-RU" smtClean="0"/>
-              <a:t>42</a:t>
+              <a:t>45</a:t>
             </a:fld>
             <a:endParaRPr lang="ru-RU"/>
           </a:p>
@@ -32226,7 +32774,7 @@
 </p:sld>
 </file>
 
-<file path=ppt/slides/slide43.xml><?xml version="1.0" encoding="utf-8"?>
+<file path=ppt/slides/slide46.xml><?xml version="1.0" encoding="utf-8"?>
 <p:sld xmlns:a="http://schemas.openxmlformats.org/drawingml/2006/main" xmlns:r="http://schemas.openxmlformats.org/officeDocument/2006/relationships" xmlns:p="http://schemas.openxmlformats.org/presentationml/2006/main">
   <p:cSld>
     <p:spTree>
@@ -32860,7 +33408,7 @@
           <a:p>
             <a:fld id="{C453EA42-BA89-4D45-B3D1-7EC11C308921}" type="slidenum">
               <a:rPr lang="ru-RU" smtClean="0"/>
-              <a:t>43</a:t>
+              <a:t>46</a:t>
             </a:fld>
             <a:endParaRPr lang="ru-RU"/>
           </a:p>
@@ -32879,7 +33427,7 @@
 </p:sld>
 </file>
 
-<file path=ppt/slides/slide44.xml><?xml version="1.0" encoding="utf-8"?>
+<file path=ppt/slides/slide47.xml><?xml version="1.0" encoding="utf-8"?>
 <p:sld xmlns:a="http://schemas.openxmlformats.org/drawingml/2006/main" xmlns:r="http://schemas.openxmlformats.org/officeDocument/2006/relationships" xmlns:p="http://schemas.openxmlformats.org/presentationml/2006/main">
   <p:cSld>
     <p:spTree>
@@ -34510,7 +35058,7 @@
           <a:p>
             <a:fld id="{C453EA42-BA89-4D45-B3D1-7EC11C308921}" type="slidenum">
               <a:rPr lang="ru-RU" smtClean="0"/>
-              <a:t>44</a:t>
+              <a:t>47</a:t>
             </a:fld>
             <a:endParaRPr lang="ru-RU"/>
           </a:p>
@@ -34529,7 +35077,7 @@
 </p:sld>
 </file>
 
-<file path=ppt/slides/slide45.xml><?xml version="1.0" encoding="utf-8"?>
+<file path=ppt/slides/slide48.xml><?xml version="1.0" encoding="utf-8"?>
 <p:sld xmlns:a="http://schemas.openxmlformats.org/drawingml/2006/main" xmlns:r="http://schemas.openxmlformats.org/officeDocument/2006/relationships" xmlns:p="http://schemas.openxmlformats.org/presentationml/2006/main">
   <p:cSld>
     <p:spTree>
@@ -34927,7 +35475,7 @@
           <a:p>
             <a:fld id="{C453EA42-BA89-4D45-B3D1-7EC11C308921}" type="slidenum">
               <a:rPr lang="ru-RU" smtClean="0"/>
-              <a:t>45</a:t>
+              <a:t>48</a:t>
             </a:fld>
             <a:endParaRPr lang="ru-RU"/>
           </a:p>
@@ -34946,7 +35494,7 @@
 </p:sld>
 </file>
 
-<file path=ppt/slides/slide46.xml><?xml version="1.0" encoding="utf-8"?>
+<file path=ppt/slides/slide49.xml><?xml version="1.0" encoding="utf-8"?>
 <p:sld xmlns:a="http://schemas.openxmlformats.org/drawingml/2006/main" xmlns:r="http://schemas.openxmlformats.org/officeDocument/2006/relationships" xmlns:p="http://schemas.openxmlformats.org/presentationml/2006/main">
   <p:cSld>
     <p:spTree>
@@ -35760,7 +36308,7 @@
           <a:p>
             <a:fld id="{C453EA42-BA89-4D45-B3D1-7EC11C308921}" type="slidenum">
               <a:rPr lang="ru-RU" smtClean="0"/>
-              <a:t>46</a:t>
+              <a:t>49</a:t>
             </a:fld>
             <a:endParaRPr lang="ru-RU"/>
           </a:p>
@@ -35779,7 +36327,542 @@
 </p:sld>
 </file>
 
-<file path=ppt/slides/slide47.xml><?xml version="1.0" encoding="utf-8"?>
+<file path=ppt/slides/slide5.xml><?xml version="1.0" encoding="utf-8"?>
+<p:sld xmlns:a="http://schemas.openxmlformats.org/drawingml/2006/main" xmlns:r="http://schemas.openxmlformats.org/officeDocument/2006/relationships" xmlns:p="http://schemas.openxmlformats.org/presentationml/2006/main">
+  <p:cSld>
+    <p:spTree>
+      <p:nvGrpSpPr>
+        <p:cNvPr id="1" name=""/>
+        <p:cNvGrpSpPr/>
+        <p:nvPr/>
+      </p:nvGrpSpPr>
+      <p:grpSpPr>
+        <a:xfrm>
+          <a:off x="0" y="0"/>
+          <a:ext cx="0" cy="0"/>
+          <a:chOff x="0" y="0"/>
+          <a:chExt cx="0" cy="0"/>
+        </a:xfrm>
+      </p:grpSpPr>
+      <p:sp>
+        <p:nvSpPr>
+          <p:cNvPr id="2" name="Заголовок 1"/>
+          <p:cNvSpPr>
+            <a:spLocks noGrp="1"/>
+          </p:cNvSpPr>
+          <p:nvPr>
+            <p:ph type="title"/>
+          </p:nvPr>
+        </p:nvSpPr>
+        <p:spPr/>
+        <p:txBody>
+          <a:bodyPr>
+            <a:normAutofit fontScale="90000"/>
+          </a:bodyPr>
+          <a:lstStyle/>
+          <a:p>
+            <a:r>
+              <a:rPr lang="en-US" dirty="0"/>
+              <a:t>Usual Boosting in Machine </a:t>
+            </a:r>
+            <a:r>
+              <a:rPr lang="en-US" dirty="0" smtClean="0"/>
+              <a:t>Learning/Definitions</a:t>
+            </a:r>
+            <a:endParaRPr lang="ru-RU" dirty="0"/>
+          </a:p>
+        </p:txBody>
+      </p:sp>
+      <mc:AlternateContent xmlns:mc="http://schemas.openxmlformats.org/markup-compatibility/2006">
+        <mc:Choice xmlns:a14="http://schemas.microsoft.com/office/drawing/2010/main" Requires="a14">
+          <p:sp>
+            <p:nvSpPr>
+              <p:cNvPr id="3" name="Объект 2"/>
+              <p:cNvSpPr>
+                <a:spLocks noGrp="1"/>
+              </p:cNvSpPr>
+              <p:nvPr>
+                <p:ph idx="1"/>
+              </p:nvPr>
+            </p:nvSpPr>
+            <p:spPr/>
+            <p:txBody>
+              <a:bodyPr>
+                <a:normAutofit fontScale="92500"/>
+              </a:bodyPr>
+              <a:lstStyle/>
+              <a:p>
+                <a:pPr marL="633222" indent="-514350">
+                  <a:buFont typeface="+mj-lt"/>
+                  <a:buAutoNum type="arabicPeriod"/>
+                </a:pPr>
+                <a14:m>
+                  <m:oMath xmlns:m="http://schemas.openxmlformats.org/officeDocument/2006/math">
+                    <m:r>
+                      <a:rPr lang="en-US" i="1"/>
+                      <m:t>𝜃𝜖</m:t>
+                    </m:r>
+                    <m:sSup>
+                      <m:sSupPr>
+                        <m:ctrlPr>
+                          <a:rPr lang="ru-RU" i="1"/>
+                        </m:ctrlPr>
+                      </m:sSupPr>
+                      <m:e>
+                        <m:r>
+                          <a:rPr lang="en-US" i="1"/>
+                          <m:t>𝑅</m:t>
+                        </m:r>
+                      </m:e>
+                      <m:sup>
+                        <m:r>
+                          <a:rPr lang="en-US" i="1"/>
+                          <m:t>𝑛</m:t>
+                        </m:r>
+                      </m:sup>
+                    </m:sSup>
+                  </m:oMath>
+                </a14:m>
+                <a:r>
+                  <a:rPr lang="en-US" dirty="0"/>
+                  <a:t> where  </a:t>
+                </a:r>
+                <a14:m>
+                  <m:oMath xmlns:m="http://schemas.openxmlformats.org/officeDocument/2006/math">
+                    <m:r>
+                      <a:rPr lang="en-US" i="1"/>
+                      <m:t>𝑛</m:t>
+                    </m:r>
+                    <m:r>
+                      <a:rPr lang="en-US" i="1"/>
+                      <m:t>→+∞</m:t>
+                    </m:r>
+                  </m:oMath>
+                </a14:m>
+                <a:r>
+                  <a:rPr lang="en-US" dirty="0" smtClean="0"/>
+                  <a:t> is vector of parameters</a:t>
+                </a:r>
+                <a:endParaRPr lang="ru-RU" dirty="0"/>
+              </a:p>
+              <a:p>
+                <a:pPr marL="633222" indent="-514350">
+                  <a:buFont typeface="+mj-lt"/>
+                  <a:buAutoNum type="arabicPeriod"/>
+                </a:pPr>
+                <a14:m>
+                  <m:oMath xmlns:m="http://schemas.openxmlformats.org/officeDocument/2006/math">
+                    <m:sSup>
+                      <m:sSupPr>
+                        <m:ctrlPr>
+                          <a:rPr lang="ru-RU" i="1"/>
+                        </m:ctrlPr>
+                      </m:sSupPr>
+                      <m:e>
+                        <m:d>
+                          <m:dPr>
+                            <m:begChr m:val="["/>
+                            <m:endChr m:val="]"/>
+                            <m:ctrlPr>
+                              <a:rPr lang="ru-RU" i="1"/>
+                            </m:ctrlPr>
+                          </m:dPr>
+                          <m:e>
+                            <m:sSub>
+                              <m:sSubPr>
+                                <m:ctrlPr>
+                                  <a:rPr lang="ru-RU" i="1"/>
+                                </m:ctrlPr>
+                              </m:sSubPr>
+                              <m:e>
+                                <m:r>
+                                  <a:rPr lang="en-US" i="1"/>
+                                  <m:t>𝜙</m:t>
+                                </m:r>
+                              </m:e>
+                              <m:sub>
+                                <m:r>
+                                  <a:rPr lang="en-US" i="1"/>
+                                  <m:t>0</m:t>
+                                </m:r>
+                              </m:sub>
+                            </m:sSub>
+                            <m:d>
+                              <m:dPr>
+                                <m:ctrlPr>
+                                  <a:rPr lang="ru-RU" i="1"/>
+                                </m:ctrlPr>
+                              </m:dPr>
+                              <m:e>
+                                <m:r>
+                                  <a:rPr lang="en-US" i="1"/>
+                                  <m:t>𝑥</m:t>
+                                </m:r>
+                              </m:e>
+                            </m:d>
+                            <m:r>
+                              <a:rPr lang="en-US" i="1"/>
+                              <m:t>,</m:t>
+                            </m:r>
+                            <m:sSub>
+                              <m:sSubPr>
+                                <m:ctrlPr>
+                                  <a:rPr lang="ru-RU" i="1"/>
+                                </m:ctrlPr>
+                              </m:sSubPr>
+                              <m:e>
+                                <m:r>
+                                  <a:rPr lang="en-US" i="1"/>
+                                  <m:t>𝜙</m:t>
+                                </m:r>
+                              </m:e>
+                              <m:sub>
+                                <m:r>
+                                  <a:rPr lang="en-US" i="1"/>
+                                  <m:t>1</m:t>
+                                </m:r>
+                              </m:sub>
+                            </m:sSub>
+                            <m:d>
+                              <m:dPr>
+                                <m:ctrlPr>
+                                  <a:rPr lang="ru-RU" i="1"/>
+                                </m:ctrlPr>
+                              </m:dPr>
+                              <m:e>
+                                <m:r>
+                                  <a:rPr lang="en-US" i="1"/>
+                                  <m:t>𝑥</m:t>
+                                </m:r>
+                              </m:e>
+                            </m:d>
+                            <m:r>
+                              <a:rPr lang="en-US" i="1"/>
+                              <m:t>,…</m:t>
+                            </m:r>
+                            <m:sSub>
+                              <m:sSubPr>
+                                <m:ctrlPr>
+                                  <a:rPr lang="ru-RU" i="1"/>
+                                </m:ctrlPr>
+                              </m:sSubPr>
+                              <m:e>
+                                <m:r>
+                                  <a:rPr lang="en-US" i="1"/>
+                                  <m:t>𝜙</m:t>
+                                </m:r>
+                              </m:e>
+                              <m:sub>
+                                <m:r>
+                                  <a:rPr lang="en-US" i="1"/>
+                                  <m:t>𝑛</m:t>
+                                </m:r>
+                              </m:sub>
+                            </m:sSub>
+                            <m:d>
+                              <m:dPr>
+                                <m:ctrlPr>
+                                  <a:rPr lang="ru-RU" i="1"/>
+                                </m:ctrlPr>
+                              </m:dPr>
+                              <m:e>
+                                <m:r>
+                                  <a:rPr lang="en-US" i="1"/>
+                                  <m:t>𝑥</m:t>
+                                </m:r>
+                              </m:e>
+                            </m:d>
+                          </m:e>
+                        </m:d>
+                      </m:e>
+                      <m:sup>
+                        <m:r>
+                          <a:rPr lang="en-US" i="1"/>
+                          <m:t>𝑇</m:t>
+                        </m:r>
+                      </m:sup>
+                    </m:sSup>
+                  </m:oMath>
+                </a14:m>
+                <a:r>
+                  <a:rPr lang="en-US" dirty="0"/>
+                  <a:t> is a vector of all weak learners.</a:t>
+                </a:r>
+                <a:endParaRPr lang="ru-RU" dirty="0"/>
+              </a:p>
+              <a:p>
+                <a:pPr marL="633222" indent="-514350">
+                  <a:buFont typeface="+mj-lt"/>
+                  <a:buAutoNum type="arabicPeriod"/>
+                </a:pPr>
+                <a14:m>
+                  <m:oMath xmlns:m="http://schemas.openxmlformats.org/officeDocument/2006/math">
+                    <m:sSup>
+                      <m:sSupPr>
+                        <m:ctrlPr>
+                          <a:rPr lang="ru-RU" i="1"/>
+                        </m:ctrlPr>
+                      </m:sSupPr>
+                      <m:e>
+                        <m:r>
+                          <a:rPr lang="en-US" i="1"/>
+                          <m:t>𝜃</m:t>
+                        </m:r>
+                      </m:e>
+                      <m:sup>
+                        <m:r>
+                          <a:rPr lang="en-US" i="1"/>
+                          <m:t>𝑇</m:t>
+                        </m:r>
+                      </m:sup>
+                    </m:sSup>
+                    <m:r>
+                      <a:rPr lang="en-US" i="1"/>
+                      <m:t>𝜙</m:t>
+                    </m:r>
+                    <m:r>
+                      <a:rPr lang="en-US" i="1"/>
+                      <m:t>(</m:t>
+                    </m:r>
+                    <m:r>
+                      <a:rPr lang="en-US" i="1"/>
+                      <m:t>𝑥</m:t>
+                    </m:r>
+                    <m:r>
+                      <a:rPr lang="en-US" i="1"/>
+                      <m:t>)</m:t>
+                    </m:r>
+                  </m:oMath>
+                </a14:m>
+                <a:r>
+                  <a:rPr lang="en-US" dirty="0"/>
+                  <a:t> – is </a:t>
+                </a:r>
+                <a:r>
+                  <a:rPr lang="en-US" dirty="0" smtClean="0"/>
+                  <a:t>enormous “dot-product”</a:t>
+                </a:r>
+                <a:endParaRPr lang="ru-RU" dirty="0"/>
+              </a:p>
+              <a:p>
+                <a:pPr marL="633222" indent="-514350">
+                  <a:buFont typeface="+mj-lt"/>
+                  <a:buAutoNum type="arabicPeriod"/>
+                </a:pPr>
+                <a14:m>
+                  <m:oMath xmlns:m="http://schemas.openxmlformats.org/officeDocument/2006/math">
+                    <m:sSup>
+                      <m:sSupPr>
+                        <m:ctrlPr>
+                          <a:rPr lang="ru-RU" i="1"/>
+                        </m:ctrlPr>
+                      </m:sSupPr>
+                      <m:e>
+                        <m:r>
+                          <a:rPr lang="en-US" i="1"/>
+                          <m:t>𝑦</m:t>
+                        </m:r>
+                      </m:e>
+                      <m:sup>
+                        <m:r>
+                          <a:rPr lang="en-US" i="1"/>
+                          <m:t>𝑖</m:t>
+                        </m:r>
+                      </m:sup>
+                    </m:sSup>
+                    <m:r>
+                      <a:rPr lang="en-US" i="1"/>
+                      <m:t>∈{−1,+1}</m:t>
+                    </m:r>
+                  </m:oMath>
+                </a14:m>
+                <a:r>
+                  <a:rPr lang="en-US" dirty="0"/>
+                  <a:t> </a:t>
+                </a:r>
+                <a:r>
+                  <a:rPr lang="en-US" dirty="0" smtClean="0"/>
+                  <a:t>class </a:t>
+                </a:r>
+                <a:r>
+                  <a:rPr lang="en-US" dirty="0"/>
+                  <a:t>of the problem</a:t>
+                </a:r>
+                <a:endParaRPr lang="ru-RU" dirty="0"/>
+              </a:p>
+              <a:p>
+                <a:pPr marL="633222" indent="-514350">
+                  <a:buFont typeface="+mj-lt"/>
+                  <a:buAutoNum type="arabicPeriod"/>
+                </a:pPr>
+                <a14:m>
+                  <m:oMath xmlns:m="http://schemas.openxmlformats.org/officeDocument/2006/math">
+                    <m:sSup>
+                      <m:sSupPr>
+                        <m:ctrlPr>
+                          <a:rPr lang="ru-RU" i="1"/>
+                        </m:ctrlPr>
+                      </m:sSupPr>
+                      <m:e>
+                        <m:r>
+                          <a:rPr lang="en-US" i="1"/>
+                          <m:t>𝑦</m:t>
+                        </m:r>
+                      </m:e>
+                      <m:sup>
+                        <m:r>
+                          <a:rPr lang="en-US" i="1"/>
+                          <m:t>𝑖</m:t>
+                        </m:r>
+                      </m:sup>
+                    </m:sSup>
+                    <m:r>
+                      <a:rPr lang="en-US" i="1"/>
+                      <m:t>∙</m:t>
+                    </m:r>
+                    <m:sSup>
+                      <m:sSupPr>
+                        <m:ctrlPr>
+                          <a:rPr lang="ru-RU" i="1"/>
+                        </m:ctrlPr>
+                      </m:sSupPr>
+                      <m:e>
+                        <m:r>
+                          <a:rPr lang="en-US" i="1"/>
+                          <m:t>𝜃</m:t>
+                        </m:r>
+                      </m:e>
+                      <m:sup>
+                        <m:r>
+                          <a:rPr lang="en-US" i="1"/>
+                          <m:t>𝑇</m:t>
+                        </m:r>
+                      </m:sup>
+                    </m:sSup>
+                    <m:r>
+                      <a:rPr lang="en-US" i="1"/>
+                      <m:t>𝜙</m:t>
+                    </m:r>
+                    <m:d>
+                      <m:dPr>
+                        <m:ctrlPr>
+                          <a:rPr lang="ru-RU" i="1"/>
+                        </m:ctrlPr>
+                      </m:dPr>
+                      <m:e>
+                        <m:r>
+                          <a:rPr lang="en-US" i="1"/>
+                          <m:t>𝑥</m:t>
+                        </m:r>
+                      </m:e>
+                    </m:d>
+                  </m:oMath>
+                </a14:m>
+                <a:r>
+                  <a:rPr lang="en-US" dirty="0"/>
+                  <a:t> – is called </a:t>
+                </a:r>
+                <a:r>
+                  <a:rPr lang="en-US" b="1" i="1" dirty="0"/>
+                  <a:t>margin</a:t>
+                </a:r>
+                <a:r>
+                  <a:rPr lang="en-US" dirty="0"/>
+                  <a:t> in classification problems. Give knowledge how we confident in it.</a:t>
+                </a:r>
+                <a:endParaRPr lang="ru-RU" dirty="0"/>
+              </a:p>
+              <a:p>
+                <a:pPr marL="633222" indent="-514350">
+                  <a:buFont typeface="+mj-lt"/>
+                  <a:buAutoNum type="arabicPeriod"/>
+                </a:pPr>
+                <a:r>
+                  <a:rPr lang="en-US" dirty="0"/>
+                  <a:t>m – number of train samples in dataset</a:t>
+                </a:r>
+                <a:endParaRPr lang="ru-RU" dirty="0"/>
+              </a:p>
+              <a:p>
+                <a:pPr marL="118872" indent="0">
+                  <a:buNone/>
+                </a:pPr>
+                <a:endParaRPr lang="ru-RU" dirty="0"/>
+              </a:p>
+            </p:txBody>
+          </p:sp>
+        </mc:Choice>
+        <mc:Fallback>
+          <p:sp>
+            <p:nvSpPr>
+              <p:cNvPr id="3" name="Объект 2"/>
+              <p:cNvSpPr>
+                <a:spLocks noGrp="1" noRot="1" noChangeAspect="1" noMove="1" noResize="1" noEditPoints="1" noAdjustHandles="1" noChangeArrowheads="1" noChangeShapeType="1" noTextEdit="1"/>
+              </p:cNvSpPr>
+              <p:nvPr>
+                <p:ph idx="1"/>
+              </p:nvPr>
+            </p:nvSpPr>
+            <p:spPr>
+              <a:blipFill rotWithShape="1">
+                <a:blip r:embed="rId2"/>
+                <a:stretch>
+                  <a:fillRect l="-148" t="-527" r="-2148" b="-1976"/>
+                </a:stretch>
+              </a:blipFill>
+            </p:spPr>
+            <p:txBody>
+              <a:bodyPr/>
+              <a:lstStyle/>
+              <a:p>
+                <a:r>
+                  <a:rPr lang="ru-RU">
+                    <a:noFill/>
+                  </a:rPr>
+                  <a:t> </a:t>
+                </a:r>
+              </a:p>
+            </p:txBody>
+          </p:sp>
+        </mc:Fallback>
+      </mc:AlternateContent>
+      <p:sp>
+        <p:nvSpPr>
+          <p:cNvPr id="4" name="Номер слайда 3"/>
+          <p:cNvSpPr>
+            <a:spLocks noGrp="1"/>
+          </p:cNvSpPr>
+          <p:nvPr>
+            <p:ph type="sldNum" sz="quarter" idx="12"/>
+          </p:nvPr>
+        </p:nvSpPr>
+        <p:spPr/>
+        <p:txBody>
+          <a:bodyPr/>
+          <a:lstStyle/>
+          <a:p>
+            <a:fld id="{C453EA42-BA89-4D45-B3D1-7EC11C308921}" type="slidenum">
+              <a:rPr lang="ru-RU" smtClean="0"/>
+              <a:t>5</a:t>
+            </a:fld>
+            <a:endParaRPr lang="ru-RU"/>
+          </a:p>
+        </p:txBody>
+      </p:sp>
+    </p:spTree>
+    <p:extLst>
+      <p:ext uri="{BB962C8B-B14F-4D97-AF65-F5344CB8AC3E}">
+        <p14:creationId xmlns:p14="http://schemas.microsoft.com/office/powerpoint/2010/main" val="3452877042"/>
+      </p:ext>
+    </p:extLst>
+  </p:cSld>
+  <p:clrMapOvr>
+    <a:masterClrMapping/>
+  </p:clrMapOvr>
+</p:sld>
+</file>
+
+<file path=ppt/slides/slide50.xml><?xml version="1.0" encoding="utf-8"?>
 <p:sld xmlns:a="http://schemas.openxmlformats.org/drawingml/2006/main" xmlns:r="http://schemas.openxmlformats.org/officeDocument/2006/relationships" xmlns:p="http://schemas.openxmlformats.org/presentationml/2006/main">
   <p:cSld>
     <p:spTree>
@@ -36511,7 +37594,7 @@
           <a:p>
             <a:fld id="{C453EA42-BA89-4D45-B3D1-7EC11C308921}" type="slidenum">
               <a:rPr lang="ru-RU" smtClean="0"/>
-              <a:t>47</a:t>
+              <a:t>50</a:t>
             </a:fld>
             <a:endParaRPr lang="ru-RU"/>
           </a:p>
@@ -36530,7 +37613,7 @@
 </p:sld>
 </file>
 
-<file path=ppt/slides/slide48.xml><?xml version="1.0" encoding="utf-8"?>
+<file path=ppt/slides/slide51.xml><?xml version="1.0" encoding="utf-8"?>
 <p:sld xmlns:a="http://schemas.openxmlformats.org/drawingml/2006/main" xmlns:r="http://schemas.openxmlformats.org/officeDocument/2006/relationships" xmlns:p="http://schemas.openxmlformats.org/presentationml/2006/main">
   <p:cSld>
     <p:spTree>
@@ -38493,7 +39576,7 @@
           <a:p>
             <a:fld id="{C453EA42-BA89-4D45-B3D1-7EC11C308921}" type="slidenum">
               <a:rPr lang="ru-RU" smtClean="0"/>
-              <a:t>48</a:t>
+              <a:t>51</a:t>
             </a:fld>
             <a:endParaRPr lang="ru-RU"/>
           </a:p>
@@ -38512,7 +39595,7 @@
 </p:sld>
 </file>
 
-<file path=ppt/slides/slide49.xml><?xml version="1.0" encoding="utf-8"?>
+<file path=ppt/slides/slide52.xml><?xml version="1.0" encoding="utf-8"?>
 <p:sld xmlns:a="http://schemas.openxmlformats.org/drawingml/2006/main" xmlns:r="http://schemas.openxmlformats.org/officeDocument/2006/relationships" xmlns:p="http://schemas.openxmlformats.org/presentationml/2006/main">
   <p:cSld>
     <p:spTree>
@@ -39354,7 +40437,7 @@
           <a:p>
             <a:fld id="{C453EA42-BA89-4D45-B3D1-7EC11C308921}" type="slidenum">
               <a:rPr lang="ru-RU" smtClean="0"/>
-              <a:t>49</a:t>
+              <a:t>52</a:t>
             </a:fld>
             <a:endParaRPr lang="ru-RU"/>
           </a:p>
@@ -39373,273 +40456,7 @@
 </p:sld>
 </file>
 
-<file path=ppt/slides/slide5.xml><?xml version="1.0" encoding="utf-8"?>
-<p:sld xmlns:a="http://schemas.openxmlformats.org/drawingml/2006/main" xmlns:r="http://schemas.openxmlformats.org/officeDocument/2006/relationships" xmlns:p="http://schemas.openxmlformats.org/presentationml/2006/main">
-  <p:cSld>
-    <p:spTree>
-      <p:nvGrpSpPr>
-        <p:cNvPr id="1" name=""/>
-        <p:cNvGrpSpPr/>
-        <p:nvPr/>
-      </p:nvGrpSpPr>
-      <p:grpSpPr>
-        <a:xfrm>
-          <a:off x="0" y="0"/>
-          <a:ext cx="0" cy="0"/>
-          <a:chOff x="0" y="0"/>
-          <a:chExt cx="0" cy="0"/>
-        </a:xfrm>
-      </p:grpSpPr>
-      <p:sp>
-        <p:nvSpPr>
-          <p:cNvPr id="2" name="Заголовок 1"/>
-          <p:cNvSpPr>
-            <a:spLocks noGrp="1"/>
-          </p:cNvSpPr>
-          <p:nvPr>
-            <p:ph type="title"/>
-          </p:nvPr>
-        </p:nvSpPr>
-        <p:spPr/>
-        <p:txBody>
-          <a:bodyPr/>
-          <a:lstStyle/>
-          <a:p>
-            <a:r>
-              <a:rPr lang="en-US" dirty="0" smtClean="0"/>
-              <a:t>Brief history of L1 regularization</a:t>
-            </a:r>
-            <a:endParaRPr lang="ru-RU" dirty="0"/>
-          </a:p>
-        </p:txBody>
-      </p:sp>
-      <p:sp>
-        <p:nvSpPr>
-          <p:cNvPr id="3" name="Объект 2"/>
-          <p:cNvSpPr>
-            <a:spLocks noGrp="1"/>
-          </p:cNvSpPr>
-          <p:nvPr>
-            <p:ph idx="1"/>
-          </p:nvPr>
-        </p:nvSpPr>
-        <p:spPr/>
-        <p:txBody>
-          <a:bodyPr>
-            <a:normAutofit fontScale="85000" lnSpcReduction="20000"/>
-          </a:bodyPr>
-          <a:lstStyle/>
-          <a:p>
-            <a:r>
-              <a:rPr lang="en-US" dirty="0" err="1" smtClean="0"/>
-              <a:t>R.Tibshirani</a:t>
-            </a:r>
-            <a:r>
-              <a:rPr lang="en-US" dirty="0" smtClean="0"/>
-              <a:t> </a:t>
-            </a:r>
-            <a:r>
-              <a:rPr lang="en-US" dirty="0" err="1" smtClean="0"/>
-              <a:t>intoduced</a:t>
-            </a:r>
-            <a:r>
-              <a:rPr lang="en-US" dirty="0" smtClean="0"/>
-              <a:t> Lasso for regression in 1995</a:t>
-            </a:r>
-          </a:p>
-          <a:p>
-            <a:endParaRPr lang="en-US" dirty="0" smtClean="0"/>
-          </a:p>
-          <a:p>
-            <a:r>
-              <a:rPr lang="en-US" dirty="0" smtClean="0"/>
-              <a:t>Same idea is called </a:t>
-            </a:r>
-            <a:r>
-              <a:rPr lang="en-US" b="1" i="1" dirty="0" smtClean="0"/>
-              <a:t>Basis Pursuit </a:t>
-            </a:r>
-            <a:r>
-              <a:rPr lang="en-US" i="1" dirty="0" smtClean="0"/>
-              <a:t>(Chen, </a:t>
-            </a:r>
-            <a:r>
-              <a:rPr lang="en-US" i="1" dirty="0" err="1" smtClean="0"/>
-              <a:t>Donoho</a:t>
-            </a:r>
-            <a:r>
-              <a:rPr lang="en-US" i="1" dirty="0" smtClean="0"/>
-              <a:t>, Saunders, 1996). Forget about </a:t>
-            </a:r>
-            <a:r>
-              <a:rPr lang="en-US" i="1" dirty="0" err="1" smtClean="0"/>
-              <a:t>orthongonality</a:t>
-            </a:r>
-            <a:r>
-              <a:rPr lang="en-US" i="1" dirty="0" smtClean="0"/>
-              <a:t> of basis.</a:t>
-            </a:r>
-          </a:p>
-          <a:p>
-            <a:endParaRPr lang="en-US" i="1" dirty="0" smtClean="0"/>
-          </a:p>
-          <a:p>
-            <a:r>
-              <a:rPr lang="en-US" i="1" dirty="0" smtClean="0"/>
-              <a:t>Extended to linear model </a:t>
-            </a:r>
-            <a:r>
-              <a:rPr lang="en-US" i="1" dirty="0" err="1" smtClean="0"/>
-              <a:t>seetings</a:t>
-            </a:r>
-            <a:r>
-              <a:rPr lang="en-US" i="1" dirty="0" smtClean="0"/>
-              <a:t> like Survival models (</a:t>
-            </a:r>
-            <a:r>
-              <a:rPr lang="en-US" i="1" dirty="0" err="1" smtClean="0"/>
-              <a:t>R.Tibshirani</a:t>
-            </a:r>
-            <a:r>
-              <a:rPr lang="en-US" i="1" dirty="0" smtClean="0"/>
-              <a:t>, 1997)</a:t>
-            </a:r>
-          </a:p>
-          <a:p>
-            <a:endParaRPr lang="en-US" i="1" dirty="0" smtClean="0"/>
-          </a:p>
-          <a:p>
-            <a:r>
-              <a:rPr lang="en-US" i="1" dirty="0" smtClean="0"/>
-              <a:t>Give rise to a new field </a:t>
-            </a:r>
-            <a:r>
-              <a:rPr lang="en-US" b="1" i="1" dirty="0" smtClean="0"/>
-              <a:t>Compressed Sensing</a:t>
-            </a:r>
-          </a:p>
-          <a:p>
-            <a:pPr marL="118872" indent="0">
-              <a:buNone/>
-            </a:pPr>
-            <a:r>
-              <a:rPr lang="en-US" b="1" i="1" dirty="0" smtClean="0"/>
-              <a:t>    (</a:t>
-            </a:r>
-            <a:r>
-              <a:rPr lang="en-US" b="1" i="1" dirty="0" err="1" smtClean="0"/>
-              <a:t>Donoho</a:t>
-            </a:r>
-            <a:r>
-              <a:rPr lang="en-US" b="1" i="1" dirty="0" smtClean="0"/>
-              <a:t>, </a:t>
-            </a:r>
-            <a:r>
-              <a:rPr lang="en-US" b="1" i="1" dirty="0" err="1" smtClean="0"/>
-              <a:t>Candes</a:t>
-            </a:r>
-            <a:r>
-              <a:rPr lang="en-US" b="1" i="1" dirty="0" smtClean="0"/>
-              <a:t>, Tao, 2004-2005) </a:t>
-            </a:r>
-            <a:r>
-              <a:rPr lang="en-US" i="1" dirty="0" smtClean="0"/>
-              <a:t>Field    </a:t>
-            </a:r>
-          </a:p>
-          <a:p>
-            <a:pPr marL="118872" indent="0">
-              <a:buNone/>
-            </a:pPr>
-            <a:r>
-              <a:rPr lang="en-US" i="1" dirty="0"/>
-              <a:t> </a:t>
-            </a:r>
-            <a:r>
-              <a:rPr lang="en-US" i="1" dirty="0" smtClean="0"/>
-              <a:t>   want to give ability near exact recovery of sparse   </a:t>
-            </a:r>
-          </a:p>
-          <a:p>
-            <a:pPr marL="118872" indent="0">
-              <a:buNone/>
-            </a:pPr>
-            <a:r>
-              <a:rPr lang="en-US" i="1" dirty="0"/>
-              <a:t> </a:t>
-            </a:r>
-            <a:r>
-              <a:rPr lang="en-US" i="1" dirty="0" smtClean="0"/>
-              <a:t>   signal. In many cases L1 is good surrogate for   </a:t>
-            </a:r>
-          </a:p>
-          <a:p>
-            <a:pPr marL="118872" indent="0">
-              <a:buNone/>
-            </a:pPr>
-            <a:r>
-              <a:rPr lang="en-US" i="1" dirty="0"/>
-              <a:t> </a:t>
-            </a:r>
-            <a:r>
-              <a:rPr lang="en-US" i="1" dirty="0" smtClean="0"/>
-              <a:t>   L0</a:t>
-            </a:r>
-          </a:p>
-          <a:p>
-            <a:pPr marL="118872" indent="0">
-              <a:buNone/>
-            </a:pPr>
-            <a:endParaRPr lang="en-US" b="1" i="1" dirty="0" smtClean="0"/>
-          </a:p>
-          <a:p>
-            <a:pPr marL="118872" indent="0">
-              <a:buNone/>
-            </a:pPr>
-            <a:endParaRPr lang="en-US" b="1" i="1" dirty="0" smtClean="0"/>
-          </a:p>
-          <a:p>
-            <a:endParaRPr lang="ru-RU" i="1" dirty="0"/>
-          </a:p>
-        </p:txBody>
-      </p:sp>
-      <p:sp>
-        <p:nvSpPr>
-          <p:cNvPr id="4" name="Номер слайда 3"/>
-          <p:cNvSpPr>
-            <a:spLocks noGrp="1"/>
-          </p:cNvSpPr>
-          <p:nvPr>
-            <p:ph type="sldNum" sz="quarter" idx="12"/>
-          </p:nvPr>
-        </p:nvSpPr>
-        <p:spPr/>
-        <p:txBody>
-          <a:bodyPr/>
-          <a:lstStyle/>
-          <a:p>
-            <a:fld id="{C453EA42-BA89-4D45-B3D1-7EC11C308921}" type="slidenum">
-              <a:rPr lang="ru-RU" smtClean="0"/>
-              <a:t>5</a:t>
-            </a:fld>
-            <a:endParaRPr lang="ru-RU"/>
-          </a:p>
-        </p:txBody>
-      </p:sp>
-    </p:spTree>
-    <p:extLst>
-      <p:ext uri="{BB962C8B-B14F-4D97-AF65-F5344CB8AC3E}">
-        <p14:creationId xmlns:p14="http://schemas.microsoft.com/office/powerpoint/2010/main" val="1083761681"/>
-      </p:ext>
-    </p:extLst>
-  </p:cSld>
-  <p:clrMapOvr>
-    <a:masterClrMapping/>
-  </p:clrMapOvr>
-</p:sld>
-</file>
-
-<file path=ppt/slides/slide50.xml><?xml version="1.0" encoding="utf-8"?>
+<file path=ppt/slides/slide53.xml><?xml version="1.0" encoding="utf-8"?>
 <p:sld xmlns:a="http://schemas.openxmlformats.org/drawingml/2006/main" xmlns:r="http://schemas.openxmlformats.org/officeDocument/2006/relationships" xmlns:p="http://schemas.openxmlformats.org/presentationml/2006/main">
   <p:cSld>
     <p:spTree>
@@ -39875,7 +40692,7 @@
           <a:p>
             <a:fld id="{C453EA42-BA89-4D45-B3D1-7EC11C308921}" type="slidenum">
               <a:rPr lang="ru-RU" smtClean="0"/>
-              <a:t>50</a:t>
+              <a:t>53</a:t>
             </a:fld>
             <a:endParaRPr lang="ru-RU"/>
           </a:p>
@@ -39894,7 +40711,7 @@
 </p:sld>
 </file>
 
-<file path=ppt/slides/slide51.xml><?xml version="1.0" encoding="utf-8"?>
+<file path=ppt/slides/slide54.xml><?xml version="1.0" encoding="utf-8"?>
 <p:sld xmlns:a="http://schemas.openxmlformats.org/drawingml/2006/main" xmlns:r="http://schemas.openxmlformats.org/officeDocument/2006/relationships" xmlns:p="http://schemas.openxmlformats.org/presentationml/2006/main">
   <p:cSld>
     <p:spTree>
@@ -40692,7 +41509,7 @@
           <a:p>
             <a:fld id="{C453EA42-BA89-4D45-B3D1-7EC11C308921}" type="slidenum">
               <a:rPr lang="ru-RU" smtClean="0"/>
-              <a:t>51</a:t>
+              <a:t>54</a:t>
             </a:fld>
             <a:endParaRPr lang="ru-RU"/>
           </a:p>
@@ -40711,7 +41528,7 @@
 </p:sld>
 </file>
 
-<file path=ppt/slides/slide52.xml><?xml version="1.0" encoding="utf-8"?>
+<file path=ppt/slides/slide55.xml><?xml version="1.0" encoding="utf-8"?>
 <p:sld xmlns:a="http://schemas.openxmlformats.org/drawingml/2006/main" xmlns:r="http://schemas.openxmlformats.org/officeDocument/2006/relationships" xmlns:p="http://schemas.openxmlformats.org/presentationml/2006/main">
   <p:cSld>
     <p:spTree>
@@ -41759,7 +42576,7 @@
           <a:p>
             <a:fld id="{C453EA42-BA89-4D45-B3D1-7EC11C308921}" type="slidenum">
               <a:rPr lang="ru-RU" smtClean="0"/>
-              <a:t>52</a:t>
+              <a:t>55</a:t>
             </a:fld>
             <a:endParaRPr lang="ru-RU"/>
           </a:p>
@@ -41778,7 +42595,7 @@
 </p:sld>
 </file>
 
-<file path=ppt/slides/slide53.xml><?xml version="1.0" encoding="utf-8"?>
+<file path=ppt/slides/slide56.xml><?xml version="1.0" encoding="utf-8"?>
 <p:sld xmlns:a="http://schemas.openxmlformats.org/drawingml/2006/main" xmlns:r="http://schemas.openxmlformats.org/officeDocument/2006/relationships" xmlns:p="http://schemas.openxmlformats.org/presentationml/2006/main">
   <p:cSld>
     <p:spTree>
@@ -43568,7 +44385,7 @@
           <a:p>
             <a:fld id="{C453EA42-BA89-4D45-B3D1-7EC11C308921}" type="slidenum">
               <a:rPr lang="ru-RU" smtClean="0"/>
-              <a:t>53</a:t>
+              <a:t>56</a:t>
             </a:fld>
             <a:endParaRPr lang="ru-RU"/>
           </a:p>
@@ -43587,7 +44404,7 @@
 </p:sld>
 </file>
 
-<file path=ppt/slides/slide54.xml><?xml version="1.0" encoding="utf-8"?>
+<file path=ppt/slides/slide57.xml><?xml version="1.0" encoding="utf-8"?>
 <p:sld xmlns:a="http://schemas.openxmlformats.org/drawingml/2006/main" xmlns:r="http://schemas.openxmlformats.org/officeDocument/2006/relationships" xmlns:p="http://schemas.openxmlformats.org/presentationml/2006/main">
   <p:cSld>
     <p:spTree>
@@ -44272,7 +45089,7 @@
           <a:p>
             <a:fld id="{C453EA42-BA89-4D45-B3D1-7EC11C308921}" type="slidenum">
               <a:rPr lang="ru-RU" smtClean="0"/>
-              <a:t>54</a:t>
+              <a:t>57</a:t>
             </a:fld>
             <a:endParaRPr lang="ru-RU"/>
           </a:p>
@@ -44291,7 +45108,7 @@
 </p:sld>
 </file>
 
-<file path=ppt/slides/slide55.xml><?xml version="1.0" encoding="utf-8"?>
+<file path=ppt/slides/slide58.xml><?xml version="1.0" encoding="utf-8"?>
 <p:sld xmlns:a="http://schemas.openxmlformats.org/drawingml/2006/main" xmlns:r="http://schemas.openxmlformats.org/officeDocument/2006/relationships" xmlns:p="http://schemas.openxmlformats.org/presentationml/2006/main">
   <p:cSld>
     <p:spTree>
@@ -45278,7 +46095,7 @@
           <a:p>
             <a:fld id="{C453EA42-BA89-4D45-B3D1-7EC11C308921}" type="slidenum">
               <a:rPr lang="ru-RU" smtClean="0"/>
-              <a:t>55</a:t>
+              <a:t>58</a:t>
             </a:fld>
             <a:endParaRPr lang="ru-RU"/>
           </a:p>
@@ -45297,7 +46114,7 @@
 </p:sld>
 </file>
 
-<file path=ppt/slides/slide56.xml><?xml version="1.0" encoding="utf-8"?>
+<file path=ppt/slides/slide59.xml><?xml version="1.0" encoding="utf-8"?>
 <p:sld xmlns:a="http://schemas.openxmlformats.org/drawingml/2006/main" xmlns:r="http://schemas.openxmlformats.org/officeDocument/2006/relationships" xmlns:p="http://schemas.openxmlformats.org/presentationml/2006/main">
   <p:cSld>
     <p:spTree>
@@ -45950,7 +46767,7 @@
           <a:p>
             <a:fld id="{C453EA42-BA89-4D45-B3D1-7EC11C308921}" type="slidenum">
               <a:rPr lang="ru-RU" smtClean="0"/>
-              <a:t>56</a:t>
+              <a:t>59</a:t>
             </a:fld>
             <a:endParaRPr lang="ru-RU"/>
           </a:p>
@@ -45969,7 +46786,98 @@
 </p:sld>
 </file>
 
-<file path=ppt/slides/slide57.xml><?xml version="1.0" encoding="utf-8"?>
+<file path=ppt/slides/slide6.xml><?xml version="1.0" encoding="utf-8"?>
+<p:sld xmlns:a="http://schemas.openxmlformats.org/drawingml/2006/main" xmlns:r="http://schemas.openxmlformats.org/officeDocument/2006/relationships" xmlns:p="http://schemas.openxmlformats.org/presentationml/2006/main">
+  <p:cSld>
+    <p:spTree>
+      <p:nvGrpSpPr>
+        <p:cNvPr id="1" name=""/>
+        <p:cNvGrpSpPr/>
+        <p:nvPr/>
+      </p:nvGrpSpPr>
+      <p:grpSpPr>
+        <a:xfrm>
+          <a:off x="0" y="0"/>
+          <a:ext cx="0" cy="0"/>
+          <a:chOff x="0" y="0"/>
+          <a:chExt cx="0" cy="0"/>
+        </a:xfrm>
+      </p:grpSpPr>
+      <p:sp>
+        <p:nvSpPr>
+          <p:cNvPr id="2" name="Заголовок 1"/>
+          <p:cNvSpPr>
+            <a:spLocks noGrp="1"/>
+          </p:cNvSpPr>
+          <p:nvPr>
+            <p:ph type="title"/>
+          </p:nvPr>
+        </p:nvSpPr>
+        <p:spPr/>
+        <p:txBody>
+          <a:bodyPr/>
+          <a:lstStyle/>
+          <a:p>
+            <a:endParaRPr lang="ru-RU"/>
+          </a:p>
+        </p:txBody>
+      </p:sp>
+      <p:sp>
+        <p:nvSpPr>
+          <p:cNvPr id="3" name="Объект 2"/>
+          <p:cNvSpPr>
+            <a:spLocks noGrp="1"/>
+          </p:cNvSpPr>
+          <p:nvPr>
+            <p:ph idx="1"/>
+          </p:nvPr>
+        </p:nvSpPr>
+        <p:spPr/>
+        <p:txBody>
+          <a:bodyPr/>
+          <a:lstStyle/>
+          <a:p>
+            <a:endParaRPr lang="ru-RU"/>
+          </a:p>
+        </p:txBody>
+      </p:sp>
+      <p:sp>
+        <p:nvSpPr>
+          <p:cNvPr id="4" name="Номер слайда 3"/>
+          <p:cNvSpPr>
+            <a:spLocks noGrp="1"/>
+          </p:cNvSpPr>
+          <p:nvPr>
+            <p:ph type="sldNum" sz="quarter" idx="12"/>
+          </p:nvPr>
+        </p:nvSpPr>
+        <p:spPr/>
+        <p:txBody>
+          <a:bodyPr/>
+          <a:lstStyle/>
+          <a:p>
+            <a:fld id="{C453EA42-BA89-4D45-B3D1-7EC11C308921}" type="slidenum">
+              <a:rPr lang="ru-RU" smtClean="0"/>
+              <a:t>6</a:t>
+            </a:fld>
+            <a:endParaRPr lang="ru-RU"/>
+          </a:p>
+        </p:txBody>
+      </p:sp>
+    </p:spTree>
+    <p:extLst>
+      <p:ext uri="{BB962C8B-B14F-4D97-AF65-F5344CB8AC3E}">
+        <p14:creationId xmlns:p14="http://schemas.microsoft.com/office/powerpoint/2010/main" val="2577853199"/>
+      </p:ext>
+    </p:extLst>
+  </p:cSld>
+  <p:clrMapOvr>
+    <a:masterClrMapping/>
+  </p:clrMapOvr>
+</p:sld>
+</file>
+
+<file path=ppt/slides/slide60.xml><?xml version="1.0" encoding="utf-8"?>
 <p:sld xmlns:a="http://schemas.openxmlformats.org/drawingml/2006/main" xmlns:r="http://schemas.openxmlformats.org/officeDocument/2006/relationships" xmlns:p="http://schemas.openxmlformats.org/presentationml/2006/main">
   <p:cSld>
     <p:spTree>
@@ -47533,7 +48441,7 @@
           <a:p>
             <a:fld id="{C453EA42-BA89-4D45-B3D1-7EC11C308921}" type="slidenum">
               <a:rPr lang="ru-RU" smtClean="0"/>
-              <a:t>57</a:t>
+              <a:t>60</a:t>
             </a:fld>
             <a:endParaRPr lang="ru-RU"/>
           </a:p>
@@ -47552,7 +48460,7 @@
 </p:sld>
 </file>
 
-<file path=ppt/slides/slide58.xml><?xml version="1.0" encoding="utf-8"?>
+<file path=ppt/slides/slide61.xml><?xml version="1.0" encoding="utf-8"?>
 <p:sld xmlns:a="http://schemas.openxmlformats.org/drawingml/2006/main" xmlns:r="http://schemas.openxmlformats.org/officeDocument/2006/relationships" xmlns:p="http://schemas.openxmlformats.org/presentationml/2006/main">
   <p:cSld>
     <p:spTree>
@@ -48276,7 +49184,7 @@
           <a:p>
             <a:fld id="{C453EA42-BA89-4D45-B3D1-7EC11C308921}" type="slidenum">
               <a:rPr lang="ru-RU" smtClean="0"/>
-              <a:t>58</a:t>
+              <a:t>61</a:t>
             </a:fld>
             <a:endParaRPr lang="ru-RU"/>
           </a:p>
@@ -48295,7 +49203,7 @@
 </p:sld>
 </file>
 
-<file path=ppt/slides/slide59.xml><?xml version="1.0" encoding="utf-8"?>
+<file path=ppt/slides/slide62.xml><?xml version="1.0" encoding="utf-8"?>
 <p:sld xmlns:a="http://schemas.openxmlformats.org/drawingml/2006/main" xmlns:r="http://schemas.openxmlformats.org/officeDocument/2006/relationships" xmlns:p="http://schemas.openxmlformats.org/presentationml/2006/main">
   <p:cSld>
     <p:bg>
@@ -48374,7 +49282,7 @@
           <a:p>
             <a:fld id="{C453EA42-BA89-4D45-B3D1-7EC11C308921}" type="slidenum">
               <a:rPr lang="ru-RU" smtClean="0"/>
-              <a:t>59</a:t>
+              <a:t>62</a:t>
             </a:fld>
             <a:endParaRPr lang="ru-RU"/>
           </a:p>
@@ -48457,7 +49365,388 @@
 </p:sld>
 </file>
 
-<file path=ppt/slides/slide6.xml><?xml version="1.0" encoding="utf-8"?>
+<file path=ppt/slides/slide7.xml><?xml version="1.0" encoding="utf-8"?>
+<p:sld xmlns:a="http://schemas.openxmlformats.org/drawingml/2006/main" xmlns:r="http://schemas.openxmlformats.org/officeDocument/2006/relationships" xmlns:p="http://schemas.openxmlformats.org/presentationml/2006/main">
+  <p:cSld>
+    <p:spTree>
+      <p:nvGrpSpPr>
+        <p:cNvPr id="1" name=""/>
+        <p:cNvGrpSpPr/>
+        <p:nvPr/>
+      </p:nvGrpSpPr>
+      <p:grpSpPr>
+        <a:xfrm>
+          <a:off x="0" y="0"/>
+          <a:ext cx="0" cy="0"/>
+          <a:chOff x="0" y="0"/>
+          <a:chExt cx="0" cy="0"/>
+        </a:xfrm>
+      </p:grpSpPr>
+      <p:sp>
+        <p:nvSpPr>
+          <p:cNvPr id="2" name="Заголовок 1"/>
+          <p:cNvSpPr>
+            <a:spLocks noGrp="1"/>
+          </p:cNvSpPr>
+          <p:nvPr>
+            <p:ph type="title"/>
+          </p:nvPr>
+        </p:nvSpPr>
+        <p:spPr/>
+        <p:txBody>
+          <a:bodyPr/>
+          <a:lstStyle/>
+          <a:p>
+            <a:endParaRPr lang="ru-RU"/>
+          </a:p>
+        </p:txBody>
+      </p:sp>
+      <p:sp>
+        <p:nvSpPr>
+          <p:cNvPr id="3" name="Объект 2"/>
+          <p:cNvSpPr>
+            <a:spLocks noGrp="1"/>
+          </p:cNvSpPr>
+          <p:nvPr>
+            <p:ph idx="1"/>
+          </p:nvPr>
+        </p:nvSpPr>
+        <p:spPr/>
+        <p:txBody>
+          <a:bodyPr/>
+          <a:lstStyle/>
+          <a:p>
+            <a:r>
+              <a:rPr lang="en-US" dirty="0" smtClean="0"/>
+              <a:t>There at least several way to </a:t>
+            </a:r>
+            <a:r>
+              <a:rPr lang="en-US" dirty="0" err="1" smtClean="0"/>
+              <a:t>interpretate</a:t>
+            </a:r>
+            <a:r>
+              <a:rPr lang="en-US" dirty="0" smtClean="0"/>
+              <a:t> why minimum value is in sharp edges</a:t>
+            </a:r>
+          </a:p>
+          <a:p>
+            <a:r>
+              <a:rPr lang="en-US" dirty="0" smtClean="0"/>
+              <a:t>Very big chance just geometrically. |x|_1 &lt; t are points inside Diamond</a:t>
+            </a:r>
+          </a:p>
+          <a:p>
+            <a:r>
+              <a:rPr lang="en-US" dirty="0" smtClean="0"/>
+              <a:t>It’s going to hit corners</a:t>
+            </a:r>
+            <a:endParaRPr lang="ru-RU" dirty="0"/>
+          </a:p>
+        </p:txBody>
+      </p:sp>
+      <p:sp>
+        <p:nvSpPr>
+          <p:cNvPr id="4" name="Номер слайда 3"/>
+          <p:cNvSpPr>
+            <a:spLocks noGrp="1"/>
+          </p:cNvSpPr>
+          <p:nvPr>
+            <p:ph type="sldNum" sz="quarter" idx="12"/>
+          </p:nvPr>
+        </p:nvSpPr>
+        <p:spPr/>
+        <p:txBody>
+          <a:bodyPr/>
+          <a:lstStyle/>
+          <a:p>
+            <a:fld id="{C453EA42-BA89-4D45-B3D1-7EC11C308921}" type="slidenum">
+              <a:rPr lang="ru-RU" smtClean="0"/>
+              <a:t>7</a:t>
+            </a:fld>
+            <a:endParaRPr lang="ru-RU"/>
+          </a:p>
+        </p:txBody>
+      </p:sp>
+    </p:spTree>
+    <p:extLst>
+      <p:ext uri="{BB962C8B-B14F-4D97-AF65-F5344CB8AC3E}">
+        <p14:creationId xmlns:p14="http://schemas.microsoft.com/office/powerpoint/2010/main" val="149908040"/>
+      </p:ext>
+    </p:extLst>
+  </p:cSld>
+  <p:clrMapOvr>
+    <a:masterClrMapping/>
+  </p:clrMapOvr>
+</p:sld>
+</file>
+
+<file path=ppt/slides/slide8.xml><?xml version="1.0" encoding="utf-8"?>
+<p:sld xmlns:a="http://schemas.openxmlformats.org/drawingml/2006/main" xmlns:r="http://schemas.openxmlformats.org/officeDocument/2006/relationships" xmlns:p="http://schemas.openxmlformats.org/presentationml/2006/main">
+  <p:cSld>
+    <p:spTree>
+      <p:nvGrpSpPr>
+        <p:cNvPr id="1" name=""/>
+        <p:cNvGrpSpPr/>
+        <p:nvPr/>
+      </p:nvGrpSpPr>
+      <p:grpSpPr>
+        <a:xfrm>
+          <a:off x="0" y="0"/>
+          <a:ext cx="0" cy="0"/>
+          <a:chOff x="0" y="0"/>
+          <a:chExt cx="0" cy="0"/>
+        </a:xfrm>
+      </p:grpSpPr>
+      <p:sp>
+        <p:nvSpPr>
+          <p:cNvPr id="2" name="Заголовок 1"/>
+          <p:cNvSpPr>
+            <a:spLocks noGrp="1"/>
+          </p:cNvSpPr>
+          <p:nvPr>
+            <p:ph type="title"/>
+          </p:nvPr>
+        </p:nvSpPr>
+        <p:spPr/>
+        <p:txBody>
+          <a:bodyPr/>
+          <a:lstStyle/>
+          <a:p>
+            <a:r>
+              <a:rPr lang="en-US" dirty="0" smtClean="0"/>
+              <a:t>Brief history of L1 regularization</a:t>
+            </a:r>
+            <a:endParaRPr lang="ru-RU" dirty="0"/>
+          </a:p>
+        </p:txBody>
+      </p:sp>
+      <p:sp>
+        <p:nvSpPr>
+          <p:cNvPr id="3" name="Объект 2"/>
+          <p:cNvSpPr>
+            <a:spLocks noGrp="1"/>
+          </p:cNvSpPr>
+          <p:nvPr>
+            <p:ph idx="1"/>
+          </p:nvPr>
+        </p:nvSpPr>
+        <p:spPr/>
+        <p:txBody>
+          <a:bodyPr>
+            <a:normAutofit fontScale="85000" lnSpcReduction="20000"/>
+          </a:bodyPr>
+          <a:lstStyle/>
+          <a:p>
+            <a:r>
+              <a:rPr lang="en-US" dirty="0" err="1" smtClean="0"/>
+              <a:t>R.Tibshirani</a:t>
+            </a:r>
+            <a:r>
+              <a:rPr lang="en-US" dirty="0" smtClean="0"/>
+              <a:t> </a:t>
+            </a:r>
+            <a:r>
+              <a:rPr lang="en-US" dirty="0" err="1" smtClean="0"/>
+              <a:t>intoduced</a:t>
+            </a:r>
+            <a:r>
+              <a:rPr lang="en-US" dirty="0" smtClean="0"/>
+              <a:t> Lasso for regression in 1995</a:t>
+            </a:r>
+          </a:p>
+          <a:p>
+            <a:endParaRPr lang="en-US" dirty="0" smtClean="0"/>
+          </a:p>
+          <a:p>
+            <a:r>
+              <a:rPr lang="en-US" dirty="0" smtClean="0"/>
+              <a:t>Same idea is called </a:t>
+            </a:r>
+            <a:r>
+              <a:rPr lang="en-US" b="1" i="1" dirty="0" smtClean="0"/>
+              <a:t>Basis Pursuit </a:t>
+            </a:r>
+            <a:r>
+              <a:rPr lang="en-US" i="1" dirty="0" smtClean="0"/>
+              <a:t>(Chen, </a:t>
+            </a:r>
+            <a:r>
+              <a:rPr lang="en-US" i="1" dirty="0" err="1" smtClean="0"/>
+              <a:t>Donoho</a:t>
+            </a:r>
+            <a:r>
+              <a:rPr lang="en-US" i="1" dirty="0" smtClean="0"/>
+              <a:t>, Saunders, 1996). Forget about </a:t>
+            </a:r>
+            <a:r>
+              <a:rPr lang="en-US" i="1" dirty="0" err="1" smtClean="0"/>
+              <a:t>orthongonality</a:t>
+            </a:r>
+            <a:r>
+              <a:rPr lang="en-US" i="1" dirty="0" smtClean="0"/>
+              <a:t> of basis.</a:t>
+            </a:r>
+          </a:p>
+          <a:p>
+            <a:endParaRPr lang="en-US" i="1" dirty="0" smtClean="0"/>
+          </a:p>
+          <a:p>
+            <a:r>
+              <a:rPr lang="en-US" i="1" dirty="0" smtClean="0"/>
+              <a:t>Extended to linear model </a:t>
+            </a:r>
+            <a:r>
+              <a:rPr lang="en-US" i="1" dirty="0" err="1" smtClean="0"/>
+              <a:t>seetings</a:t>
+            </a:r>
+            <a:r>
+              <a:rPr lang="en-US" i="1" dirty="0" smtClean="0"/>
+              <a:t> like Survival models (</a:t>
+            </a:r>
+            <a:r>
+              <a:rPr lang="en-US" i="1" dirty="0" err="1" smtClean="0"/>
+              <a:t>R.Tibshirani</a:t>
+            </a:r>
+            <a:r>
+              <a:rPr lang="en-US" i="1" dirty="0" smtClean="0"/>
+              <a:t>, 1997)</a:t>
+            </a:r>
+          </a:p>
+          <a:p>
+            <a:endParaRPr lang="en-US" i="1" dirty="0" smtClean="0"/>
+          </a:p>
+          <a:p>
+            <a:r>
+              <a:rPr lang="en-US" i="1" dirty="0" smtClean="0"/>
+              <a:t>Give rise to a new field </a:t>
+            </a:r>
+            <a:r>
+              <a:rPr lang="en-US" b="1" i="1" dirty="0" smtClean="0"/>
+              <a:t>Compressed Sensing</a:t>
+            </a:r>
+          </a:p>
+          <a:p>
+            <a:pPr marL="118872" indent="0">
+              <a:buNone/>
+            </a:pPr>
+            <a:r>
+              <a:rPr lang="en-US" b="1" i="1" dirty="0" smtClean="0"/>
+              <a:t>    (</a:t>
+            </a:r>
+            <a:r>
+              <a:rPr lang="en-US" b="1" i="1" dirty="0" err="1" smtClean="0"/>
+              <a:t>Donoho</a:t>
+            </a:r>
+            <a:r>
+              <a:rPr lang="en-US" b="1" i="1" dirty="0" smtClean="0"/>
+              <a:t>, </a:t>
+            </a:r>
+            <a:r>
+              <a:rPr lang="en-US" b="1" i="1" dirty="0" err="1" smtClean="0"/>
+              <a:t>Candes</a:t>
+            </a:r>
+            <a:r>
+              <a:rPr lang="en-US" b="1" i="1" dirty="0" smtClean="0"/>
+              <a:t>, Tao, 2004-2005) </a:t>
+            </a:r>
+            <a:r>
+              <a:rPr lang="en-US" i="1" dirty="0" smtClean="0"/>
+              <a:t>Field    </a:t>
+            </a:r>
+          </a:p>
+          <a:p>
+            <a:pPr marL="118872" indent="0">
+              <a:buNone/>
+            </a:pPr>
+            <a:r>
+              <a:rPr lang="en-US" i="1" dirty="0"/>
+              <a:t> </a:t>
+            </a:r>
+            <a:r>
+              <a:rPr lang="en-US" i="1" dirty="0" smtClean="0"/>
+              <a:t>   want to give ability near exact recovery of sparse   </a:t>
+            </a:r>
+          </a:p>
+          <a:p>
+            <a:pPr marL="118872" indent="0">
+              <a:buNone/>
+            </a:pPr>
+            <a:r>
+              <a:rPr lang="en-US" i="1" dirty="0"/>
+              <a:t> </a:t>
+            </a:r>
+            <a:r>
+              <a:rPr lang="en-US" i="1" dirty="0" smtClean="0"/>
+              <a:t>   signal. In many cases L1 is good surrogate for   </a:t>
+            </a:r>
+          </a:p>
+          <a:p>
+            <a:pPr marL="118872" indent="0">
+              <a:buNone/>
+            </a:pPr>
+            <a:r>
+              <a:rPr lang="en-US" i="1" dirty="0"/>
+              <a:t> </a:t>
+            </a:r>
+            <a:r>
+              <a:rPr lang="en-US" i="1" dirty="0" smtClean="0"/>
+              <a:t>   L0</a:t>
+            </a:r>
+          </a:p>
+          <a:p>
+            <a:pPr marL="118872" indent="0">
+              <a:buNone/>
+            </a:pPr>
+            <a:endParaRPr lang="en-US" b="1" i="1" dirty="0" smtClean="0"/>
+          </a:p>
+          <a:p>
+            <a:pPr marL="118872" indent="0">
+              <a:buNone/>
+            </a:pPr>
+            <a:endParaRPr lang="en-US" b="1" i="1" dirty="0" smtClean="0"/>
+          </a:p>
+          <a:p>
+            <a:endParaRPr lang="ru-RU" i="1" dirty="0"/>
+          </a:p>
+        </p:txBody>
+      </p:sp>
+      <p:sp>
+        <p:nvSpPr>
+          <p:cNvPr id="4" name="Номер слайда 3"/>
+          <p:cNvSpPr>
+            <a:spLocks noGrp="1"/>
+          </p:cNvSpPr>
+          <p:nvPr>
+            <p:ph type="sldNum" sz="quarter" idx="12"/>
+          </p:nvPr>
+        </p:nvSpPr>
+        <p:spPr/>
+        <p:txBody>
+          <a:bodyPr/>
+          <a:lstStyle/>
+          <a:p>
+            <a:fld id="{C453EA42-BA89-4D45-B3D1-7EC11C308921}" type="slidenum">
+              <a:rPr lang="ru-RU" smtClean="0"/>
+              <a:t>8</a:t>
+            </a:fld>
+            <a:endParaRPr lang="ru-RU"/>
+          </a:p>
+        </p:txBody>
+      </p:sp>
+    </p:spTree>
+    <p:extLst>
+      <p:ext uri="{BB962C8B-B14F-4D97-AF65-F5344CB8AC3E}">
+        <p14:creationId xmlns:p14="http://schemas.microsoft.com/office/powerpoint/2010/main" val="1083761681"/>
+      </p:ext>
+    </p:extLst>
+  </p:cSld>
+  <p:clrMapOvr>
+    <a:masterClrMapping/>
+  </p:clrMapOvr>
+</p:sld>
+</file>
+
+<file path=ppt/slides/slide9.xml><?xml version="1.0" encoding="utf-8"?>
 <p:sld xmlns:a="http://schemas.openxmlformats.org/drawingml/2006/main" xmlns:r="http://schemas.openxmlformats.org/officeDocument/2006/relationships" xmlns:p="http://schemas.openxmlformats.org/presentationml/2006/main">
   <p:cSld>
     <p:spTree>
@@ -48575,7 +49864,7 @@
           <a:p>
             <a:fld id="{C453EA42-BA89-4D45-B3D1-7EC11C308921}" type="slidenum">
               <a:rPr lang="ru-RU" smtClean="0"/>
-              <a:t>6</a:t>
+              <a:t>9</a:t>
             </a:fld>
             <a:endParaRPr lang="ru-RU"/>
           </a:p>
@@ -48585,714 +49874,6 @@
     <p:extLst>
       <p:ext uri="{BB962C8B-B14F-4D97-AF65-F5344CB8AC3E}">
         <p14:creationId xmlns:p14="http://schemas.microsoft.com/office/powerpoint/2010/main" val="3098619738"/>
-      </p:ext>
-    </p:extLst>
-  </p:cSld>
-  <p:clrMapOvr>
-    <a:masterClrMapping/>
-  </p:clrMapOvr>
-</p:sld>
-</file>
-
-<file path=ppt/slides/slide7.xml><?xml version="1.0" encoding="utf-8"?>
-<p:sld xmlns:a="http://schemas.openxmlformats.org/drawingml/2006/main" xmlns:r="http://schemas.openxmlformats.org/officeDocument/2006/relationships" xmlns:p="http://schemas.openxmlformats.org/presentationml/2006/main">
-  <p:cSld>
-    <p:spTree>
-      <p:nvGrpSpPr>
-        <p:cNvPr id="1" name=""/>
-        <p:cNvGrpSpPr/>
-        <p:nvPr/>
-      </p:nvGrpSpPr>
-      <p:grpSpPr>
-        <a:xfrm>
-          <a:off x="0" y="0"/>
-          <a:ext cx="0" cy="0"/>
-          <a:chOff x="0" y="0"/>
-          <a:chExt cx="0" cy="0"/>
-        </a:xfrm>
-      </p:grpSpPr>
-      <p:sp>
-        <p:nvSpPr>
-          <p:cNvPr id="2" name="Заголовок 1"/>
-          <p:cNvSpPr>
-            <a:spLocks noGrp="1"/>
-          </p:cNvSpPr>
-          <p:nvPr>
-            <p:ph type="title"/>
-          </p:nvPr>
-        </p:nvSpPr>
-        <p:spPr/>
-        <p:txBody>
-          <a:bodyPr/>
-          <a:lstStyle/>
-          <a:p>
-            <a:r>
-              <a:rPr lang="en-US" dirty="0" smtClean="0"/>
-              <a:t>Why Elastic Net is exist?</a:t>
-            </a:r>
-            <a:endParaRPr lang="ru-RU" dirty="0"/>
-          </a:p>
-        </p:txBody>
-      </p:sp>
-      <p:sp>
-        <p:nvSpPr>
-          <p:cNvPr id="3" name="Объект 2"/>
-          <p:cNvSpPr>
-            <a:spLocks noGrp="1"/>
-          </p:cNvSpPr>
-          <p:nvPr>
-            <p:ph idx="1"/>
-          </p:nvPr>
-        </p:nvSpPr>
-        <p:spPr/>
-        <p:txBody>
-          <a:bodyPr>
-            <a:normAutofit fontScale="85000" lnSpcReduction="20000"/>
-          </a:bodyPr>
-          <a:lstStyle/>
-          <a:p>
-            <a:r>
-              <a:rPr lang="en-US" dirty="0" smtClean="0"/>
-              <a:t>Lasso do not do well when we have correlated features</a:t>
-            </a:r>
-            <a:endParaRPr lang="en-US" dirty="0"/>
-          </a:p>
-          <a:p>
-            <a:r>
-              <a:rPr lang="en-US" dirty="0" smtClean="0"/>
-              <a:t>From other side quadratic penalty try to shrink coefficients</a:t>
-            </a:r>
-          </a:p>
-          <a:p>
-            <a:endParaRPr lang="en-US" dirty="0" smtClean="0"/>
-          </a:p>
-          <a:p>
-            <a:r>
-              <a:rPr lang="en-US" dirty="0" smtClean="0"/>
-              <a:t>Empirically “Elastic Net try to select whole group of coefficients together and make coefficients in group similar to each other“-</a:t>
-            </a:r>
-            <a:r>
-              <a:rPr lang="en-US" dirty="0" err="1" smtClean="0"/>
-              <a:t>T.Hastie</a:t>
-            </a:r>
-            <a:endParaRPr lang="en-US" dirty="0" smtClean="0"/>
-          </a:p>
-          <a:p>
-            <a:r>
-              <a:rPr lang="en-US" dirty="0" smtClean="0"/>
-              <a:t>So it gives also sparse solution</a:t>
-            </a:r>
-          </a:p>
-          <a:p>
-            <a:endParaRPr lang="en-US" dirty="0"/>
-          </a:p>
-          <a:p>
-            <a:r>
-              <a:rPr lang="en-US" dirty="0" smtClean="0"/>
-              <a:t>Some question from audience: Does it has sense instead of L2 norm square use some other convex </a:t>
-            </a:r>
-            <a:r>
-              <a:rPr lang="en-US" dirty="0" err="1" smtClean="0"/>
-              <a:t>Lp</a:t>
-            </a:r>
-            <a:r>
-              <a:rPr lang="en-US" dirty="0" smtClean="0"/>
-              <a:t> </a:t>
-            </a:r>
-            <a:r>
-              <a:rPr lang="en-US" smtClean="0"/>
-              <a:t>norm. T.Hastie</a:t>
-            </a:r>
-            <a:r>
-              <a:rPr lang="en-US" dirty="0" smtClean="0"/>
-              <a:t> </a:t>
-            </a:r>
-            <a:r>
-              <a:rPr lang="en-US" b="1" dirty="0" smtClean="0"/>
-              <a:t>“No”</a:t>
-            </a:r>
-            <a:endParaRPr lang="ru-RU" b="1" dirty="0"/>
-          </a:p>
-        </p:txBody>
-      </p:sp>
-      <p:sp>
-        <p:nvSpPr>
-          <p:cNvPr id="4" name="Номер слайда 3"/>
-          <p:cNvSpPr>
-            <a:spLocks noGrp="1"/>
-          </p:cNvSpPr>
-          <p:nvPr>
-            <p:ph type="sldNum" sz="quarter" idx="12"/>
-          </p:nvPr>
-        </p:nvSpPr>
-        <p:spPr/>
-        <p:txBody>
-          <a:bodyPr/>
-          <a:lstStyle/>
-          <a:p>
-            <a:fld id="{C453EA42-BA89-4D45-B3D1-7EC11C308921}" type="slidenum">
-              <a:rPr lang="ru-RU" smtClean="0"/>
-              <a:t>7</a:t>
-            </a:fld>
-            <a:endParaRPr lang="ru-RU"/>
-          </a:p>
-        </p:txBody>
-      </p:sp>
-    </p:spTree>
-    <p:extLst>
-      <p:ext uri="{BB962C8B-B14F-4D97-AF65-F5344CB8AC3E}">
-        <p14:creationId xmlns:p14="http://schemas.microsoft.com/office/powerpoint/2010/main" val="2297070531"/>
-      </p:ext>
-    </p:extLst>
-  </p:cSld>
-  <p:clrMapOvr>
-    <a:masterClrMapping/>
-  </p:clrMapOvr>
-</p:sld>
-</file>
-
-<file path=ppt/slides/slide8.xml><?xml version="1.0" encoding="utf-8"?>
-<p:sld xmlns:a="http://schemas.openxmlformats.org/drawingml/2006/main" xmlns:r="http://schemas.openxmlformats.org/officeDocument/2006/relationships" xmlns:p="http://schemas.openxmlformats.org/presentationml/2006/main">
-  <p:cSld>
-    <p:spTree>
-      <p:nvGrpSpPr>
-        <p:cNvPr id="1" name=""/>
-        <p:cNvGrpSpPr/>
-        <p:nvPr/>
-      </p:nvGrpSpPr>
-      <p:grpSpPr>
-        <a:xfrm>
-          <a:off x="0" y="0"/>
-          <a:ext cx="0" cy="0"/>
-          <a:chOff x="0" y="0"/>
-          <a:chExt cx="0" cy="0"/>
-        </a:xfrm>
-      </p:grpSpPr>
-      <p:sp>
-        <p:nvSpPr>
-          <p:cNvPr id="2" name="Заголовок 1"/>
-          <p:cNvSpPr>
-            <a:spLocks noGrp="1"/>
-          </p:cNvSpPr>
-          <p:nvPr>
-            <p:ph type="title"/>
-          </p:nvPr>
-        </p:nvSpPr>
-        <p:spPr/>
-        <p:txBody>
-          <a:bodyPr/>
-          <a:lstStyle/>
-          <a:p>
-            <a:r>
-              <a:rPr lang="en-US" dirty="0"/>
-              <a:t>Short History of Path Algorithms</a:t>
-            </a:r>
-            <a:endParaRPr lang="ru-RU" dirty="0"/>
-          </a:p>
-        </p:txBody>
-      </p:sp>
-      <p:sp>
-        <p:nvSpPr>
-          <p:cNvPr id="3" name="Объект 2"/>
-          <p:cNvSpPr>
-            <a:spLocks noGrp="1"/>
-          </p:cNvSpPr>
-          <p:nvPr>
-            <p:ph idx="1"/>
-          </p:nvPr>
-        </p:nvSpPr>
-        <p:spPr/>
-        <p:txBody>
-          <a:bodyPr>
-            <a:normAutofit lnSpcReduction="10000"/>
-          </a:bodyPr>
-          <a:lstStyle/>
-          <a:p>
-            <a:r>
-              <a:rPr lang="en-US" dirty="0" smtClean="0"/>
-              <a:t>In 2001 </a:t>
-            </a:r>
-            <a:r>
-              <a:rPr lang="en-US" dirty="0" err="1" smtClean="0"/>
-              <a:t>Efron</a:t>
-            </a:r>
-            <a:r>
-              <a:rPr lang="en-US" dirty="0" smtClean="0"/>
-              <a:t>, Hastie discovered that in fact problem can be solved in other way.</a:t>
-            </a:r>
-          </a:p>
-          <a:p>
-            <a:endParaRPr lang="en-US" dirty="0"/>
-          </a:p>
-          <a:p>
-            <a:r>
-              <a:rPr lang="en-US" dirty="0" err="1" smtClean="0"/>
-              <a:t>T.Hastie</a:t>
-            </a:r>
-            <a:r>
-              <a:rPr lang="en-US" dirty="0" smtClean="0"/>
-              <a:t> mentioned that it’s </a:t>
-            </a:r>
-            <a:r>
-              <a:rPr lang="en-US" dirty="0" err="1" smtClean="0"/>
-              <a:t>Efron</a:t>
-            </a:r>
-            <a:r>
-              <a:rPr lang="en-US" dirty="0" smtClean="0"/>
-              <a:t> who discovered it’s possible to solve it more efficiently</a:t>
-            </a:r>
-          </a:p>
-          <a:p>
-            <a:endParaRPr lang="en-US" dirty="0" smtClean="0"/>
-          </a:p>
-          <a:p>
-            <a:r>
-              <a:rPr lang="en-US" dirty="0" smtClean="0"/>
-              <a:t>The reasons of exist one is that solution as lambda changes – changes too. But it’s piecewise linear function with changes.</a:t>
-            </a:r>
-          </a:p>
-          <a:p>
-            <a:endParaRPr lang="en-US" dirty="0"/>
-          </a:p>
-          <a:p>
-            <a:endParaRPr lang="ru-RU" dirty="0"/>
-          </a:p>
-        </p:txBody>
-      </p:sp>
-      <p:sp>
-        <p:nvSpPr>
-          <p:cNvPr id="4" name="Номер слайда 3"/>
-          <p:cNvSpPr>
-            <a:spLocks noGrp="1"/>
-          </p:cNvSpPr>
-          <p:nvPr>
-            <p:ph type="sldNum" sz="quarter" idx="12"/>
-          </p:nvPr>
-        </p:nvSpPr>
-        <p:spPr/>
-        <p:txBody>
-          <a:bodyPr/>
-          <a:lstStyle/>
-          <a:p>
-            <a:fld id="{C453EA42-BA89-4D45-B3D1-7EC11C308921}" type="slidenum">
-              <a:rPr lang="ru-RU" smtClean="0"/>
-              <a:t>8</a:t>
-            </a:fld>
-            <a:endParaRPr lang="ru-RU"/>
-          </a:p>
-        </p:txBody>
-      </p:sp>
-    </p:spTree>
-    <p:extLst>
-      <p:ext uri="{BB962C8B-B14F-4D97-AF65-F5344CB8AC3E}">
-        <p14:creationId xmlns:p14="http://schemas.microsoft.com/office/powerpoint/2010/main" val="3279981950"/>
-      </p:ext>
-    </p:extLst>
-  </p:cSld>
-  <p:clrMapOvr>
-    <a:masterClrMapping/>
-  </p:clrMapOvr>
-</p:sld>
-</file>
-
-<file path=ppt/slides/slide9.xml><?xml version="1.0" encoding="utf-8"?>
-<p:sld xmlns:a="http://schemas.openxmlformats.org/drawingml/2006/main" xmlns:r="http://schemas.openxmlformats.org/officeDocument/2006/relationships" xmlns:p="http://schemas.openxmlformats.org/presentationml/2006/main">
-  <p:cSld>
-    <p:spTree>
-      <p:nvGrpSpPr>
-        <p:cNvPr id="1" name=""/>
-        <p:cNvGrpSpPr/>
-        <p:nvPr/>
-      </p:nvGrpSpPr>
-      <p:grpSpPr>
-        <a:xfrm>
-          <a:off x="0" y="0"/>
-          <a:ext cx="0" cy="0"/>
-          <a:chOff x="0" y="0"/>
-          <a:chExt cx="0" cy="0"/>
-        </a:xfrm>
-      </p:grpSpPr>
-      <p:sp>
-        <p:nvSpPr>
-          <p:cNvPr id="2" name="Заголовок 1"/>
-          <p:cNvSpPr>
-            <a:spLocks noGrp="1"/>
-          </p:cNvSpPr>
-          <p:nvPr>
-            <p:ph type="title"/>
-          </p:nvPr>
-        </p:nvSpPr>
-        <p:spPr/>
-        <p:txBody>
-          <a:bodyPr/>
-          <a:lstStyle/>
-          <a:p>
-            <a:r>
-              <a:rPr lang="en-US" dirty="0" smtClean="0"/>
-              <a:t>Short History of Path Algorithms</a:t>
-            </a:r>
-            <a:endParaRPr lang="ru-RU" dirty="0"/>
-          </a:p>
-        </p:txBody>
-      </p:sp>
-      <mc:AlternateContent xmlns:mc="http://schemas.openxmlformats.org/markup-compatibility/2006">
-        <mc:Choice xmlns:a14="http://schemas.microsoft.com/office/drawing/2010/main" Requires="a14">
-          <p:sp>
-            <p:nvSpPr>
-              <p:cNvPr id="3" name="Объект 2"/>
-              <p:cNvSpPr>
-                <a:spLocks noGrp="1"/>
-              </p:cNvSpPr>
-              <p:nvPr>
-                <p:ph idx="1"/>
-              </p:nvPr>
-            </p:nvSpPr>
-            <p:spPr/>
-            <p:txBody>
-              <a:bodyPr>
-                <a:normAutofit fontScale="77500" lnSpcReduction="20000"/>
-              </a:bodyPr>
-              <a:lstStyle/>
-              <a:p>
-                <a:r>
-                  <a:rPr lang="en-US" dirty="0" smtClean="0"/>
-                  <a:t>It have lead to LARS algorithm(Least Angle Regression, 2001). Entire Path can be computed as one least-squares problem. (</a:t>
-                </a:r>
-                <a:r>
-                  <a:rPr lang="en-US" dirty="0" err="1" smtClean="0"/>
-                  <a:t>Efron</a:t>
-                </a:r>
-                <a:r>
-                  <a:rPr lang="en-US" dirty="0" smtClean="0"/>
-                  <a:t>, et al)</a:t>
-                </a:r>
-              </a:p>
-              <a:p>
-                <a:endParaRPr lang="en-US" dirty="0"/>
-              </a:p>
-              <a:p>
-                <a:r>
-                  <a:rPr lang="en-US" dirty="0" smtClean="0"/>
-                  <a:t>But after LARS in 2001 the new collection of algorithms have been </a:t>
-                </a:r>
-                <a:r>
-                  <a:rPr lang="en-US" dirty="0" err="1" smtClean="0"/>
-                  <a:t>arrised</a:t>
-                </a:r>
-                <a:r>
-                  <a:rPr lang="en-US" dirty="0" smtClean="0"/>
-                  <a:t> called </a:t>
-                </a:r>
-                <a:r>
-                  <a:rPr lang="en-US" i="1" dirty="0" smtClean="0"/>
-                  <a:t>“Path algorithms” for various penalties</a:t>
-                </a:r>
-              </a:p>
-              <a:p>
-                <a:pPr lvl="1"/>
-                <a:r>
-                  <a:rPr lang="en-US" i="1" dirty="0" smtClean="0"/>
-                  <a:t>Grouped Lasso (Yuan, Lin, 2007) </a:t>
-                </a:r>
-                <a14:m>
-                  <m:oMath xmlns:m="http://schemas.openxmlformats.org/officeDocument/2006/math">
-                    <m:nary>
-                      <m:naryPr>
-                        <m:chr m:val="∑"/>
-                        <m:ctrlPr>
-                          <a:rPr lang="en-US" i="1" smtClean="0">
-                            <a:latin typeface="Cambria Math"/>
-                          </a:rPr>
-                        </m:ctrlPr>
-                      </m:naryPr>
-                      <m:sub>
-                        <m:r>
-                          <m:rPr>
-                            <m:brk m:alnAt="23"/>
-                          </m:rPr>
-                          <a:rPr lang="en-US" b="0" i="1" smtClean="0">
-                            <a:latin typeface="Cambria Math"/>
-                          </a:rPr>
-                          <m:t>𝑗</m:t>
-                        </m:r>
-                        <m:r>
-                          <a:rPr lang="en-US" b="0" i="1" smtClean="0">
-                            <a:latin typeface="Cambria Math"/>
-                          </a:rPr>
-                          <m:t>=1</m:t>
-                        </m:r>
-                      </m:sub>
-                      <m:sup>
-                        <m:r>
-                          <a:rPr lang="en-US" b="0" i="1" smtClean="0">
-                            <a:latin typeface="Cambria Math"/>
-                          </a:rPr>
-                          <m:t>𝑗</m:t>
-                        </m:r>
-                        <m:r>
-                          <a:rPr lang="en-US" b="0" i="1" smtClean="0">
-                            <a:latin typeface="Cambria Math"/>
-                          </a:rPr>
-                          <m:t>=</m:t>
-                        </m:r>
-                        <m:r>
-                          <a:rPr lang="en-US" b="0" i="1" smtClean="0">
-                            <a:latin typeface="Cambria Math"/>
-                          </a:rPr>
-                          <m:t>𝐽</m:t>
-                        </m:r>
-                      </m:sup>
-                      <m:e>
-                        <m:sSub>
-                          <m:sSubPr>
-                            <m:ctrlPr>
-                              <a:rPr lang="en-US" b="0" i="1" smtClean="0">
-                                <a:latin typeface="Cambria Math"/>
-                              </a:rPr>
-                            </m:ctrlPr>
-                          </m:sSubPr>
-                          <m:e>
-                            <m:d>
-                              <m:dPr>
-                                <m:begChr m:val="|"/>
-                                <m:endChr m:val="|"/>
-                                <m:ctrlPr>
-                                  <a:rPr lang="en-US" b="0" i="1" smtClean="0">
-                                    <a:latin typeface="Cambria Math"/>
-                                  </a:rPr>
-                                </m:ctrlPr>
-                              </m:dPr>
-                              <m:e>
-                                <m:r>
-                                  <a:rPr lang="en-US" b="0" i="1" smtClean="0">
-                                    <a:latin typeface="Cambria Math"/>
-                                  </a:rPr>
-                                  <m:t>𝑔𝑟𝑜𝑢</m:t>
-                                </m:r>
-                                <m:sSub>
-                                  <m:sSubPr>
-                                    <m:ctrlPr>
-                                      <a:rPr lang="en-US" b="0" i="1" smtClean="0">
-                                        <a:latin typeface="Cambria Math"/>
-                                      </a:rPr>
-                                    </m:ctrlPr>
-                                  </m:sSubPr>
-                                  <m:e>
-                                    <m:r>
-                                      <a:rPr lang="en-US" b="0" i="1" smtClean="0">
-                                        <a:latin typeface="Cambria Math"/>
-                                      </a:rPr>
-                                      <m:t>𝑝</m:t>
-                                    </m:r>
-                                  </m:e>
-                                  <m:sub>
-                                    <m:r>
-                                      <a:rPr lang="en-US" b="0" i="1" smtClean="0">
-                                        <a:latin typeface="Cambria Math"/>
-                                      </a:rPr>
-                                      <m:t>𝑗</m:t>
-                                    </m:r>
-                                  </m:sub>
-                                </m:sSub>
-                              </m:e>
-                            </m:d>
-                          </m:e>
-                          <m:sub>
-                            <m:r>
-                              <a:rPr lang="en-US" b="0" i="1" smtClean="0">
-                                <a:latin typeface="Cambria Math"/>
-                              </a:rPr>
-                              <m:t>2</m:t>
-                            </m:r>
-                          </m:sub>
-                        </m:sSub>
-                      </m:e>
-                    </m:nary>
-                  </m:oMath>
-                </a14:m>
-                <a:r>
-                  <a:rPr lang="en-US" i="1" dirty="0" smtClean="0"/>
-                  <a:t> and </a:t>
-                </a:r>
-                <a14:m>
-                  <m:oMath xmlns:m="http://schemas.openxmlformats.org/officeDocument/2006/math">
-                    <m:r>
-                      <a:rPr lang="en-US" i="1">
-                        <a:latin typeface="Cambria Math"/>
-                      </a:rPr>
-                      <m:t>𝑔𝑟𝑜𝑢</m:t>
-                    </m:r>
-                    <m:sSub>
-                      <m:sSubPr>
-                        <m:ctrlPr>
-                          <a:rPr lang="en-US" i="1">
-                            <a:latin typeface="Cambria Math"/>
-                          </a:rPr>
-                        </m:ctrlPr>
-                      </m:sSubPr>
-                      <m:e>
-                        <m:r>
-                          <a:rPr lang="en-US" i="1">
-                            <a:latin typeface="Cambria Math"/>
-                          </a:rPr>
-                          <m:t>𝑝</m:t>
-                        </m:r>
-                      </m:e>
-                      <m:sub>
-                        <m:r>
-                          <a:rPr lang="en-US" i="1">
-                            <a:latin typeface="Cambria Math"/>
-                          </a:rPr>
-                          <m:t>𝑗</m:t>
-                        </m:r>
-                      </m:sub>
-                    </m:sSub>
-                  </m:oMath>
-                </a14:m>
-                <a:r>
-                  <a:rPr lang="en-US" i="1" dirty="0" smtClean="0"/>
-                  <a:t> is </a:t>
-                </a:r>
-                <a:r>
-                  <a:rPr lang="en-US" i="1" dirty="0" err="1" smtClean="0"/>
-                  <a:t>grop</a:t>
-                </a:r>
-                <a:r>
-                  <a:rPr lang="en-US" i="1" dirty="0" smtClean="0"/>
-                  <a:t> of coefficients. Idea is select </a:t>
-                </a:r>
-                <a:r>
-                  <a:rPr lang="en-US" i="1" dirty="0" err="1" smtClean="0"/>
-                  <a:t>whol</a:t>
-                </a:r>
-                <a:r>
-                  <a:rPr lang="en-US" i="1" dirty="0" smtClean="0"/>
-                  <a:t> group of coefficients or leave all them completely zero. And it’s </a:t>
-                </a:r>
-                <a:r>
-                  <a:rPr lang="en-US" i="1" dirty="0" err="1" smtClean="0"/>
-                  <a:t>usefull</a:t>
-                </a:r>
-                <a:r>
-                  <a:rPr lang="en-US" i="1" dirty="0"/>
-                  <a:t>.</a:t>
-                </a:r>
-                <a:endParaRPr lang="en-US" i="1" dirty="0" smtClean="0"/>
-              </a:p>
-              <a:p>
-                <a:pPr lvl="1"/>
-                <a:endParaRPr lang="en-US" i="1" dirty="0" smtClean="0"/>
-              </a:p>
-              <a:p>
-                <a:pPr lvl="1"/>
-                <a:r>
-                  <a:rPr lang="en-US" i="1" dirty="0" smtClean="0"/>
-                  <a:t>Elastic Net (</a:t>
-                </a:r>
-                <a:r>
-                  <a:rPr lang="en-US" i="1" dirty="0" err="1" smtClean="0"/>
-                  <a:t>Zou,Hastie</a:t>
-                </a:r>
-                <a:r>
-                  <a:rPr lang="en-US" i="1" dirty="0" smtClean="0"/>
-                  <a:t>, 2004)</a:t>
-                </a:r>
-              </a:p>
-              <a:p>
-                <a:pPr lvl="1"/>
-                <a:r>
-                  <a:rPr lang="en-US" i="1" dirty="0" err="1" smtClean="0"/>
-                  <a:t>Quantile</a:t>
-                </a:r>
-                <a:r>
-                  <a:rPr lang="en-US" i="1" dirty="0" smtClean="0"/>
-                  <a:t> Regression (Li, Zhu,  2007)</a:t>
-                </a:r>
-              </a:p>
-              <a:p>
-                <a:pPr lvl="1"/>
-                <a:r>
-                  <a:rPr lang="en-US" i="1" dirty="0" err="1" smtClean="0"/>
-                  <a:t>Dantzig</a:t>
-                </a:r>
-                <a:r>
-                  <a:rPr lang="en-US" i="1" dirty="0" smtClean="0"/>
-                  <a:t> selector  (James, </a:t>
-                </a:r>
-                <a:r>
-                  <a:rPr lang="en-US" i="1" dirty="0" err="1" smtClean="0"/>
-                  <a:t>Radchenko</a:t>
-                </a:r>
-                <a:r>
-                  <a:rPr lang="en-US" i="1" dirty="0" smtClean="0"/>
-                  <a:t>, 2008)</a:t>
-                </a:r>
-                <a:endParaRPr lang="ru-RU" i="1" dirty="0"/>
-              </a:p>
-            </p:txBody>
-          </p:sp>
-        </mc:Choice>
-        <mc:Fallback>
-          <p:sp>
-            <p:nvSpPr>
-              <p:cNvPr id="3" name="Объект 2"/>
-              <p:cNvSpPr>
-                <a:spLocks noGrp="1" noRot="1" noChangeAspect="1" noMove="1" noResize="1" noEditPoints="1" noAdjustHandles="1" noChangeArrowheads="1" noChangeShapeType="1" noTextEdit="1"/>
-              </p:cNvSpPr>
-              <p:nvPr>
-                <p:ph idx="1"/>
-              </p:nvPr>
-            </p:nvSpPr>
-            <p:spPr>
-              <a:blipFill rotWithShape="1">
-                <a:blip r:embed="rId2"/>
-                <a:stretch>
-                  <a:fillRect t="-1318" b="-2503"/>
-                </a:stretch>
-              </a:blipFill>
-            </p:spPr>
-            <p:txBody>
-              <a:bodyPr/>
-              <a:lstStyle/>
-              <a:p>
-                <a:r>
-                  <a:rPr lang="ru-RU">
-                    <a:noFill/>
-                  </a:rPr>
-                  <a:t> </a:t>
-                </a:r>
-              </a:p>
-            </p:txBody>
-          </p:sp>
-        </mc:Fallback>
-      </mc:AlternateContent>
-      <p:sp>
-        <p:nvSpPr>
-          <p:cNvPr id="4" name="Номер слайда 3"/>
-          <p:cNvSpPr>
-            <a:spLocks noGrp="1"/>
-          </p:cNvSpPr>
-          <p:nvPr>
-            <p:ph type="sldNum" sz="quarter" idx="12"/>
-          </p:nvPr>
-        </p:nvSpPr>
-        <p:spPr/>
-        <p:txBody>
-          <a:bodyPr/>
-          <a:lstStyle/>
-          <a:p>
-            <a:fld id="{C453EA42-BA89-4D45-B3D1-7EC11C308921}" type="slidenum">
-              <a:rPr lang="ru-RU" smtClean="0"/>
-              <a:t>9</a:t>
-            </a:fld>
-            <a:endParaRPr lang="ru-RU"/>
-          </a:p>
-        </p:txBody>
-      </p:sp>
-    </p:spTree>
-    <p:extLst>
-      <p:ext uri="{BB962C8B-B14F-4D97-AF65-F5344CB8AC3E}">
-        <p14:creationId xmlns:p14="http://schemas.microsoft.com/office/powerpoint/2010/main" val="3291230522"/>
       </p:ext>
     </p:extLst>
   </p:cSld>
